--- a/Documentatie/Special Input.pptx
+++ b/Documentatie/Special Input.pptx
@@ -6143,7 +6143,7 @@
           <a:bodyPr/>
           <a:lstStyle/>
           <a:p>
-            <a:endParaRPr lang="nl-NL"/>
+            <a:endParaRPr lang="nl-NL" dirty="0"/>
           </a:p>
         </p:txBody>
       </p:sp>

--- a/Documentatie/Special Input.pptx
+++ b/Documentatie/Special Input.pptx
@@ -9,9 +9,15 @@
     <p:sldId id="257" r:id="rId3"/>
     <p:sldId id="258" r:id="rId4"/>
     <p:sldId id="259" r:id="rId5"/>
-    <p:sldId id="260" r:id="rId6"/>
-    <p:sldId id="261" r:id="rId7"/>
-    <p:sldId id="262" r:id="rId8"/>
+    <p:sldId id="266" r:id="rId6"/>
+    <p:sldId id="260" r:id="rId7"/>
+    <p:sldId id="261" r:id="rId8"/>
+    <p:sldId id="262" r:id="rId9"/>
+    <p:sldId id="265" r:id="rId10"/>
+    <p:sldId id="263" r:id="rId11"/>
+    <p:sldId id="267" r:id="rId12"/>
+    <p:sldId id="264" r:id="rId13"/>
+    <p:sldId id="268" r:id="rId14"/>
   </p:sldIdLst>
   <p:sldSz cx="12192000" cy="6858000"/>
   <p:notesSz cx="6858000" cy="9144000"/>
@@ -547,7 +553,7 @@
             <a:fld id="{5586B75A-687E-405C-8A0B-8D00578BA2C3}" type="datetimeFigureOut">
               <a:rPr lang="en-US" dirty="0"/>
               <a:pPr/>
-              <a:t>4/9/2020</a:t>
+              <a:t>4/13/2020</a:t>
             </a:fld>
             <a:endParaRPr lang="en-US" dirty="0"/>
           </a:p>
@@ -714,7 +720,7 @@
             <a:fld id="{5586B75A-687E-405C-8A0B-8D00578BA2C3}" type="datetimeFigureOut">
               <a:rPr lang="en-US" dirty="0"/>
               <a:pPr/>
-              <a:t>4/9/2020</a:t>
+              <a:t>4/13/2020</a:t>
             </a:fld>
             <a:endParaRPr lang="en-US" dirty="0"/>
           </a:p>
@@ -891,7 +897,7 @@
             <a:fld id="{5586B75A-687E-405C-8A0B-8D00578BA2C3}" type="datetimeFigureOut">
               <a:rPr lang="en-US" dirty="0"/>
               <a:pPr/>
-              <a:t>4/9/2020</a:t>
+              <a:t>4/13/2020</a:t>
             </a:fld>
             <a:endParaRPr lang="en-US" dirty="0"/>
           </a:p>
@@ -1058,7 +1064,7 @@
             <a:fld id="{5586B75A-687E-405C-8A0B-8D00578BA2C3}" type="datetimeFigureOut">
               <a:rPr lang="en-US" dirty="0"/>
               <a:pPr/>
-              <a:t>4/9/2020</a:t>
+              <a:t>4/13/2020</a:t>
             </a:fld>
             <a:endParaRPr lang="en-US" dirty="0"/>
           </a:p>
@@ -1313,7 +1319,7 @@
             <a:fld id="{5586B75A-687E-405C-8A0B-8D00578BA2C3}" type="datetimeFigureOut">
               <a:rPr lang="en-US" dirty="0"/>
               <a:pPr/>
-              <a:t>4/9/2020</a:t>
+              <a:t>4/13/2020</a:t>
             </a:fld>
             <a:endParaRPr lang="en-US" dirty="0"/>
           </a:p>
@@ -1598,7 +1604,7 @@
             <a:fld id="{5586B75A-687E-405C-8A0B-8D00578BA2C3}" type="datetimeFigureOut">
               <a:rPr lang="en-US" dirty="0"/>
               <a:pPr/>
-              <a:t>4/9/2020</a:t>
+              <a:t>4/13/2020</a:t>
             </a:fld>
             <a:endParaRPr lang="en-US" dirty="0"/>
           </a:p>
@@ -2037,7 +2043,7 @@
             <a:fld id="{5586B75A-687E-405C-8A0B-8D00578BA2C3}" type="datetimeFigureOut">
               <a:rPr lang="en-US" dirty="0"/>
               <a:pPr/>
-              <a:t>4/9/2020</a:t>
+              <a:t>4/13/2020</a:t>
             </a:fld>
             <a:endParaRPr lang="en-US" dirty="0"/>
           </a:p>
@@ -2152,7 +2158,7 @@
             <a:fld id="{5586B75A-687E-405C-8A0B-8D00578BA2C3}" type="datetimeFigureOut">
               <a:rPr lang="en-US" dirty="0"/>
               <a:pPr/>
-              <a:t>4/9/2020</a:t>
+              <a:t>4/13/2020</a:t>
             </a:fld>
             <a:endParaRPr lang="en-US" dirty="0"/>
           </a:p>
@@ -2244,7 +2250,7 @@
             <a:fld id="{5586B75A-687E-405C-8A0B-8D00578BA2C3}" type="datetimeFigureOut">
               <a:rPr lang="en-US" dirty="0"/>
               <a:pPr/>
-              <a:t>4/9/2020</a:t>
+              <a:t>4/13/2020</a:t>
             </a:fld>
             <a:endParaRPr lang="en-US" dirty="0"/>
           </a:p>
@@ -2529,7 +2535,7 @@
             <a:fld id="{5586B75A-687E-405C-8A0B-8D00578BA2C3}" type="datetimeFigureOut">
               <a:rPr lang="en-US" dirty="0"/>
               <a:pPr/>
-              <a:t>4/9/2020</a:t>
+              <a:t>4/13/2020</a:t>
             </a:fld>
             <a:endParaRPr lang="en-US" dirty="0"/>
           </a:p>
@@ -2799,7 +2805,7 @@
             <a:fld id="{5586B75A-687E-405C-8A0B-8D00578BA2C3}" type="datetimeFigureOut">
               <a:rPr lang="en-US" dirty="0"/>
               <a:pPr/>
-              <a:t>4/9/2020</a:t>
+              <a:t>4/13/2020</a:t>
             </a:fld>
             <a:endParaRPr lang="en-US" dirty="0"/>
           </a:p>
@@ -3093,7 +3099,7 @@
             <a:fld id="{5586B75A-687E-405C-8A0B-8D00578BA2C3}" type="datetimeFigureOut">
               <a:rPr lang="en-US" dirty="0"/>
               <a:pPr/>
-              <a:t>4/9/2020</a:t>
+              <a:t>4/13/2020</a:t>
             </a:fld>
             <a:endParaRPr lang="en-US" dirty="0"/>
           </a:p>
@@ -3641,6 +3647,1771 @@
 </p:sld>
 </file>
 
+<file path=ppt/slides/slide10.xml><?xml version="1.0" encoding="utf-8"?>
+<p:sld xmlns:a="http://schemas.openxmlformats.org/drawingml/2006/main" xmlns:r="http://schemas.openxmlformats.org/officeDocument/2006/relationships" xmlns:p="http://schemas.openxmlformats.org/presentationml/2006/main">
+  <p:cSld>
+    <p:spTree>
+      <p:nvGrpSpPr>
+        <p:cNvPr id="1" name=""/>
+        <p:cNvGrpSpPr/>
+        <p:nvPr/>
+      </p:nvGrpSpPr>
+      <p:grpSpPr>
+        <a:xfrm>
+          <a:off x="0" y="0"/>
+          <a:ext cx="0" cy="0"/>
+          <a:chOff x="0" y="0"/>
+          <a:chExt cx="0" cy="0"/>
+        </a:xfrm>
+      </p:grpSpPr>
+      <p:sp>
+        <p:nvSpPr>
+          <p:cNvPr id="2" name="Title 1">
+            <a:extLst>
+              <a:ext uri="{FF2B5EF4-FFF2-40B4-BE49-F238E27FC236}">
+                <a16:creationId xmlns:a16="http://schemas.microsoft.com/office/drawing/2014/main" id="{66D150B7-47AB-4D78-991B-B0628CAF3044}"/>
+              </a:ext>
+            </a:extLst>
+          </p:cNvPr>
+          <p:cNvSpPr>
+            <a:spLocks noGrp="1"/>
+          </p:cNvSpPr>
+          <p:nvPr>
+            <p:ph type="title"/>
+          </p:nvPr>
+        </p:nvSpPr>
+        <p:spPr/>
+        <p:txBody>
+          <a:bodyPr/>
+          <a:lstStyle/>
+          <a:p>
+            <a:r>
+              <a:rPr lang="nl-NL" dirty="0"/>
+              <a:t>DotDetector</a:t>
+            </a:r>
+          </a:p>
+        </p:txBody>
+      </p:sp>
+      <p:sp>
+        <p:nvSpPr>
+          <p:cNvPr id="3" name="Content Placeholder 2">
+            <a:extLst>
+              <a:ext uri="{FF2B5EF4-FFF2-40B4-BE49-F238E27FC236}">
+                <a16:creationId xmlns:a16="http://schemas.microsoft.com/office/drawing/2014/main" id="{36A7380D-921C-4F88-AF2D-EFA9F2185C18}"/>
+              </a:ext>
+            </a:extLst>
+          </p:cNvPr>
+          <p:cNvSpPr>
+            <a:spLocks noGrp="1"/>
+          </p:cNvSpPr>
+          <p:nvPr>
+            <p:ph idx="1"/>
+          </p:nvPr>
+        </p:nvSpPr>
+        <p:spPr>
+          <a:xfrm>
+            <a:off x="4213624" y="3824000"/>
+            <a:ext cx="7315200" cy="1187332"/>
+          </a:xfrm>
+        </p:spPr>
+        <p:txBody>
+          <a:bodyPr/>
+          <a:lstStyle/>
+          <a:p>
+            <a:r>
+              <a:rPr lang="nl-NL" dirty="0"/>
+              <a:t>OnTriggerEnter &amp; OnTriggerExit</a:t>
+            </a:r>
+          </a:p>
+          <a:p>
+            <a:r>
+              <a:rPr lang="nl-NL" dirty="0"/>
+              <a:t>OnTriggerExit niet gebruiken als je al geklikt hebt</a:t>
+            </a:r>
+          </a:p>
+        </p:txBody>
+      </p:sp>
+      <p:pic>
+        <p:nvPicPr>
+          <p:cNvPr id="4" name="Picture 3">
+            <a:extLst>
+              <a:ext uri="{FF2B5EF4-FFF2-40B4-BE49-F238E27FC236}">
+                <a16:creationId xmlns:a16="http://schemas.microsoft.com/office/drawing/2014/main" id="{DF89FFDB-838E-4F04-B85B-FF9BAC5EF697}"/>
+              </a:ext>
+            </a:extLst>
+          </p:cNvPr>
+          <p:cNvPicPr>
+            <a:picLocks noChangeAspect="1"/>
+          </p:cNvPicPr>
+          <p:nvPr/>
+        </p:nvPicPr>
+        <p:blipFill>
+          <a:blip r:embed="rId2"/>
+          <a:stretch>
+            <a:fillRect/>
+          </a:stretch>
+        </p:blipFill>
+        <p:spPr>
+          <a:xfrm>
+            <a:off x="4213624" y="1541087"/>
+            <a:ext cx="4525272" cy="1983348"/>
+          </a:xfrm>
+          <a:prstGeom prst="rect">
+            <a:avLst/>
+          </a:prstGeom>
+        </p:spPr>
+      </p:pic>
+      <p:pic>
+        <p:nvPicPr>
+          <p:cNvPr id="7" name="Picture 6">
+            <a:extLst>
+              <a:ext uri="{FF2B5EF4-FFF2-40B4-BE49-F238E27FC236}">
+                <a16:creationId xmlns:a16="http://schemas.microsoft.com/office/drawing/2014/main" id="{365ECE49-1581-42D1-B355-93C17BE3192F}"/>
+              </a:ext>
+            </a:extLst>
+          </p:cNvPr>
+          <p:cNvPicPr>
+            <a:picLocks noChangeAspect="1"/>
+          </p:cNvPicPr>
+          <p:nvPr/>
+        </p:nvPicPr>
+        <p:blipFill>
+          <a:blip r:embed="rId3"/>
+          <a:stretch>
+            <a:fillRect/>
+          </a:stretch>
+        </p:blipFill>
+        <p:spPr>
+          <a:xfrm>
+            <a:off x="9610076" y="1692402"/>
+            <a:ext cx="1407112" cy="1680717"/>
+          </a:xfrm>
+          <a:prstGeom prst="rect">
+            <a:avLst/>
+          </a:prstGeom>
+        </p:spPr>
+      </p:pic>
+    </p:spTree>
+    <p:extLst>
+      <p:ext uri="{BB962C8B-B14F-4D97-AF65-F5344CB8AC3E}">
+        <p14:creationId xmlns:p14="http://schemas.microsoft.com/office/powerpoint/2010/main" val="1792322247"/>
+      </p:ext>
+    </p:extLst>
+  </p:cSld>
+  <p:clrMapOvr>
+    <a:masterClrMapping/>
+  </p:clrMapOvr>
+</p:sld>
+</file>
+
+<file path=ppt/slides/slide11.xml><?xml version="1.0" encoding="utf-8"?>
+<p:sld xmlns:a="http://schemas.openxmlformats.org/drawingml/2006/main" xmlns:r="http://schemas.openxmlformats.org/officeDocument/2006/relationships" xmlns:p="http://schemas.openxmlformats.org/presentationml/2006/main">
+  <p:cSld>
+    <p:spTree>
+      <p:nvGrpSpPr>
+        <p:cNvPr id="1" name=""/>
+        <p:cNvGrpSpPr/>
+        <p:nvPr/>
+      </p:nvGrpSpPr>
+      <p:grpSpPr>
+        <a:xfrm>
+          <a:off x="0" y="0"/>
+          <a:ext cx="0" cy="0"/>
+          <a:chOff x="0" y="0"/>
+          <a:chExt cx="0" cy="0"/>
+        </a:xfrm>
+      </p:grpSpPr>
+      <p:sp>
+        <p:nvSpPr>
+          <p:cNvPr id="2" name="Title 1">
+            <a:extLst>
+              <a:ext uri="{FF2B5EF4-FFF2-40B4-BE49-F238E27FC236}">
+                <a16:creationId xmlns:a16="http://schemas.microsoft.com/office/drawing/2014/main" id="{14F4D4B7-5C9C-4470-BE52-249375EC4C77}"/>
+              </a:ext>
+            </a:extLst>
+          </p:cNvPr>
+          <p:cNvSpPr>
+            <a:spLocks noGrp="1"/>
+          </p:cNvSpPr>
+          <p:nvPr>
+            <p:ph type="title"/>
+          </p:nvPr>
+        </p:nvSpPr>
+        <p:spPr/>
+        <p:txBody>
+          <a:bodyPr/>
+          <a:lstStyle/>
+          <a:p>
+            <a:r>
+              <a:rPr lang="nl-NL" dirty="0"/>
+              <a:t>DotSpawner</a:t>
+            </a:r>
+          </a:p>
+        </p:txBody>
+      </p:sp>
+      <p:sp>
+        <p:nvSpPr>
+          <p:cNvPr id="3" name="Content Placeholder 2">
+            <a:extLst>
+              <a:ext uri="{FF2B5EF4-FFF2-40B4-BE49-F238E27FC236}">
+                <a16:creationId xmlns:a16="http://schemas.microsoft.com/office/drawing/2014/main" id="{E554E45C-5DFB-43B3-B8B7-24265AC146B5}"/>
+              </a:ext>
+            </a:extLst>
+          </p:cNvPr>
+          <p:cNvSpPr>
+            <a:spLocks noGrp="1"/>
+          </p:cNvSpPr>
+          <p:nvPr>
+            <p:ph idx="1"/>
+          </p:nvPr>
+        </p:nvSpPr>
+        <p:spPr>
+          <a:xfrm>
+            <a:off x="3869268" y="2557975"/>
+            <a:ext cx="7315200" cy="1127464"/>
+          </a:xfrm>
+        </p:spPr>
+        <p:txBody>
+          <a:bodyPr>
+            <a:normAutofit/>
+          </a:bodyPr>
+          <a:lstStyle/>
+          <a:p>
+            <a:pPr marL="0" indent="0">
+              <a:buNone/>
+            </a:pPr>
+            <a:r>
+              <a:rPr lang="nl-NL" sz="1800" dirty="0"/>
+              <a:t>Angle: random getal tussen 20 en 120</a:t>
+            </a:r>
+          </a:p>
+          <a:p>
+            <a:pPr marL="0" indent="0">
+              <a:buNone/>
+            </a:pPr>
+            <a:r>
+              <a:rPr lang="nl-NL" sz="1800" dirty="0"/>
+              <a:t>Go: spawnt een dot op paddle</a:t>
+            </a:r>
+          </a:p>
+        </p:txBody>
+      </p:sp>
+      <p:pic>
+        <p:nvPicPr>
+          <p:cNvPr id="4" name="Picture 3">
+            <a:extLst>
+              <a:ext uri="{FF2B5EF4-FFF2-40B4-BE49-F238E27FC236}">
+                <a16:creationId xmlns:a16="http://schemas.microsoft.com/office/drawing/2014/main" id="{D2E3C13F-3EC2-4067-985E-812B623288FE}"/>
+              </a:ext>
+            </a:extLst>
+          </p:cNvPr>
+          <p:cNvPicPr>
+            <a:picLocks noChangeAspect="1"/>
+          </p:cNvPicPr>
+          <p:nvPr/>
+        </p:nvPicPr>
+        <p:blipFill>
+          <a:blip r:embed="rId2"/>
+          <a:stretch>
+            <a:fillRect/>
+          </a:stretch>
+        </p:blipFill>
+        <p:spPr>
+          <a:xfrm>
+            <a:off x="3869268" y="1503394"/>
+            <a:ext cx="7315200" cy="908903"/>
+          </a:xfrm>
+          <a:prstGeom prst="rect">
+            <a:avLst/>
+          </a:prstGeom>
+        </p:spPr>
+      </p:pic>
+      <p:sp>
+        <p:nvSpPr>
+          <p:cNvPr id="6" name="Content Placeholder 2">
+            <a:extLst>
+              <a:ext uri="{FF2B5EF4-FFF2-40B4-BE49-F238E27FC236}">
+                <a16:creationId xmlns:a16="http://schemas.microsoft.com/office/drawing/2014/main" id="{87682D16-3201-496B-A633-20BCEF00119E}"/>
+              </a:ext>
+            </a:extLst>
+          </p:cNvPr>
+          <p:cNvSpPr txBox="1">
+            <a:spLocks/>
+          </p:cNvSpPr>
+          <p:nvPr/>
+        </p:nvSpPr>
+        <p:spPr>
+          <a:xfrm>
+            <a:off x="3869268" y="3553754"/>
+            <a:ext cx="7315200" cy="1127464"/>
+          </a:xfrm>
+          <a:prstGeom prst="rect">
+            <a:avLst/>
+          </a:prstGeom>
+        </p:spPr>
+        <p:txBody>
+          <a:bodyPr vert="horz" lIns="91440" tIns="45720" rIns="91440" bIns="45720" rtlCol="0" anchor="ctr">
+            <a:normAutofit/>
+          </a:bodyPr>
+          <a:lstStyle>
+            <a:lvl1pPr marL="182880" indent="-182880" algn="l" defTabSz="914400" rtl="0" eaLnBrk="1" latinLnBrk="0" hangingPunct="1">
+              <a:lnSpc>
+                <a:spcPct val="90000"/>
+              </a:lnSpc>
+              <a:spcBef>
+                <a:spcPts val="1200"/>
+              </a:spcBef>
+              <a:buClr>
+                <a:schemeClr val="accent1"/>
+              </a:buClr>
+              <a:buFont typeface="Wingdings 2" pitchFamily="18" charset="2"/>
+              <a:buChar char=""/>
+              <a:defRPr sz="2000" kern="1200">
+                <a:solidFill>
+                  <a:schemeClr val="tx1">
+                    <a:lumMod val="65000"/>
+                    <a:lumOff val="35000"/>
+                  </a:schemeClr>
+                </a:solidFill>
+                <a:latin typeface="+mn-lt"/>
+                <a:ea typeface="+mn-ea"/>
+                <a:cs typeface="+mn-cs"/>
+              </a:defRPr>
+            </a:lvl1pPr>
+            <a:lvl2pPr marL="685800" indent="-182880" algn="l" defTabSz="914400" rtl="0" eaLnBrk="1" latinLnBrk="0" hangingPunct="1">
+              <a:lnSpc>
+                <a:spcPct val="90000"/>
+              </a:lnSpc>
+              <a:spcBef>
+                <a:spcPts val="250"/>
+              </a:spcBef>
+              <a:spcAft>
+                <a:spcPts val="250"/>
+              </a:spcAft>
+              <a:buClr>
+                <a:schemeClr val="accent1"/>
+              </a:buClr>
+              <a:buFont typeface="Wingdings 2" pitchFamily="18" charset="2"/>
+              <a:buChar char=""/>
+              <a:defRPr sz="1800" kern="1200">
+                <a:solidFill>
+                  <a:schemeClr val="tx1">
+                    <a:lumMod val="65000"/>
+                    <a:lumOff val="35000"/>
+                  </a:schemeClr>
+                </a:solidFill>
+                <a:latin typeface="+mn-lt"/>
+                <a:ea typeface="+mn-ea"/>
+                <a:cs typeface="+mn-cs"/>
+              </a:defRPr>
+            </a:lvl2pPr>
+            <a:lvl3pPr marL="1143000" indent="-182880" algn="l" defTabSz="914400" rtl="0" eaLnBrk="1" latinLnBrk="0" hangingPunct="1">
+              <a:lnSpc>
+                <a:spcPct val="90000"/>
+              </a:lnSpc>
+              <a:spcBef>
+                <a:spcPts val="250"/>
+              </a:spcBef>
+              <a:spcAft>
+                <a:spcPts val="250"/>
+              </a:spcAft>
+              <a:buClr>
+                <a:schemeClr val="accent1"/>
+              </a:buClr>
+              <a:buFont typeface="Wingdings 2" pitchFamily="18" charset="2"/>
+              <a:buChar char=""/>
+              <a:defRPr sz="1600" kern="1200">
+                <a:solidFill>
+                  <a:schemeClr val="tx1">
+                    <a:lumMod val="65000"/>
+                    <a:lumOff val="35000"/>
+                  </a:schemeClr>
+                </a:solidFill>
+                <a:latin typeface="+mn-lt"/>
+                <a:ea typeface="+mn-ea"/>
+                <a:cs typeface="+mn-cs"/>
+              </a:defRPr>
+            </a:lvl3pPr>
+            <a:lvl4pPr marL="1600200" indent="-182880" algn="l" defTabSz="914400" rtl="0" eaLnBrk="1" latinLnBrk="0" hangingPunct="1">
+              <a:lnSpc>
+                <a:spcPct val="90000"/>
+              </a:lnSpc>
+              <a:spcBef>
+                <a:spcPts val="250"/>
+              </a:spcBef>
+              <a:spcAft>
+                <a:spcPts val="250"/>
+              </a:spcAft>
+              <a:buClr>
+                <a:schemeClr val="accent1"/>
+              </a:buClr>
+              <a:buFont typeface="Wingdings 2" pitchFamily="18" charset="2"/>
+              <a:buChar char=""/>
+              <a:defRPr sz="1400" kern="1200">
+                <a:solidFill>
+                  <a:schemeClr val="tx1">
+                    <a:lumMod val="65000"/>
+                    <a:lumOff val="35000"/>
+                  </a:schemeClr>
+                </a:solidFill>
+                <a:latin typeface="+mn-lt"/>
+                <a:ea typeface="+mn-ea"/>
+                <a:cs typeface="+mn-cs"/>
+              </a:defRPr>
+            </a:lvl4pPr>
+            <a:lvl5pPr marL="2057400" indent="-182880" algn="l" defTabSz="914400" rtl="0" eaLnBrk="1" latinLnBrk="0" hangingPunct="1">
+              <a:lnSpc>
+                <a:spcPct val="90000"/>
+              </a:lnSpc>
+              <a:spcBef>
+                <a:spcPts val="250"/>
+              </a:spcBef>
+              <a:spcAft>
+                <a:spcPts val="250"/>
+              </a:spcAft>
+              <a:buClr>
+                <a:schemeClr val="accent1"/>
+              </a:buClr>
+              <a:buFont typeface="Wingdings 2" pitchFamily="18" charset="2"/>
+              <a:buChar char=""/>
+              <a:defRPr sz="1400" kern="1200">
+                <a:solidFill>
+                  <a:schemeClr val="tx1">
+                    <a:lumMod val="65000"/>
+                    <a:lumOff val="35000"/>
+                  </a:schemeClr>
+                </a:solidFill>
+                <a:latin typeface="+mn-lt"/>
+                <a:ea typeface="+mn-ea"/>
+                <a:cs typeface="+mn-cs"/>
+              </a:defRPr>
+            </a:lvl5pPr>
+            <a:lvl6pPr marL="2514600" indent="-228600" algn="l" defTabSz="914400" rtl="0" eaLnBrk="1" latinLnBrk="0" hangingPunct="1">
+              <a:lnSpc>
+                <a:spcPct val="90000"/>
+              </a:lnSpc>
+              <a:spcBef>
+                <a:spcPts val="250"/>
+              </a:spcBef>
+              <a:spcAft>
+                <a:spcPts val="250"/>
+              </a:spcAft>
+              <a:buClr>
+                <a:schemeClr val="accent1"/>
+              </a:buClr>
+              <a:buFont typeface="Wingdings 2" pitchFamily="18" charset="2"/>
+              <a:buChar char=""/>
+              <a:defRPr sz="1400" kern="1200">
+                <a:solidFill>
+                  <a:schemeClr val="tx1">
+                    <a:lumMod val="65000"/>
+                    <a:lumOff val="35000"/>
+                  </a:schemeClr>
+                </a:solidFill>
+                <a:latin typeface="+mn-lt"/>
+                <a:ea typeface="+mn-ea"/>
+                <a:cs typeface="+mn-cs"/>
+              </a:defRPr>
+            </a:lvl6pPr>
+            <a:lvl7pPr marL="2971800" indent="-228600" algn="l" defTabSz="914400" rtl="0" eaLnBrk="1" latinLnBrk="0" hangingPunct="1">
+              <a:lnSpc>
+                <a:spcPct val="90000"/>
+              </a:lnSpc>
+              <a:spcBef>
+                <a:spcPts val="250"/>
+              </a:spcBef>
+              <a:spcAft>
+                <a:spcPts val="250"/>
+              </a:spcAft>
+              <a:buClr>
+                <a:schemeClr val="accent1"/>
+              </a:buClr>
+              <a:buFont typeface="Wingdings 2" pitchFamily="18" charset="2"/>
+              <a:buChar char=""/>
+              <a:defRPr sz="1400" kern="1200">
+                <a:solidFill>
+                  <a:schemeClr val="tx1">
+                    <a:lumMod val="65000"/>
+                    <a:lumOff val="35000"/>
+                  </a:schemeClr>
+                </a:solidFill>
+                <a:latin typeface="+mn-lt"/>
+                <a:ea typeface="+mn-ea"/>
+                <a:cs typeface="+mn-cs"/>
+              </a:defRPr>
+            </a:lvl7pPr>
+            <a:lvl8pPr marL="3429000" indent="-228600" algn="l" defTabSz="914400" rtl="0" eaLnBrk="1" latinLnBrk="0" hangingPunct="1">
+              <a:lnSpc>
+                <a:spcPct val="90000"/>
+              </a:lnSpc>
+              <a:spcBef>
+                <a:spcPts val="250"/>
+              </a:spcBef>
+              <a:spcAft>
+                <a:spcPts val="250"/>
+              </a:spcAft>
+              <a:buClr>
+                <a:schemeClr val="accent1"/>
+              </a:buClr>
+              <a:buFont typeface="Wingdings 2" pitchFamily="18" charset="2"/>
+              <a:buChar char=""/>
+              <a:defRPr sz="1400" kern="1200">
+                <a:solidFill>
+                  <a:schemeClr val="tx1">
+                    <a:lumMod val="65000"/>
+                    <a:lumOff val="35000"/>
+                  </a:schemeClr>
+                </a:solidFill>
+                <a:latin typeface="+mn-lt"/>
+                <a:ea typeface="+mn-ea"/>
+                <a:cs typeface="+mn-cs"/>
+              </a:defRPr>
+            </a:lvl8pPr>
+            <a:lvl9pPr marL="3886200" indent="-228600" algn="l" defTabSz="914400" rtl="0" eaLnBrk="1" latinLnBrk="0" hangingPunct="1">
+              <a:lnSpc>
+                <a:spcPct val="90000"/>
+              </a:lnSpc>
+              <a:spcBef>
+                <a:spcPts val="250"/>
+              </a:spcBef>
+              <a:spcAft>
+                <a:spcPts val="250"/>
+              </a:spcAft>
+              <a:buClr>
+                <a:schemeClr val="accent1"/>
+              </a:buClr>
+              <a:buFont typeface="Wingdings 2" pitchFamily="18" charset="2"/>
+              <a:buChar char=""/>
+              <a:defRPr sz="1400" kern="1200">
+                <a:solidFill>
+                  <a:schemeClr val="tx1">
+                    <a:lumMod val="65000"/>
+                    <a:lumOff val="35000"/>
+                  </a:schemeClr>
+                </a:solidFill>
+                <a:latin typeface="+mn-lt"/>
+                <a:ea typeface="+mn-ea"/>
+                <a:cs typeface="+mn-cs"/>
+              </a:defRPr>
+            </a:lvl9pPr>
+          </a:lstStyle>
+          <a:p>
+            <a:endParaRPr lang="nl-NL" dirty="0"/>
+          </a:p>
+        </p:txBody>
+      </p:sp>
+      <p:sp>
+        <p:nvSpPr>
+          <p:cNvPr id="7" name="Content Placeholder 2">
+            <a:extLst>
+              <a:ext uri="{FF2B5EF4-FFF2-40B4-BE49-F238E27FC236}">
+                <a16:creationId xmlns:a16="http://schemas.microsoft.com/office/drawing/2014/main" id="{9DD132A2-4A3B-4F1A-BF86-075B8A845BD0}"/>
+              </a:ext>
+            </a:extLst>
+          </p:cNvPr>
+          <p:cNvSpPr txBox="1">
+            <a:spLocks/>
+          </p:cNvSpPr>
+          <p:nvPr/>
+        </p:nvSpPr>
+        <p:spPr>
+          <a:xfrm>
+            <a:off x="3869268" y="3549718"/>
+            <a:ext cx="7315200" cy="1127464"/>
+          </a:xfrm>
+          <a:prstGeom prst="rect">
+            <a:avLst/>
+          </a:prstGeom>
+        </p:spPr>
+        <p:txBody>
+          <a:bodyPr vert="horz" lIns="91440" tIns="45720" rIns="91440" bIns="45720" rtlCol="0" anchor="ctr">
+            <a:normAutofit/>
+          </a:bodyPr>
+          <a:lstStyle>
+            <a:lvl1pPr marL="182880" indent="-182880" algn="l" defTabSz="914400" rtl="0" eaLnBrk="1" latinLnBrk="0" hangingPunct="1">
+              <a:lnSpc>
+                <a:spcPct val="90000"/>
+              </a:lnSpc>
+              <a:spcBef>
+                <a:spcPts val="1200"/>
+              </a:spcBef>
+              <a:buClr>
+                <a:schemeClr val="accent1"/>
+              </a:buClr>
+              <a:buFont typeface="Wingdings 2" pitchFamily="18" charset="2"/>
+              <a:buChar char=""/>
+              <a:defRPr sz="2000" kern="1200">
+                <a:solidFill>
+                  <a:schemeClr val="tx1">
+                    <a:lumMod val="65000"/>
+                    <a:lumOff val="35000"/>
+                  </a:schemeClr>
+                </a:solidFill>
+                <a:latin typeface="+mn-lt"/>
+                <a:ea typeface="+mn-ea"/>
+                <a:cs typeface="+mn-cs"/>
+              </a:defRPr>
+            </a:lvl1pPr>
+            <a:lvl2pPr marL="685800" indent="-182880" algn="l" defTabSz="914400" rtl="0" eaLnBrk="1" latinLnBrk="0" hangingPunct="1">
+              <a:lnSpc>
+                <a:spcPct val="90000"/>
+              </a:lnSpc>
+              <a:spcBef>
+                <a:spcPts val="250"/>
+              </a:spcBef>
+              <a:spcAft>
+                <a:spcPts val="250"/>
+              </a:spcAft>
+              <a:buClr>
+                <a:schemeClr val="accent1"/>
+              </a:buClr>
+              <a:buFont typeface="Wingdings 2" pitchFamily="18" charset="2"/>
+              <a:buChar char=""/>
+              <a:defRPr sz="1800" kern="1200">
+                <a:solidFill>
+                  <a:schemeClr val="tx1">
+                    <a:lumMod val="65000"/>
+                    <a:lumOff val="35000"/>
+                  </a:schemeClr>
+                </a:solidFill>
+                <a:latin typeface="+mn-lt"/>
+                <a:ea typeface="+mn-ea"/>
+                <a:cs typeface="+mn-cs"/>
+              </a:defRPr>
+            </a:lvl2pPr>
+            <a:lvl3pPr marL="1143000" indent="-182880" algn="l" defTabSz="914400" rtl="0" eaLnBrk="1" latinLnBrk="0" hangingPunct="1">
+              <a:lnSpc>
+                <a:spcPct val="90000"/>
+              </a:lnSpc>
+              <a:spcBef>
+                <a:spcPts val="250"/>
+              </a:spcBef>
+              <a:spcAft>
+                <a:spcPts val="250"/>
+              </a:spcAft>
+              <a:buClr>
+                <a:schemeClr val="accent1"/>
+              </a:buClr>
+              <a:buFont typeface="Wingdings 2" pitchFamily="18" charset="2"/>
+              <a:buChar char=""/>
+              <a:defRPr sz="1600" kern="1200">
+                <a:solidFill>
+                  <a:schemeClr val="tx1">
+                    <a:lumMod val="65000"/>
+                    <a:lumOff val="35000"/>
+                  </a:schemeClr>
+                </a:solidFill>
+                <a:latin typeface="+mn-lt"/>
+                <a:ea typeface="+mn-ea"/>
+                <a:cs typeface="+mn-cs"/>
+              </a:defRPr>
+            </a:lvl3pPr>
+            <a:lvl4pPr marL="1600200" indent="-182880" algn="l" defTabSz="914400" rtl="0" eaLnBrk="1" latinLnBrk="0" hangingPunct="1">
+              <a:lnSpc>
+                <a:spcPct val="90000"/>
+              </a:lnSpc>
+              <a:spcBef>
+                <a:spcPts val="250"/>
+              </a:spcBef>
+              <a:spcAft>
+                <a:spcPts val="250"/>
+              </a:spcAft>
+              <a:buClr>
+                <a:schemeClr val="accent1"/>
+              </a:buClr>
+              <a:buFont typeface="Wingdings 2" pitchFamily="18" charset="2"/>
+              <a:buChar char=""/>
+              <a:defRPr sz="1400" kern="1200">
+                <a:solidFill>
+                  <a:schemeClr val="tx1">
+                    <a:lumMod val="65000"/>
+                    <a:lumOff val="35000"/>
+                  </a:schemeClr>
+                </a:solidFill>
+                <a:latin typeface="+mn-lt"/>
+                <a:ea typeface="+mn-ea"/>
+                <a:cs typeface="+mn-cs"/>
+              </a:defRPr>
+            </a:lvl4pPr>
+            <a:lvl5pPr marL="2057400" indent="-182880" algn="l" defTabSz="914400" rtl="0" eaLnBrk="1" latinLnBrk="0" hangingPunct="1">
+              <a:lnSpc>
+                <a:spcPct val="90000"/>
+              </a:lnSpc>
+              <a:spcBef>
+                <a:spcPts val="250"/>
+              </a:spcBef>
+              <a:spcAft>
+                <a:spcPts val="250"/>
+              </a:spcAft>
+              <a:buClr>
+                <a:schemeClr val="accent1"/>
+              </a:buClr>
+              <a:buFont typeface="Wingdings 2" pitchFamily="18" charset="2"/>
+              <a:buChar char=""/>
+              <a:defRPr sz="1400" kern="1200">
+                <a:solidFill>
+                  <a:schemeClr val="tx1">
+                    <a:lumMod val="65000"/>
+                    <a:lumOff val="35000"/>
+                  </a:schemeClr>
+                </a:solidFill>
+                <a:latin typeface="+mn-lt"/>
+                <a:ea typeface="+mn-ea"/>
+                <a:cs typeface="+mn-cs"/>
+              </a:defRPr>
+            </a:lvl5pPr>
+            <a:lvl6pPr marL="2514600" indent="-228600" algn="l" defTabSz="914400" rtl="0" eaLnBrk="1" latinLnBrk="0" hangingPunct="1">
+              <a:lnSpc>
+                <a:spcPct val="90000"/>
+              </a:lnSpc>
+              <a:spcBef>
+                <a:spcPts val="250"/>
+              </a:spcBef>
+              <a:spcAft>
+                <a:spcPts val="250"/>
+              </a:spcAft>
+              <a:buClr>
+                <a:schemeClr val="accent1"/>
+              </a:buClr>
+              <a:buFont typeface="Wingdings 2" pitchFamily="18" charset="2"/>
+              <a:buChar char=""/>
+              <a:defRPr sz="1400" kern="1200">
+                <a:solidFill>
+                  <a:schemeClr val="tx1">
+                    <a:lumMod val="65000"/>
+                    <a:lumOff val="35000"/>
+                  </a:schemeClr>
+                </a:solidFill>
+                <a:latin typeface="+mn-lt"/>
+                <a:ea typeface="+mn-ea"/>
+                <a:cs typeface="+mn-cs"/>
+              </a:defRPr>
+            </a:lvl6pPr>
+            <a:lvl7pPr marL="2971800" indent="-228600" algn="l" defTabSz="914400" rtl="0" eaLnBrk="1" latinLnBrk="0" hangingPunct="1">
+              <a:lnSpc>
+                <a:spcPct val="90000"/>
+              </a:lnSpc>
+              <a:spcBef>
+                <a:spcPts val="250"/>
+              </a:spcBef>
+              <a:spcAft>
+                <a:spcPts val="250"/>
+              </a:spcAft>
+              <a:buClr>
+                <a:schemeClr val="accent1"/>
+              </a:buClr>
+              <a:buFont typeface="Wingdings 2" pitchFamily="18" charset="2"/>
+              <a:buChar char=""/>
+              <a:defRPr sz="1400" kern="1200">
+                <a:solidFill>
+                  <a:schemeClr val="tx1">
+                    <a:lumMod val="65000"/>
+                    <a:lumOff val="35000"/>
+                  </a:schemeClr>
+                </a:solidFill>
+                <a:latin typeface="+mn-lt"/>
+                <a:ea typeface="+mn-ea"/>
+                <a:cs typeface="+mn-cs"/>
+              </a:defRPr>
+            </a:lvl7pPr>
+            <a:lvl8pPr marL="3429000" indent="-228600" algn="l" defTabSz="914400" rtl="0" eaLnBrk="1" latinLnBrk="0" hangingPunct="1">
+              <a:lnSpc>
+                <a:spcPct val="90000"/>
+              </a:lnSpc>
+              <a:spcBef>
+                <a:spcPts val="250"/>
+              </a:spcBef>
+              <a:spcAft>
+                <a:spcPts val="250"/>
+              </a:spcAft>
+              <a:buClr>
+                <a:schemeClr val="accent1"/>
+              </a:buClr>
+              <a:buFont typeface="Wingdings 2" pitchFamily="18" charset="2"/>
+              <a:buChar char=""/>
+              <a:defRPr sz="1400" kern="1200">
+                <a:solidFill>
+                  <a:schemeClr val="tx1">
+                    <a:lumMod val="65000"/>
+                    <a:lumOff val="35000"/>
+                  </a:schemeClr>
+                </a:solidFill>
+                <a:latin typeface="+mn-lt"/>
+                <a:ea typeface="+mn-ea"/>
+                <a:cs typeface="+mn-cs"/>
+              </a:defRPr>
+            </a:lvl8pPr>
+            <a:lvl9pPr marL="3886200" indent="-228600" algn="l" defTabSz="914400" rtl="0" eaLnBrk="1" latinLnBrk="0" hangingPunct="1">
+              <a:lnSpc>
+                <a:spcPct val="90000"/>
+              </a:lnSpc>
+              <a:spcBef>
+                <a:spcPts val="250"/>
+              </a:spcBef>
+              <a:spcAft>
+                <a:spcPts val="250"/>
+              </a:spcAft>
+              <a:buClr>
+                <a:schemeClr val="accent1"/>
+              </a:buClr>
+              <a:buFont typeface="Wingdings 2" pitchFamily="18" charset="2"/>
+              <a:buChar char=""/>
+              <a:defRPr sz="1400" kern="1200">
+                <a:solidFill>
+                  <a:schemeClr val="tx1">
+                    <a:lumMod val="65000"/>
+                    <a:lumOff val="35000"/>
+                  </a:schemeClr>
+                </a:solidFill>
+                <a:latin typeface="+mn-lt"/>
+                <a:ea typeface="+mn-ea"/>
+                <a:cs typeface="+mn-cs"/>
+              </a:defRPr>
+            </a:lvl9pPr>
+          </a:lstStyle>
+          <a:p>
+            <a:pPr marL="0" indent="0">
+              <a:buNone/>
+            </a:pPr>
+            <a:endParaRPr lang="nl-NL" dirty="0"/>
+          </a:p>
+        </p:txBody>
+      </p:sp>
+      <p:pic>
+        <p:nvPicPr>
+          <p:cNvPr id="8" name="Picture 7">
+            <a:extLst>
+              <a:ext uri="{FF2B5EF4-FFF2-40B4-BE49-F238E27FC236}">
+                <a16:creationId xmlns:a16="http://schemas.microsoft.com/office/drawing/2014/main" id="{16D8D67D-C095-4653-940C-3BD32DFEEAAB}"/>
+              </a:ext>
+            </a:extLst>
+          </p:cNvPr>
+          <p:cNvPicPr>
+            <a:picLocks noChangeAspect="1"/>
+          </p:cNvPicPr>
+          <p:nvPr/>
+        </p:nvPicPr>
+        <p:blipFill>
+          <a:blip r:embed="rId3"/>
+          <a:stretch>
+            <a:fillRect/>
+          </a:stretch>
+        </p:blipFill>
+        <p:spPr>
+          <a:xfrm>
+            <a:off x="9223384" y="2788050"/>
+            <a:ext cx="2131011" cy="2936970"/>
+          </a:xfrm>
+          <a:prstGeom prst="rect">
+            <a:avLst/>
+          </a:prstGeom>
+        </p:spPr>
+      </p:pic>
+      <p:sp>
+        <p:nvSpPr>
+          <p:cNvPr id="16" name="Content Placeholder 2">
+            <a:extLst>
+              <a:ext uri="{FF2B5EF4-FFF2-40B4-BE49-F238E27FC236}">
+                <a16:creationId xmlns:a16="http://schemas.microsoft.com/office/drawing/2014/main" id="{C14EF378-0F04-4775-A8E9-22B13B71CACD}"/>
+              </a:ext>
+            </a:extLst>
+          </p:cNvPr>
+          <p:cNvSpPr txBox="1">
+            <a:spLocks/>
+          </p:cNvSpPr>
+          <p:nvPr/>
+        </p:nvSpPr>
+        <p:spPr>
+          <a:xfrm>
+            <a:off x="3869268" y="3915514"/>
+            <a:ext cx="7315200" cy="1127464"/>
+          </a:xfrm>
+          <a:prstGeom prst="rect">
+            <a:avLst/>
+          </a:prstGeom>
+        </p:spPr>
+        <p:txBody>
+          <a:bodyPr vert="horz" lIns="91440" tIns="45720" rIns="91440" bIns="45720" rtlCol="0" anchor="ctr">
+            <a:normAutofit/>
+          </a:bodyPr>
+          <a:lstStyle>
+            <a:lvl1pPr marL="182880" indent="-182880" algn="l" defTabSz="914400" rtl="0" eaLnBrk="1" latinLnBrk="0" hangingPunct="1">
+              <a:lnSpc>
+                <a:spcPct val="90000"/>
+              </a:lnSpc>
+              <a:spcBef>
+                <a:spcPts val="1200"/>
+              </a:spcBef>
+              <a:buClr>
+                <a:schemeClr val="accent1"/>
+              </a:buClr>
+              <a:buFont typeface="Wingdings 2" pitchFamily="18" charset="2"/>
+              <a:buChar char=""/>
+              <a:defRPr sz="2000" kern="1200">
+                <a:solidFill>
+                  <a:schemeClr val="tx1">
+                    <a:lumMod val="65000"/>
+                    <a:lumOff val="35000"/>
+                  </a:schemeClr>
+                </a:solidFill>
+                <a:latin typeface="+mn-lt"/>
+                <a:ea typeface="+mn-ea"/>
+                <a:cs typeface="+mn-cs"/>
+              </a:defRPr>
+            </a:lvl1pPr>
+            <a:lvl2pPr marL="685800" indent="-182880" algn="l" defTabSz="914400" rtl="0" eaLnBrk="1" latinLnBrk="0" hangingPunct="1">
+              <a:lnSpc>
+                <a:spcPct val="90000"/>
+              </a:lnSpc>
+              <a:spcBef>
+                <a:spcPts val="250"/>
+              </a:spcBef>
+              <a:spcAft>
+                <a:spcPts val="250"/>
+              </a:spcAft>
+              <a:buClr>
+                <a:schemeClr val="accent1"/>
+              </a:buClr>
+              <a:buFont typeface="Wingdings 2" pitchFamily="18" charset="2"/>
+              <a:buChar char=""/>
+              <a:defRPr sz="1800" kern="1200">
+                <a:solidFill>
+                  <a:schemeClr val="tx1">
+                    <a:lumMod val="65000"/>
+                    <a:lumOff val="35000"/>
+                  </a:schemeClr>
+                </a:solidFill>
+                <a:latin typeface="+mn-lt"/>
+                <a:ea typeface="+mn-ea"/>
+                <a:cs typeface="+mn-cs"/>
+              </a:defRPr>
+            </a:lvl2pPr>
+            <a:lvl3pPr marL="1143000" indent="-182880" algn="l" defTabSz="914400" rtl="0" eaLnBrk="1" latinLnBrk="0" hangingPunct="1">
+              <a:lnSpc>
+                <a:spcPct val="90000"/>
+              </a:lnSpc>
+              <a:spcBef>
+                <a:spcPts val="250"/>
+              </a:spcBef>
+              <a:spcAft>
+                <a:spcPts val="250"/>
+              </a:spcAft>
+              <a:buClr>
+                <a:schemeClr val="accent1"/>
+              </a:buClr>
+              <a:buFont typeface="Wingdings 2" pitchFamily="18" charset="2"/>
+              <a:buChar char=""/>
+              <a:defRPr sz="1600" kern="1200">
+                <a:solidFill>
+                  <a:schemeClr val="tx1">
+                    <a:lumMod val="65000"/>
+                    <a:lumOff val="35000"/>
+                  </a:schemeClr>
+                </a:solidFill>
+                <a:latin typeface="+mn-lt"/>
+                <a:ea typeface="+mn-ea"/>
+                <a:cs typeface="+mn-cs"/>
+              </a:defRPr>
+            </a:lvl3pPr>
+            <a:lvl4pPr marL="1600200" indent="-182880" algn="l" defTabSz="914400" rtl="0" eaLnBrk="1" latinLnBrk="0" hangingPunct="1">
+              <a:lnSpc>
+                <a:spcPct val="90000"/>
+              </a:lnSpc>
+              <a:spcBef>
+                <a:spcPts val="250"/>
+              </a:spcBef>
+              <a:spcAft>
+                <a:spcPts val="250"/>
+              </a:spcAft>
+              <a:buClr>
+                <a:schemeClr val="accent1"/>
+              </a:buClr>
+              <a:buFont typeface="Wingdings 2" pitchFamily="18" charset="2"/>
+              <a:buChar char=""/>
+              <a:defRPr sz="1400" kern="1200">
+                <a:solidFill>
+                  <a:schemeClr val="tx1">
+                    <a:lumMod val="65000"/>
+                    <a:lumOff val="35000"/>
+                  </a:schemeClr>
+                </a:solidFill>
+                <a:latin typeface="+mn-lt"/>
+                <a:ea typeface="+mn-ea"/>
+                <a:cs typeface="+mn-cs"/>
+              </a:defRPr>
+            </a:lvl4pPr>
+            <a:lvl5pPr marL="2057400" indent="-182880" algn="l" defTabSz="914400" rtl="0" eaLnBrk="1" latinLnBrk="0" hangingPunct="1">
+              <a:lnSpc>
+                <a:spcPct val="90000"/>
+              </a:lnSpc>
+              <a:spcBef>
+                <a:spcPts val="250"/>
+              </a:spcBef>
+              <a:spcAft>
+                <a:spcPts val="250"/>
+              </a:spcAft>
+              <a:buClr>
+                <a:schemeClr val="accent1"/>
+              </a:buClr>
+              <a:buFont typeface="Wingdings 2" pitchFamily="18" charset="2"/>
+              <a:buChar char=""/>
+              <a:defRPr sz="1400" kern="1200">
+                <a:solidFill>
+                  <a:schemeClr val="tx1">
+                    <a:lumMod val="65000"/>
+                    <a:lumOff val="35000"/>
+                  </a:schemeClr>
+                </a:solidFill>
+                <a:latin typeface="+mn-lt"/>
+                <a:ea typeface="+mn-ea"/>
+                <a:cs typeface="+mn-cs"/>
+              </a:defRPr>
+            </a:lvl5pPr>
+            <a:lvl6pPr marL="2514600" indent="-228600" algn="l" defTabSz="914400" rtl="0" eaLnBrk="1" latinLnBrk="0" hangingPunct="1">
+              <a:lnSpc>
+                <a:spcPct val="90000"/>
+              </a:lnSpc>
+              <a:spcBef>
+                <a:spcPts val="250"/>
+              </a:spcBef>
+              <a:spcAft>
+                <a:spcPts val="250"/>
+              </a:spcAft>
+              <a:buClr>
+                <a:schemeClr val="accent1"/>
+              </a:buClr>
+              <a:buFont typeface="Wingdings 2" pitchFamily="18" charset="2"/>
+              <a:buChar char=""/>
+              <a:defRPr sz="1400" kern="1200">
+                <a:solidFill>
+                  <a:schemeClr val="tx1">
+                    <a:lumMod val="65000"/>
+                    <a:lumOff val="35000"/>
+                  </a:schemeClr>
+                </a:solidFill>
+                <a:latin typeface="+mn-lt"/>
+                <a:ea typeface="+mn-ea"/>
+                <a:cs typeface="+mn-cs"/>
+              </a:defRPr>
+            </a:lvl6pPr>
+            <a:lvl7pPr marL="2971800" indent="-228600" algn="l" defTabSz="914400" rtl="0" eaLnBrk="1" latinLnBrk="0" hangingPunct="1">
+              <a:lnSpc>
+                <a:spcPct val="90000"/>
+              </a:lnSpc>
+              <a:spcBef>
+                <a:spcPts val="250"/>
+              </a:spcBef>
+              <a:spcAft>
+                <a:spcPts val="250"/>
+              </a:spcAft>
+              <a:buClr>
+                <a:schemeClr val="accent1"/>
+              </a:buClr>
+              <a:buFont typeface="Wingdings 2" pitchFamily="18" charset="2"/>
+              <a:buChar char=""/>
+              <a:defRPr sz="1400" kern="1200">
+                <a:solidFill>
+                  <a:schemeClr val="tx1">
+                    <a:lumMod val="65000"/>
+                    <a:lumOff val="35000"/>
+                  </a:schemeClr>
+                </a:solidFill>
+                <a:latin typeface="+mn-lt"/>
+                <a:ea typeface="+mn-ea"/>
+                <a:cs typeface="+mn-cs"/>
+              </a:defRPr>
+            </a:lvl7pPr>
+            <a:lvl8pPr marL="3429000" indent="-228600" algn="l" defTabSz="914400" rtl="0" eaLnBrk="1" latinLnBrk="0" hangingPunct="1">
+              <a:lnSpc>
+                <a:spcPct val="90000"/>
+              </a:lnSpc>
+              <a:spcBef>
+                <a:spcPts val="250"/>
+              </a:spcBef>
+              <a:spcAft>
+                <a:spcPts val="250"/>
+              </a:spcAft>
+              <a:buClr>
+                <a:schemeClr val="accent1"/>
+              </a:buClr>
+              <a:buFont typeface="Wingdings 2" pitchFamily="18" charset="2"/>
+              <a:buChar char=""/>
+              <a:defRPr sz="1400" kern="1200">
+                <a:solidFill>
+                  <a:schemeClr val="tx1">
+                    <a:lumMod val="65000"/>
+                    <a:lumOff val="35000"/>
+                  </a:schemeClr>
+                </a:solidFill>
+                <a:latin typeface="+mn-lt"/>
+                <a:ea typeface="+mn-ea"/>
+                <a:cs typeface="+mn-cs"/>
+              </a:defRPr>
+            </a:lvl8pPr>
+            <a:lvl9pPr marL="3886200" indent="-228600" algn="l" defTabSz="914400" rtl="0" eaLnBrk="1" latinLnBrk="0" hangingPunct="1">
+              <a:lnSpc>
+                <a:spcPct val="90000"/>
+              </a:lnSpc>
+              <a:spcBef>
+                <a:spcPts val="250"/>
+              </a:spcBef>
+              <a:spcAft>
+                <a:spcPts val="250"/>
+              </a:spcAft>
+              <a:buClr>
+                <a:schemeClr val="accent1"/>
+              </a:buClr>
+              <a:buFont typeface="Wingdings 2" pitchFamily="18" charset="2"/>
+              <a:buChar char=""/>
+              <a:defRPr sz="1400" kern="1200">
+                <a:solidFill>
+                  <a:schemeClr val="tx1">
+                    <a:lumMod val="65000"/>
+                    <a:lumOff val="35000"/>
+                  </a:schemeClr>
+                </a:solidFill>
+                <a:latin typeface="+mn-lt"/>
+                <a:ea typeface="+mn-ea"/>
+                <a:cs typeface="+mn-cs"/>
+              </a:defRPr>
+            </a:lvl9pPr>
+          </a:lstStyle>
+          <a:p>
+            <a:r>
+              <a:rPr lang="nl-NL" dirty="0"/>
+              <a:t>Dot spawnt 20 – 120 graden van de paddle af</a:t>
+            </a:r>
+          </a:p>
+          <a:p>
+            <a:r>
+              <a:rPr lang="nl-NL" dirty="0"/>
+              <a:t>In de richting waar de paddle heen gaat</a:t>
+            </a:r>
+          </a:p>
+        </p:txBody>
+      </p:sp>
+      <p:cxnSp>
+        <p:nvCxnSpPr>
+          <p:cNvPr id="18" name="Straight Arrow Connector 17">
+            <a:extLst>
+              <a:ext uri="{FF2B5EF4-FFF2-40B4-BE49-F238E27FC236}">
+                <a16:creationId xmlns:a16="http://schemas.microsoft.com/office/drawing/2014/main" id="{59132DDC-C441-41F8-A28F-92E1F12780B6}"/>
+              </a:ext>
+            </a:extLst>
+          </p:cNvPr>
+          <p:cNvCxnSpPr/>
+          <p:nvPr/>
+        </p:nvCxnSpPr>
+        <p:spPr>
+          <a:xfrm>
+            <a:off x="10288889" y="3852909"/>
+            <a:ext cx="169006" cy="0"/>
+          </a:xfrm>
+          <a:prstGeom prst="straightConnector1">
+            <a:avLst/>
+          </a:prstGeom>
+          <a:ln>
+            <a:solidFill>
+              <a:srgbClr val="FF0000"/>
+            </a:solidFill>
+            <a:tailEnd type="triangle"/>
+          </a:ln>
+        </p:spPr>
+        <p:style>
+          <a:lnRef idx="1">
+            <a:schemeClr val="accent1"/>
+          </a:lnRef>
+          <a:fillRef idx="0">
+            <a:schemeClr val="accent1"/>
+          </a:fillRef>
+          <a:effectRef idx="0">
+            <a:schemeClr val="accent1"/>
+          </a:effectRef>
+          <a:fontRef idx="minor">
+            <a:schemeClr val="tx1"/>
+          </a:fontRef>
+        </p:style>
+      </p:cxnSp>
+      <p:cxnSp>
+        <p:nvCxnSpPr>
+          <p:cNvPr id="20" name="Straight Connector 19">
+            <a:extLst>
+              <a:ext uri="{FF2B5EF4-FFF2-40B4-BE49-F238E27FC236}">
+                <a16:creationId xmlns:a16="http://schemas.microsoft.com/office/drawing/2014/main" id="{D04CF0F5-4A2A-423D-98FA-FC38969C5218}"/>
+              </a:ext>
+            </a:extLst>
+          </p:cNvPr>
+          <p:cNvCxnSpPr/>
+          <p:nvPr/>
+        </p:nvCxnSpPr>
+        <p:spPr>
+          <a:xfrm flipV="1">
+            <a:off x="10457895" y="3764132"/>
+            <a:ext cx="257453" cy="349318"/>
+          </a:xfrm>
+          <a:prstGeom prst="line">
+            <a:avLst/>
+          </a:prstGeom>
+          <a:ln>
+            <a:solidFill>
+              <a:srgbClr val="7030A0"/>
+            </a:solidFill>
+          </a:ln>
+        </p:spPr>
+        <p:style>
+          <a:lnRef idx="1">
+            <a:schemeClr val="accent1"/>
+          </a:lnRef>
+          <a:fillRef idx="0">
+            <a:schemeClr val="accent1"/>
+          </a:fillRef>
+          <a:effectRef idx="0">
+            <a:schemeClr val="accent1"/>
+          </a:effectRef>
+          <a:fontRef idx="minor">
+            <a:schemeClr val="tx1"/>
+          </a:fontRef>
+        </p:style>
+      </p:cxnSp>
+      <p:cxnSp>
+        <p:nvCxnSpPr>
+          <p:cNvPr id="22" name="Straight Connector 21">
+            <a:extLst>
+              <a:ext uri="{FF2B5EF4-FFF2-40B4-BE49-F238E27FC236}">
+                <a16:creationId xmlns:a16="http://schemas.microsoft.com/office/drawing/2014/main" id="{6D5DA535-3955-47B5-9DC7-28FF1157C315}"/>
+              </a:ext>
+            </a:extLst>
+          </p:cNvPr>
+          <p:cNvCxnSpPr>
+            <a:cxnSpLocks/>
+          </p:cNvCxnSpPr>
+          <p:nvPr/>
+        </p:nvCxnSpPr>
+        <p:spPr>
+          <a:xfrm>
+            <a:off x="10675233" y="4688503"/>
+            <a:ext cx="324200" cy="218754"/>
+          </a:xfrm>
+          <a:prstGeom prst="line">
+            <a:avLst/>
+          </a:prstGeom>
+          <a:ln>
+            <a:solidFill>
+              <a:srgbClr val="7030A0"/>
+            </a:solidFill>
+          </a:ln>
+        </p:spPr>
+        <p:style>
+          <a:lnRef idx="1">
+            <a:schemeClr val="accent1"/>
+          </a:lnRef>
+          <a:fillRef idx="0">
+            <a:schemeClr val="accent1"/>
+          </a:fillRef>
+          <a:effectRef idx="0">
+            <a:schemeClr val="accent1"/>
+          </a:effectRef>
+          <a:fontRef idx="minor">
+            <a:schemeClr val="tx1"/>
+          </a:fontRef>
+        </p:style>
+      </p:cxnSp>
+    </p:spTree>
+    <p:extLst>
+      <p:ext uri="{BB962C8B-B14F-4D97-AF65-F5344CB8AC3E}">
+        <p14:creationId xmlns:p14="http://schemas.microsoft.com/office/powerpoint/2010/main" val="3928780439"/>
+      </p:ext>
+    </p:extLst>
+  </p:cSld>
+  <p:clrMapOvr>
+    <a:masterClrMapping/>
+  </p:clrMapOvr>
+</p:sld>
+</file>
+
+<file path=ppt/slides/slide12.xml><?xml version="1.0" encoding="utf-8"?>
+<p:sld xmlns:a="http://schemas.openxmlformats.org/drawingml/2006/main" xmlns:r="http://schemas.openxmlformats.org/officeDocument/2006/relationships" xmlns:p="http://schemas.openxmlformats.org/presentationml/2006/main">
+  <p:cSld>
+    <p:spTree>
+      <p:nvGrpSpPr>
+        <p:cNvPr id="1" name=""/>
+        <p:cNvGrpSpPr/>
+        <p:nvPr/>
+      </p:nvGrpSpPr>
+      <p:grpSpPr>
+        <a:xfrm>
+          <a:off x="0" y="0"/>
+          <a:ext cx="0" cy="0"/>
+          <a:chOff x="0" y="0"/>
+          <a:chExt cx="0" cy="0"/>
+        </a:xfrm>
+      </p:grpSpPr>
+      <p:sp>
+        <p:nvSpPr>
+          <p:cNvPr id="2" name="Title 1">
+            <a:extLst>
+              <a:ext uri="{FF2B5EF4-FFF2-40B4-BE49-F238E27FC236}">
+                <a16:creationId xmlns:a16="http://schemas.microsoft.com/office/drawing/2014/main" id="{F6D7CAFA-C686-4DEF-898A-B4A387A0AF28}"/>
+              </a:ext>
+            </a:extLst>
+          </p:cNvPr>
+          <p:cNvSpPr>
+            <a:spLocks noGrp="1"/>
+          </p:cNvSpPr>
+          <p:nvPr>
+            <p:ph type="title"/>
+          </p:nvPr>
+        </p:nvSpPr>
+        <p:spPr/>
+        <p:txBody>
+          <a:bodyPr/>
+          <a:lstStyle/>
+          <a:p>
+            <a:r>
+              <a:rPr lang="nl-NL" dirty="0"/>
+              <a:t>DotDetector</a:t>
+            </a:r>
+          </a:p>
+        </p:txBody>
+      </p:sp>
+      <p:sp>
+        <p:nvSpPr>
+          <p:cNvPr id="3" name="Content Placeholder 2">
+            <a:extLst>
+              <a:ext uri="{FF2B5EF4-FFF2-40B4-BE49-F238E27FC236}">
+                <a16:creationId xmlns:a16="http://schemas.microsoft.com/office/drawing/2014/main" id="{5C04DF1B-D21C-4BCC-989C-E2C5D6F00D47}"/>
+              </a:ext>
+            </a:extLst>
+          </p:cNvPr>
+          <p:cNvSpPr>
+            <a:spLocks noGrp="1"/>
+          </p:cNvSpPr>
+          <p:nvPr>
+            <p:ph idx="1"/>
+          </p:nvPr>
+        </p:nvSpPr>
+        <p:spPr>
+          <a:xfrm>
+            <a:off x="3869268" y="864108"/>
+            <a:ext cx="7315200" cy="2564892"/>
+          </a:xfrm>
+        </p:spPr>
+        <p:txBody>
+          <a:bodyPr/>
+          <a:lstStyle/>
+          <a:p>
+            <a:pPr marL="0" indent="0">
+              <a:buNone/>
+            </a:pPr>
+            <a:r>
+              <a:rPr lang="nl-NL" b="1" dirty="0"/>
+              <a:t>If-statement: spatiebalk indrukken</a:t>
+            </a:r>
+          </a:p>
+          <a:p>
+            <a:r>
+              <a:rPr lang="nl-NL" dirty="0"/>
+              <a:t>Game runt na één keer indrukken</a:t>
+            </a:r>
+          </a:p>
+          <a:p>
+            <a:r>
+              <a:rPr lang="nl-NL" dirty="0"/>
+              <a:t>Bolletje geraakt scenario</a:t>
+            </a:r>
+          </a:p>
+          <a:p>
+            <a:pPr marL="0" indent="0">
+              <a:buNone/>
+            </a:pPr>
+            <a:r>
+              <a:rPr lang="nl-NL" dirty="0"/>
+              <a:t>    Zo niet = game over</a:t>
+            </a:r>
+          </a:p>
+        </p:txBody>
+      </p:sp>
+      <p:pic>
+        <p:nvPicPr>
+          <p:cNvPr id="4" name="Picture 3">
+            <a:extLst>
+              <a:ext uri="{FF2B5EF4-FFF2-40B4-BE49-F238E27FC236}">
+                <a16:creationId xmlns:a16="http://schemas.microsoft.com/office/drawing/2014/main" id="{1B804C45-1974-4F66-8FB5-3A0EFC946C88}"/>
+              </a:ext>
+            </a:extLst>
+          </p:cNvPr>
+          <p:cNvPicPr>
+            <a:picLocks noChangeAspect="1"/>
+          </p:cNvPicPr>
+          <p:nvPr/>
+        </p:nvPicPr>
+        <p:blipFill>
+          <a:blip r:embed="rId2"/>
+          <a:stretch>
+            <a:fillRect/>
+          </a:stretch>
+        </p:blipFill>
+        <p:spPr>
+          <a:xfrm>
+            <a:off x="3869268" y="3419856"/>
+            <a:ext cx="4112546" cy="2564892"/>
+          </a:xfrm>
+          <a:prstGeom prst="rect">
+            <a:avLst/>
+          </a:prstGeom>
+        </p:spPr>
+      </p:pic>
+      <p:pic>
+        <p:nvPicPr>
+          <p:cNvPr id="6" name="Picture 5">
+            <a:extLst>
+              <a:ext uri="{FF2B5EF4-FFF2-40B4-BE49-F238E27FC236}">
+                <a16:creationId xmlns:a16="http://schemas.microsoft.com/office/drawing/2014/main" id="{4DC31B0C-355C-4474-8EB9-F84C0DCBA712}"/>
+              </a:ext>
+            </a:extLst>
+          </p:cNvPr>
+          <p:cNvPicPr>
+            <a:picLocks noChangeAspect="1"/>
+          </p:cNvPicPr>
+          <p:nvPr/>
+        </p:nvPicPr>
+        <p:blipFill>
+          <a:blip r:embed="rId3"/>
+          <a:stretch>
+            <a:fillRect/>
+          </a:stretch>
+        </p:blipFill>
+        <p:spPr>
+          <a:xfrm>
+            <a:off x="8250833" y="1462924"/>
+            <a:ext cx="1332586" cy="1628241"/>
+          </a:xfrm>
+          <a:prstGeom prst="rect">
+            <a:avLst/>
+          </a:prstGeom>
+        </p:spPr>
+      </p:pic>
+      <p:pic>
+        <p:nvPicPr>
+          <p:cNvPr id="7" name="Picture 6">
+            <a:extLst>
+              <a:ext uri="{FF2B5EF4-FFF2-40B4-BE49-F238E27FC236}">
+                <a16:creationId xmlns:a16="http://schemas.microsoft.com/office/drawing/2014/main" id="{98C8F4FD-D5C1-4A7F-916E-C42A828F8835}"/>
+              </a:ext>
+            </a:extLst>
+          </p:cNvPr>
+          <p:cNvPicPr>
+            <a:picLocks noChangeAspect="1"/>
+          </p:cNvPicPr>
+          <p:nvPr/>
+        </p:nvPicPr>
+        <p:blipFill>
+          <a:blip r:embed="rId4"/>
+          <a:stretch>
+            <a:fillRect/>
+          </a:stretch>
+        </p:blipFill>
+        <p:spPr>
+          <a:xfrm>
+            <a:off x="10172616" y="1462924"/>
+            <a:ext cx="1281008" cy="1628241"/>
+          </a:xfrm>
+          <a:prstGeom prst="rect">
+            <a:avLst/>
+          </a:prstGeom>
+        </p:spPr>
+      </p:pic>
+      <p:pic>
+        <p:nvPicPr>
+          <p:cNvPr id="8" name="Picture 7">
+            <a:extLst>
+              <a:ext uri="{FF2B5EF4-FFF2-40B4-BE49-F238E27FC236}">
+                <a16:creationId xmlns:a16="http://schemas.microsoft.com/office/drawing/2014/main" id="{E491A0FC-8E8F-44A1-BFD1-C94F2E64BD75}"/>
+              </a:ext>
+            </a:extLst>
+          </p:cNvPr>
+          <p:cNvPicPr>
+            <a:picLocks noChangeAspect="1"/>
+          </p:cNvPicPr>
+          <p:nvPr/>
+        </p:nvPicPr>
+        <p:blipFill>
+          <a:blip r:embed="rId5"/>
+          <a:stretch>
+            <a:fillRect/>
+          </a:stretch>
+        </p:blipFill>
+        <p:spPr>
+          <a:xfrm>
+            <a:off x="9104051" y="3875153"/>
+            <a:ext cx="1646807" cy="2109595"/>
+          </a:xfrm>
+          <a:prstGeom prst="rect">
+            <a:avLst/>
+          </a:prstGeom>
+        </p:spPr>
+      </p:pic>
+      <p:sp>
+        <p:nvSpPr>
+          <p:cNvPr id="9" name="Arrow: Right 8">
+            <a:extLst>
+              <a:ext uri="{FF2B5EF4-FFF2-40B4-BE49-F238E27FC236}">
+                <a16:creationId xmlns:a16="http://schemas.microsoft.com/office/drawing/2014/main" id="{8F65ED5D-1D9D-4044-AA0B-AFB76D553A2C}"/>
+              </a:ext>
+            </a:extLst>
+          </p:cNvPr>
+          <p:cNvSpPr/>
+          <p:nvPr/>
+        </p:nvSpPr>
+        <p:spPr>
+          <a:xfrm>
+            <a:off x="9694416" y="2210540"/>
+            <a:ext cx="355106" cy="177553"/>
+          </a:xfrm>
+          <a:prstGeom prst="rightArrow">
+            <a:avLst/>
+          </a:prstGeom>
+          <a:solidFill>
+            <a:srgbClr val="FF0000"/>
+          </a:solidFill>
+          <a:ln>
+            <a:solidFill>
+              <a:srgbClr val="FF0000"/>
+            </a:solidFill>
+          </a:ln>
+        </p:spPr>
+        <p:style>
+          <a:lnRef idx="2">
+            <a:schemeClr val="accent1">
+              <a:shade val="50000"/>
+            </a:schemeClr>
+          </a:lnRef>
+          <a:fillRef idx="1">
+            <a:schemeClr val="accent1"/>
+          </a:fillRef>
+          <a:effectRef idx="0">
+            <a:schemeClr val="accent1"/>
+          </a:effectRef>
+          <a:fontRef idx="minor">
+            <a:schemeClr val="lt1"/>
+          </a:fontRef>
+        </p:style>
+        <p:txBody>
+          <a:bodyPr rtlCol="0" anchor="ctr"/>
+          <a:lstStyle/>
+          <a:p>
+            <a:pPr algn="ctr"/>
+            <a:endParaRPr lang="nl-NL"/>
+          </a:p>
+        </p:txBody>
+      </p:sp>
+      <p:sp>
+        <p:nvSpPr>
+          <p:cNvPr id="11" name="Arrow: Right 10">
+            <a:extLst>
+              <a:ext uri="{FF2B5EF4-FFF2-40B4-BE49-F238E27FC236}">
+                <a16:creationId xmlns:a16="http://schemas.microsoft.com/office/drawing/2014/main" id="{A7F09B41-EA83-476E-8488-93FCFE8CC509}"/>
+              </a:ext>
+            </a:extLst>
+          </p:cNvPr>
+          <p:cNvSpPr/>
+          <p:nvPr/>
+        </p:nvSpPr>
+        <p:spPr>
+          <a:xfrm rot="6682103">
+            <a:off x="10168184" y="3340222"/>
+            <a:ext cx="355106" cy="177553"/>
+          </a:xfrm>
+          <a:prstGeom prst="rightArrow">
+            <a:avLst/>
+          </a:prstGeom>
+          <a:solidFill>
+            <a:srgbClr val="FF0000"/>
+          </a:solidFill>
+          <a:ln>
+            <a:solidFill>
+              <a:srgbClr val="FF0000"/>
+            </a:solidFill>
+          </a:ln>
+        </p:spPr>
+        <p:style>
+          <a:lnRef idx="2">
+            <a:schemeClr val="accent1">
+              <a:shade val="50000"/>
+            </a:schemeClr>
+          </a:lnRef>
+          <a:fillRef idx="1">
+            <a:schemeClr val="accent1"/>
+          </a:fillRef>
+          <a:effectRef idx="0">
+            <a:schemeClr val="accent1"/>
+          </a:effectRef>
+          <a:fontRef idx="minor">
+            <a:schemeClr val="lt1"/>
+          </a:fontRef>
+        </p:style>
+        <p:txBody>
+          <a:bodyPr rtlCol="0" anchor="ctr"/>
+          <a:lstStyle/>
+          <a:p>
+            <a:pPr algn="ctr"/>
+            <a:endParaRPr lang="nl-NL"/>
+          </a:p>
+        </p:txBody>
+      </p:sp>
+      <p:sp>
+        <p:nvSpPr>
+          <p:cNvPr id="12" name="Rectangle 11">
+            <a:extLst>
+              <a:ext uri="{FF2B5EF4-FFF2-40B4-BE49-F238E27FC236}">
+                <a16:creationId xmlns:a16="http://schemas.microsoft.com/office/drawing/2014/main" id="{CB7A5A65-25A6-41C5-BB42-34F45C722904}"/>
+              </a:ext>
+            </a:extLst>
+          </p:cNvPr>
+          <p:cNvSpPr/>
+          <p:nvPr/>
+        </p:nvSpPr>
+        <p:spPr>
+          <a:xfrm>
+            <a:off x="6871317" y="4545367"/>
+            <a:ext cx="390617" cy="150920"/>
+          </a:xfrm>
+          <a:prstGeom prst="rect">
+            <a:avLst/>
+          </a:prstGeom>
+          <a:noFill/>
+          <a:ln>
+            <a:solidFill>
+              <a:srgbClr val="FF0000"/>
+            </a:solidFill>
+          </a:ln>
+        </p:spPr>
+        <p:style>
+          <a:lnRef idx="2">
+            <a:schemeClr val="accent1">
+              <a:shade val="50000"/>
+            </a:schemeClr>
+          </a:lnRef>
+          <a:fillRef idx="1">
+            <a:schemeClr val="accent1"/>
+          </a:fillRef>
+          <a:effectRef idx="0">
+            <a:schemeClr val="accent1"/>
+          </a:effectRef>
+          <a:fontRef idx="minor">
+            <a:schemeClr val="lt1"/>
+          </a:fontRef>
+        </p:style>
+        <p:txBody>
+          <a:bodyPr rtlCol="0" anchor="ctr"/>
+          <a:lstStyle/>
+          <a:p>
+            <a:pPr algn="ctr"/>
+            <a:endParaRPr lang="nl-NL"/>
+          </a:p>
+        </p:txBody>
+      </p:sp>
+    </p:spTree>
+    <p:extLst>
+      <p:ext uri="{BB962C8B-B14F-4D97-AF65-F5344CB8AC3E}">
+        <p14:creationId xmlns:p14="http://schemas.microsoft.com/office/powerpoint/2010/main" val="6941232"/>
+      </p:ext>
+    </p:extLst>
+  </p:cSld>
+  <p:clrMapOvr>
+    <a:masterClrMapping/>
+  </p:clrMapOvr>
+</p:sld>
+</file>
+
+<file path=ppt/slides/slide13.xml><?xml version="1.0" encoding="utf-8"?>
+<p:sld xmlns:a="http://schemas.openxmlformats.org/drawingml/2006/main" xmlns:r="http://schemas.openxmlformats.org/officeDocument/2006/relationships" xmlns:p="http://schemas.openxmlformats.org/presentationml/2006/main">
+  <p:cSld>
+    <p:spTree>
+      <p:nvGrpSpPr>
+        <p:cNvPr id="1" name=""/>
+        <p:cNvGrpSpPr/>
+        <p:nvPr/>
+      </p:nvGrpSpPr>
+      <p:grpSpPr>
+        <a:xfrm>
+          <a:off x="0" y="0"/>
+          <a:ext cx="0" cy="0"/>
+          <a:chOff x="0" y="0"/>
+          <a:chExt cx="0" cy="0"/>
+        </a:xfrm>
+      </p:grpSpPr>
+      <p:sp>
+        <p:nvSpPr>
+          <p:cNvPr id="2" name="Title 1">
+            <a:extLst>
+              <a:ext uri="{FF2B5EF4-FFF2-40B4-BE49-F238E27FC236}">
+                <a16:creationId xmlns:a16="http://schemas.microsoft.com/office/drawing/2014/main" id="{28D6473E-6F05-421F-B4DB-957902B451DF}"/>
+              </a:ext>
+            </a:extLst>
+          </p:cNvPr>
+          <p:cNvSpPr>
+            <a:spLocks noGrp="1"/>
+          </p:cNvSpPr>
+          <p:nvPr>
+            <p:ph type="title"/>
+          </p:nvPr>
+        </p:nvSpPr>
+        <p:spPr/>
+        <p:txBody>
+          <a:bodyPr/>
+          <a:lstStyle/>
+          <a:p>
+            <a:r>
+              <a:rPr lang="nl-NL" dirty="0"/>
+              <a:t>GitHub</a:t>
+            </a:r>
+          </a:p>
+        </p:txBody>
+      </p:sp>
+      <p:pic>
+        <p:nvPicPr>
+          <p:cNvPr id="4" name="Picture 3">
+            <a:extLst>
+              <a:ext uri="{FF2B5EF4-FFF2-40B4-BE49-F238E27FC236}">
+                <a16:creationId xmlns:a16="http://schemas.microsoft.com/office/drawing/2014/main" id="{8F8870F2-2F5D-4512-8C80-AF96427175F4}"/>
+              </a:ext>
+            </a:extLst>
+          </p:cNvPr>
+          <p:cNvPicPr>
+            <a:picLocks noChangeAspect="1"/>
+          </p:cNvPicPr>
+          <p:nvPr/>
+        </p:nvPicPr>
+        <p:blipFill>
+          <a:blip r:embed="rId2"/>
+          <a:stretch>
+            <a:fillRect/>
+          </a:stretch>
+        </p:blipFill>
+        <p:spPr>
+          <a:xfrm>
+            <a:off x="4064264" y="1123837"/>
+            <a:ext cx="6890781" cy="4728650"/>
+          </a:xfrm>
+          <a:prstGeom prst="rect">
+            <a:avLst/>
+          </a:prstGeom>
+        </p:spPr>
+      </p:pic>
+    </p:spTree>
+    <p:extLst>
+      <p:ext uri="{BB962C8B-B14F-4D97-AF65-F5344CB8AC3E}">
+        <p14:creationId xmlns:p14="http://schemas.microsoft.com/office/powerpoint/2010/main" val="1481493645"/>
+      </p:ext>
+    </p:extLst>
+  </p:cSld>
+  <p:clrMapOvr>
+    <a:masterClrMapping/>
+  </p:clrMapOvr>
+</p:sld>
+</file>
+
 <file path=ppt/slides/slide2.xml><?xml version="1.0" encoding="utf-8"?>
 <p:sld xmlns:a="http://schemas.openxmlformats.org/drawingml/2006/main" xmlns:r="http://schemas.openxmlformats.org/officeDocument/2006/relationships" xmlns:p="http://schemas.openxmlformats.org/presentationml/2006/main">
   <p:cSld>
@@ -3710,6 +5481,12 @@
             <a:r>
               <a:rPr lang="nl-NL" dirty="0"/>
               <a:t>Incomplete eerdere ideeën</a:t>
+            </a:r>
+          </a:p>
+          <a:p>
+            <a:r>
+              <a:rPr lang="nl-NL" dirty="0"/>
+              <a:t>Game demo</a:t>
             </a:r>
           </a:p>
           <a:p>
@@ -3958,7 +5735,7 @@
           <a:p>
             <a:r>
               <a:rPr lang="nl-NL" dirty="0"/>
-              <a:t>WILL SDK, .NET Core</a:t>
+              <a:t>WILL SDK</a:t>
             </a:r>
           </a:p>
           <a:p>
@@ -4040,6 +5817,94 @@
           <p:cNvPr id="2" name="Title 1">
             <a:extLst>
               <a:ext uri="{FF2B5EF4-FFF2-40B4-BE49-F238E27FC236}">
+                <a16:creationId xmlns:a16="http://schemas.microsoft.com/office/drawing/2014/main" id="{76A07B85-C0A6-4FE7-B495-EC8678E7800B}"/>
+              </a:ext>
+            </a:extLst>
+          </p:cNvPr>
+          <p:cNvSpPr>
+            <a:spLocks noGrp="1"/>
+          </p:cNvSpPr>
+          <p:nvPr>
+            <p:ph type="title"/>
+          </p:nvPr>
+        </p:nvSpPr>
+        <p:spPr/>
+        <p:txBody>
+          <a:bodyPr/>
+          <a:lstStyle/>
+          <a:p>
+            <a:r>
+              <a:rPr lang="nl-NL" dirty="0"/>
+              <a:t>Pop The Lock</a:t>
+            </a:r>
+          </a:p>
+        </p:txBody>
+      </p:sp>
+      <p:pic>
+        <p:nvPicPr>
+          <p:cNvPr id="4" name="Picture 3">
+            <a:extLst>
+              <a:ext uri="{FF2B5EF4-FFF2-40B4-BE49-F238E27FC236}">
+                <a16:creationId xmlns:a16="http://schemas.microsoft.com/office/drawing/2014/main" id="{04820B40-F2FE-4A8D-9B04-84B791D89940}"/>
+              </a:ext>
+            </a:extLst>
+          </p:cNvPr>
+          <p:cNvPicPr>
+            <a:picLocks noChangeAspect="1"/>
+          </p:cNvPicPr>
+          <p:nvPr/>
+        </p:nvPicPr>
+        <p:blipFill>
+          <a:blip r:embed="rId2"/>
+          <a:stretch>
+            <a:fillRect/>
+          </a:stretch>
+        </p:blipFill>
+        <p:spPr>
+          <a:xfrm>
+            <a:off x="4501607" y="1314640"/>
+            <a:ext cx="5762625" cy="4219575"/>
+          </a:xfrm>
+          <a:prstGeom prst="rect">
+            <a:avLst/>
+          </a:prstGeom>
+        </p:spPr>
+      </p:pic>
+    </p:spTree>
+    <p:extLst>
+      <p:ext uri="{BB962C8B-B14F-4D97-AF65-F5344CB8AC3E}">
+        <p14:creationId xmlns:p14="http://schemas.microsoft.com/office/powerpoint/2010/main" val="3609348618"/>
+      </p:ext>
+    </p:extLst>
+  </p:cSld>
+  <p:clrMapOvr>
+    <a:masterClrMapping/>
+  </p:clrMapOvr>
+</p:sld>
+</file>
+
+<file path=ppt/slides/slide6.xml><?xml version="1.0" encoding="utf-8"?>
+<p:sld xmlns:a="http://schemas.openxmlformats.org/drawingml/2006/main" xmlns:r="http://schemas.openxmlformats.org/officeDocument/2006/relationships" xmlns:p="http://schemas.openxmlformats.org/presentationml/2006/main">
+  <p:cSld>
+    <p:spTree>
+      <p:nvGrpSpPr>
+        <p:cNvPr id="1" name=""/>
+        <p:cNvGrpSpPr/>
+        <p:nvPr/>
+      </p:nvGrpSpPr>
+      <p:grpSpPr>
+        <a:xfrm>
+          <a:off x="0" y="0"/>
+          <a:ext cx="0" cy="0"/>
+          <a:chOff x="0" y="0"/>
+          <a:chExt cx="0" cy="0"/>
+        </a:xfrm>
+      </p:grpSpPr>
+      <p:sp>
+        <p:nvSpPr>
+          <p:cNvPr id="2" name="Title 1">
+            <a:extLst>
+              <a:ext uri="{FF2B5EF4-FFF2-40B4-BE49-F238E27FC236}">
                 <a16:creationId xmlns:a16="http://schemas.microsoft.com/office/drawing/2014/main" id="{3974C28D-3C25-4878-91BF-5F8AC582D02A}"/>
               </a:ext>
             </a:extLst>
@@ -4306,7 +6171,7 @@
 </p:sld>
 </file>
 
-<file path=ppt/slides/slide6.xml><?xml version="1.0" encoding="utf-8"?>
+<file path=ppt/slides/slide7.xml><?xml version="1.0" encoding="utf-8"?>
 <p:sld xmlns:a="http://schemas.openxmlformats.org/drawingml/2006/main" xmlns:r="http://schemas.openxmlformats.org/officeDocument/2006/relationships" xmlns:p="http://schemas.openxmlformats.org/presentationml/2006/main">
   <p:cSld>
     <p:spTree>
@@ -6077,7 +7942,7 @@
 </p:sld>
 </file>
 
-<file path=ppt/slides/slide7.xml><?xml version="1.0" encoding="utf-8"?>
+<file path=ppt/slides/slide8.xml><?xml version="1.0" encoding="utf-8"?>
 <p:sld xmlns:a="http://schemas.openxmlformats.org/drawingml/2006/main" xmlns:r="http://schemas.openxmlformats.org/officeDocument/2006/relationships" xmlns:p="http://schemas.openxmlformats.org/presentationml/2006/main">
   <p:cSld>
     <p:spTree>
@@ -6117,7 +7982,7 @@
           <a:p>
             <a:r>
               <a:rPr lang="nl-NL" dirty="0"/>
-              <a:t>Game code</a:t>
+              <a:t>SerialPort code</a:t>
             </a:r>
           </a:p>
         </p:txBody>
@@ -6138,7 +8003,12 @@
             <p:ph idx="1"/>
           </p:nvPr>
         </p:nvSpPr>
-        <p:spPr/>
+        <p:spPr>
+          <a:xfrm>
+            <a:off x="3869268" y="3941684"/>
+            <a:ext cx="7315200" cy="2043063"/>
+          </a:xfrm>
+        </p:spPr>
         <p:txBody>
           <a:bodyPr/>
           <a:lstStyle/>
@@ -6147,10 +8017,651 @@
           </a:p>
         </p:txBody>
       </p:sp>
+      <p:pic>
+        <p:nvPicPr>
+          <p:cNvPr id="4" name="Picture 3">
+            <a:extLst>
+              <a:ext uri="{FF2B5EF4-FFF2-40B4-BE49-F238E27FC236}">
+                <a16:creationId xmlns:a16="http://schemas.microsoft.com/office/drawing/2014/main" id="{75A2051C-7B1E-4B84-8300-C171AE6C9DD0}"/>
+              </a:ext>
+            </a:extLst>
+          </p:cNvPr>
+          <p:cNvPicPr>
+            <a:picLocks noChangeAspect="1"/>
+          </p:cNvPicPr>
+          <p:nvPr/>
+        </p:nvPicPr>
+        <p:blipFill>
+          <a:blip r:embed="rId2"/>
+          <a:stretch>
+            <a:fillRect/>
+          </a:stretch>
+        </p:blipFill>
+        <p:spPr>
+          <a:xfrm>
+            <a:off x="3869268" y="1866217"/>
+            <a:ext cx="4079206" cy="1144891"/>
+          </a:xfrm>
+          <a:prstGeom prst="rect">
+            <a:avLst/>
+          </a:prstGeom>
+        </p:spPr>
+      </p:pic>
+      <p:pic>
+        <p:nvPicPr>
+          <p:cNvPr id="5" name="Picture 4">
+            <a:extLst>
+              <a:ext uri="{FF2B5EF4-FFF2-40B4-BE49-F238E27FC236}">
+                <a16:creationId xmlns:a16="http://schemas.microsoft.com/office/drawing/2014/main" id="{08F2B1A6-9944-40B3-8285-F8F9507A0765}"/>
+              </a:ext>
+            </a:extLst>
+          </p:cNvPr>
+          <p:cNvPicPr>
+            <a:picLocks noChangeAspect="1"/>
+          </p:cNvPicPr>
+          <p:nvPr/>
+        </p:nvPicPr>
+        <p:blipFill>
+          <a:blip r:embed="rId3"/>
+          <a:stretch>
+            <a:fillRect/>
+          </a:stretch>
+        </p:blipFill>
+        <p:spPr>
+          <a:xfrm>
+            <a:off x="3869268" y="1436004"/>
+            <a:ext cx="2000250" cy="228600"/>
+          </a:xfrm>
+          <a:prstGeom prst="rect">
+            <a:avLst/>
+          </a:prstGeom>
+        </p:spPr>
+      </p:pic>
+      <p:pic>
+        <p:nvPicPr>
+          <p:cNvPr id="6" name="Picture 5">
+            <a:extLst>
+              <a:ext uri="{FF2B5EF4-FFF2-40B4-BE49-F238E27FC236}">
+                <a16:creationId xmlns:a16="http://schemas.microsoft.com/office/drawing/2014/main" id="{1F3B230E-4226-4C87-947B-ADCA2B66D817}"/>
+              </a:ext>
+            </a:extLst>
+          </p:cNvPr>
+          <p:cNvPicPr>
+            <a:picLocks noChangeAspect="1"/>
+          </p:cNvPicPr>
+          <p:nvPr/>
+        </p:nvPicPr>
+        <p:blipFill>
+          <a:blip r:embed="rId4"/>
+          <a:stretch>
+            <a:fillRect/>
+          </a:stretch>
+        </p:blipFill>
+        <p:spPr>
+          <a:xfrm>
+            <a:off x="3869268" y="3349546"/>
+            <a:ext cx="2686050" cy="276225"/>
+          </a:xfrm>
+          <a:prstGeom prst="rect">
+            <a:avLst/>
+          </a:prstGeom>
+        </p:spPr>
+      </p:pic>
     </p:spTree>
     <p:extLst>
       <p:ext uri="{BB962C8B-B14F-4D97-AF65-F5344CB8AC3E}">
         <p14:creationId xmlns:p14="http://schemas.microsoft.com/office/powerpoint/2010/main" val="2792526993"/>
+      </p:ext>
+    </p:extLst>
+  </p:cSld>
+  <p:clrMapOvr>
+    <a:masterClrMapping/>
+  </p:clrMapOvr>
+</p:sld>
+</file>
+
+<file path=ppt/slides/slide9.xml><?xml version="1.0" encoding="utf-8"?>
+<p:sld xmlns:a="http://schemas.openxmlformats.org/drawingml/2006/main" xmlns:r="http://schemas.openxmlformats.org/officeDocument/2006/relationships" xmlns:p="http://schemas.openxmlformats.org/presentationml/2006/main">
+  <p:cSld>
+    <p:spTree>
+      <p:nvGrpSpPr>
+        <p:cNvPr id="1" name=""/>
+        <p:cNvGrpSpPr/>
+        <p:nvPr/>
+      </p:nvGrpSpPr>
+      <p:grpSpPr>
+        <a:xfrm>
+          <a:off x="0" y="0"/>
+          <a:ext cx="0" cy="0"/>
+          <a:chOff x="0" y="0"/>
+          <a:chExt cx="0" cy="0"/>
+        </a:xfrm>
+      </p:grpSpPr>
+      <p:sp>
+        <p:nvSpPr>
+          <p:cNvPr id="2" name="Title 1">
+            <a:extLst>
+              <a:ext uri="{FF2B5EF4-FFF2-40B4-BE49-F238E27FC236}">
+                <a16:creationId xmlns:a16="http://schemas.microsoft.com/office/drawing/2014/main" id="{EAC68D73-B4FA-4AF8-AA96-5B1659CF060C}"/>
+              </a:ext>
+            </a:extLst>
+          </p:cNvPr>
+          <p:cNvSpPr>
+            <a:spLocks noGrp="1"/>
+          </p:cNvSpPr>
+          <p:nvPr>
+            <p:ph type="title"/>
+          </p:nvPr>
+        </p:nvSpPr>
+        <p:spPr>
+          <a:xfrm>
+            <a:off x="195309" y="1123837"/>
+            <a:ext cx="3116062" cy="4601183"/>
+          </a:xfrm>
+        </p:spPr>
+        <p:txBody>
+          <a:bodyPr/>
+          <a:lstStyle/>
+          <a:p>
+            <a:r>
+              <a:rPr lang="nl-NL" dirty="0"/>
+              <a:t>AnchoredMotor</a:t>
+            </a:r>
+          </a:p>
+        </p:txBody>
+      </p:sp>
+      <p:sp>
+        <p:nvSpPr>
+          <p:cNvPr id="3" name="Content Placeholder 2">
+            <a:extLst>
+              <a:ext uri="{FF2B5EF4-FFF2-40B4-BE49-F238E27FC236}">
+                <a16:creationId xmlns:a16="http://schemas.microsoft.com/office/drawing/2014/main" id="{04D37871-57F1-4A81-9B36-14B1FE8F8611}"/>
+              </a:ext>
+            </a:extLst>
+          </p:cNvPr>
+          <p:cNvSpPr>
+            <a:spLocks noGrp="1"/>
+          </p:cNvSpPr>
+          <p:nvPr>
+            <p:ph idx="1"/>
+          </p:nvPr>
+        </p:nvSpPr>
+        <p:spPr>
+          <a:xfrm>
+            <a:off x="3757378" y="2631751"/>
+            <a:ext cx="3116062" cy="1594499"/>
+          </a:xfrm>
+        </p:spPr>
+        <p:txBody>
+          <a:bodyPr/>
+          <a:lstStyle/>
+          <a:p>
+            <a:r>
+              <a:rPr lang="nl-NL" dirty="0"/>
+              <a:t>RotateAround de Anchor</a:t>
+            </a:r>
+          </a:p>
+          <a:p>
+            <a:r>
+              <a:rPr lang="nl-NL" dirty="0"/>
+              <a:t>ChangeDirection()</a:t>
+            </a:r>
+          </a:p>
+          <a:p>
+            <a:r>
+              <a:rPr lang="nl-NL" dirty="0"/>
+              <a:t>Enumerator Direction</a:t>
+            </a:r>
+          </a:p>
+        </p:txBody>
+      </p:sp>
+      <p:pic>
+        <p:nvPicPr>
+          <p:cNvPr id="4" name="Picture 3">
+            <a:extLst>
+              <a:ext uri="{FF2B5EF4-FFF2-40B4-BE49-F238E27FC236}">
+                <a16:creationId xmlns:a16="http://schemas.microsoft.com/office/drawing/2014/main" id="{7D942448-36B4-4064-A99C-50CFEF164C2E}"/>
+              </a:ext>
+            </a:extLst>
+          </p:cNvPr>
+          <p:cNvPicPr>
+            <a:picLocks noChangeAspect="1"/>
+          </p:cNvPicPr>
+          <p:nvPr/>
+        </p:nvPicPr>
+        <p:blipFill>
+          <a:blip r:embed="rId2"/>
+          <a:stretch>
+            <a:fillRect/>
+          </a:stretch>
+        </p:blipFill>
+        <p:spPr>
+          <a:xfrm>
+            <a:off x="3836579" y="873253"/>
+            <a:ext cx="6073722" cy="1758498"/>
+          </a:xfrm>
+          <a:prstGeom prst="rect">
+            <a:avLst/>
+          </a:prstGeom>
+        </p:spPr>
+      </p:pic>
+      <p:pic>
+        <p:nvPicPr>
+          <p:cNvPr id="5" name="Picture 4">
+            <a:extLst>
+              <a:ext uri="{FF2B5EF4-FFF2-40B4-BE49-F238E27FC236}">
+                <a16:creationId xmlns:a16="http://schemas.microsoft.com/office/drawing/2014/main" id="{69611492-D063-4CEE-BD41-921C21DD536A}"/>
+              </a:ext>
+            </a:extLst>
+          </p:cNvPr>
+          <p:cNvPicPr>
+            <a:picLocks noChangeAspect="1"/>
+          </p:cNvPicPr>
+          <p:nvPr/>
+        </p:nvPicPr>
+        <p:blipFill>
+          <a:blip r:embed="rId3"/>
+          <a:stretch>
+            <a:fillRect/>
+          </a:stretch>
+        </p:blipFill>
+        <p:spPr>
+          <a:xfrm>
+            <a:off x="3889493" y="4226250"/>
+            <a:ext cx="3429954" cy="1626652"/>
+          </a:xfrm>
+          <a:prstGeom prst="rect">
+            <a:avLst/>
+          </a:prstGeom>
+        </p:spPr>
+      </p:pic>
+      <p:pic>
+        <p:nvPicPr>
+          <p:cNvPr id="7" name="Picture 6">
+            <a:extLst>
+              <a:ext uri="{FF2B5EF4-FFF2-40B4-BE49-F238E27FC236}">
+                <a16:creationId xmlns:a16="http://schemas.microsoft.com/office/drawing/2014/main" id="{181468F9-50D9-499D-A446-79673BEA1A58}"/>
+              </a:ext>
+            </a:extLst>
+          </p:cNvPr>
+          <p:cNvPicPr>
+            <a:picLocks noChangeAspect="1"/>
+          </p:cNvPicPr>
+          <p:nvPr/>
+        </p:nvPicPr>
+        <p:blipFill>
+          <a:blip r:embed="rId4"/>
+          <a:stretch>
+            <a:fillRect/>
+          </a:stretch>
+        </p:blipFill>
+        <p:spPr>
+          <a:xfrm>
+            <a:off x="8702036" y="2946871"/>
+            <a:ext cx="1432705" cy="240214"/>
+          </a:xfrm>
+          <a:prstGeom prst="rect">
+            <a:avLst/>
+          </a:prstGeom>
+        </p:spPr>
+      </p:pic>
+      <p:pic>
+        <p:nvPicPr>
+          <p:cNvPr id="8" name="Picture 7">
+            <a:extLst>
+              <a:ext uri="{FF2B5EF4-FFF2-40B4-BE49-F238E27FC236}">
+                <a16:creationId xmlns:a16="http://schemas.microsoft.com/office/drawing/2014/main" id="{195EA09D-C749-4BB8-B76F-6FC1F38A4D98}"/>
+              </a:ext>
+            </a:extLst>
+          </p:cNvPr>
+          <p:cNvPicPr>
+            <a:picLocks noChangeAspect="1"/>
+          </p:cNvPicPr>
+          <p:nvPr/>
+        </p:nvPicPr>
+        <p:blipFill>
+          <a:blip r:embed="rId5"/>
+          <a:stretch>
+            <a:fillRect/>
+          </a:stretch>
+        </p:blipFill>
+        <p:spPr>
+          <a:xfrm>
+            <a:off x="8622137" y="3429000"/>
+            <a:ext cx="1596122" cy="1906479"/>
+          </a:xfrm>
+          <a:prstGeom prst="rect">
+            <a:avLst/>
+          </a:prstGeom>
+        </p:spPr>
+      </p:pic>
+      <p:cxnSp>
+        <p:nvCxnSpPr>
+          <p:cNvPr id="12" name="Straight Arrow Connector 11">
+            <a:extLst>
+              <a:ext uri="{FF2B5EF4-FFF2-40B4-BE49-F238E27FC236}">
+                <a16:creationId xmlns:a16="http://schemas.microsoft.com/office/drawing/2014/main" id="{A3C35493-2578-415F-8CD7-35DB49F97C11}"/>
+              </a:ext>
+            </a:extLst>
+          </p:cNvPr>
+          <p:cNvCxnSpPr/>
+          <p:nvPr/>
+        </p:nvCxnSpPr>
+        <p:spPr>
+          <a:xfrm>
+            <a:off x="9418388" y="4128117"/>
+            <a:ext cx="302661" cy="98133"/>
+          </a:xfrm>
+          <a:prstGeom prst="straightConnector1">
+            <a:avLst/>
+          </a:prstGeom>
+          <a:ln>
+            <a:solidFill>
+              <a:srgbClr val="FF0000"/>
+            </a:solidFill>
+            <a:tailEnd type="triangle"/>
+          </a:ln>
+        </p:spPr>
+        <p:style>
+          <a:lnRef idx="1">
+            <a:schemeClr val="accent1"/>
+          </a:lnRef>
+          <a:fillRef idx="0">
+            <a:schemeClr val="accent1"/>
+          </a:fillRef>
+          <a:effectRef idx="0">
+            <a:schemeClr val="accent1"/>
+          </a:effectRef>
+          <a:fontRef idx="minor">
+            <a:schemeClr val="tx1"/>
+          </a:fontRef>
+        </p:style>
+      </p:cxnSp>
+      <p:cxnSp>
+        <p:nvCxnSpPr>
+          <p:cNvPr id="13" name="Straight Arrow Connector 12">
+            <a:extLst>
+              <a:ext uri="{FF2B5EF4-FFF2-40B4-BE49-F238E27FC236}">
+                <a16:creationId xmlns:a16="http://schemas.microsoft.com/office/drawing/2014/main" id="{AC506916-C67A-48B8-86D8-252FD40E70B4}"/>
+              </a:ext>
+            </a:extLst>
+          </p:cNvPr>
+          <p:cNvCxnSpPr>
+            <a:cxnSpLocks/>
+          </p:cNvCxnSpPr>
+          <p:nvPr/>
+        </p:nvCxnSpPr>
+        <p:spPr>
+          <a:xfrm>
+            <a:off x="9765559" y="4284585"/>
+            <a:ext cx="88776" cy="264850"/>
+          </a:xfrm>
+          <a:prstGeom prst="straightConnector1">
+            <a:avLst/>
+          </a:prstGeom>
+          <a:ln>
+            <a:solidFill>
+              <a:srgbClr val="FF0000"/>
+            </a:solidFill>
+            <a:tailEnd type="triangle"/>
+          </a:ln>
+        </p:spPr>
+        <p:style>
+          <a:lnRef idx="1">
+            <a:schemeClr val="accent1"/>
+          </a:lnRef>
+          <a:fillRef idx="0">
+            <a:schemeClr val="accent1"/>
+          </a:fillRef>
+          <a:effectRef idx="0">
+            <a:schemeClr val="accent1"/>
+          </a:effectRef>
+          <a:fontRef idx="minor">
+            <a:schemeClr val="tx1"/>
+          </a:fontRef>
+        </p:style>
+      </p:cxnSp>
+      <p:cxnSp>
+        <p:nvCxnSpPr>
+          <p:cNvPr id="16" name="Straight Arrow Connector 15">
+            <a:extLst>
+              <a:ext uri="{FF2B5EF4-FFF2-40B4-BE49-F238E27FC236}">
+                <a16:creationId xmlns:a16="http://schemas.microsoft.com/office/drawing/2014/main" id="{D93D17B0-DF4B-4482-9B60-A38766B65B1C}"/>
+              </a:ext>
+            </a:extLst>
+          </p:cNvPr>
+          <p:cNvCxnSpPr>
+            <a:cxnSpLocks/>
+          </p:cNvCxnSpPr>
+          <p:nvPr/>
+        </p:nvCxnSpPr>
+        <p:spPr>
+          <a:xfrm flipH="1">
+            <a:off x="9721049" y="4706904"/>
+            <a:ext cx="119909" cy="264591"/>
+          </a:xfrm>
+          <a:prstGeom prst="straightConnector1">
+            <a:avLst/>
+          </a:prstGeom>
+          <a:ln>
+            <a:solidFill>
+              <a:srgbClr val="FF0000"/>
+            </a:solidFill>
+            <a:tailEnd type="triangle"/>
+          </a:ln>
+        </p:spPr>
+        <p:style>
+          <a:lnRef idx="1">
+            <a:schemeClr val="accent1"/>
+          </a:lnRef>
+          <a:fillRef idx="0">
+            <a:schemeClr val="accent1"/>
+          </a:fillRef>
+          <a:effectRef idx="0">
+            <a:schemeClr val="accent1"/>
+          </a:effectRef>
+          <a:fontRef idx="minor">
+            <a:schemeClr val="tx1"/>
+          </a:fontRef>
+        </p:style>
+      </p:cxnSp>
+      <p:sp>
+        <p:nvSpPr>
+          <p:cNvPr id="19" name="Oval 18">
+            <a:extLst>
+              <a:ext uri="{FF2B5EF4-FFF2-40B4-BE49-F238E27FC236}">
+                <a16:creationId xmlns:a16="http://schemas.microsoft.com/office/drawing/2014/main" id="{8A7C591D-0C07-47E8-B5DB-181FB527E6F3}"/>
+              </a:ext>
+            </a:extLst>
+          </p:cNvPr>
+          <p:cNvSpPr/>
+          <p:nvPr/>
+        </p:nvSpPr>
+        <p:spPr>
+          <a:xfrm>
+            <a:off x="9335213" y="4549435"/>
+            <a:ext cx="88776" cy="98133"/>
+          </a:xfrm>
+          <a:prstGeom prst="ellipse">
+            <a:avLst/>
+          </a:prstGeom>
+          <a:solidFill>
+            <a:srgbClr val="FF0000"/>
+          </a:solidFill>
+          <a:ln>
+            <a:solidFill>
+              <a:srgbClr val="FF0000"/>
+            </a:solidFill>
+          </a:ln>
+        </p:spPr>
+        <p:style>
+          <a:lnRef idx="2">
+            <a:schemeClr val="accent1">
+              <a:shade val="50000"/>
+            </a:schemeClr>
+          </a:lnRef>
+          <a:fillRef idx="1">
+            <a:schemeClr val="accent1"/>
+          </a:fillRef>
+          <a:effectRef idx="0">
+            <a:schemeClr val="accent1"/>
+          </a:effectRef>
+          <a:fontRef idx="minor">
+            <a:schemeClr val="lt1"/>
+          </a:fontRef>
+        </p:style>
+        <p:txBody>
+          <a:bodyPr rtlCol="0" anchor="ctr"/>
+          <a:lstStyle/>
+          <a:p>
+            <a:pPr algn="ctr"/>
+            <a:endParaRPr lang="nl-NL"/>
+          </a:p>
+        </p:txBody>
+      </p:sp>
+      <p:sp>
+        <p:nvSpPr>
+          <p:cNvPr id="20" name="TextBox 19">
+            <a:extLst>
+              <a:ext uri="{FF2B5EF4-FFF2-40B4-BE49-F238E27FC236}">
+                <a16:creationId xmlns:a16="http://schemas.microsoft.com/office/drawing/2014/main" id="{FE792CB4-2A8D-4DD9-9B26-02A4A813B253}"/>
+              </a:ext>
+            </a:extLst>
+          </p:cNvPr>
+          <p:cNvSpPr txBox="1"/>
+          <p:nvPr/>
+        </p:nvSpPr>
+        <p:spPr>
+          <a:xfrm>
+            <a:off x="9124332" y="4577589"/>
+            <a:ext cx="587020" cy="261610"/>
+          </a:xfrm>
+          <a:prstGeom prst="rect">
+            <a:avLst/>
+          </a:prstGeom>
+          <a:noFill/>
+        </p:spPr>
+        <p:txBody>
+          <a:bodyPr wrap="none" rtlCol="0">
+            <a:spAutoFit/>
+          </a:bodyPr>
+          <a:lstStyle/>
+          <a:p>
+            <a:r>
+              <a:rPr lang="nl-NL" sz="1100" dirty="0"/>
+              <a:t>anchor</a:t>
+            </a:r>
+          </a:p>
+        </p:txBody>
+      </p:sp>
+      <p:sp>
+        <p:nvSpPr>
+          <p:cNvPr id="21" name="Rectangle 20">
+            <a:extLst>
+              <a:ext uri="{FF2B5EF4-FFF2-40B4-BE49-F238E27FC236}">
+                <a16:creationId xmlns:a16="http://schemas.microsoft.com/office/drawing/2014/main" id="{7934A990-DBF3-4786-8676-FADF77703E6B}"/>
+              </a:ext>
+            </a:extLst>
+          </p:cNvPr>
+          <p:cNvSpPr/>
+          <p:nvPr/>
+        </p:nvSpPr>
+        <p:spPr>
+          <a:xfrm>
+            <a:off x="5566299" y="1123837"/>
+            <a:ext cx="426128" cy="154547"/>
+          </a:xfrm>
+          <a:prstGeom prst="rect">
+            <a:avLst/>
+          </a:prstGeom>
+          <a:noFill/>
+          <a:ln>
+            <a:solidFill>
+              <a:srgbClr val="FF0000"/>
+            </a:solidFill>
+          </a:ln>
+        </p:spPr>
+        <p:style>
+          <a:lnRef idx="2">
+            <a:schemeClr val="accent1">
+              <a:shade val="50000"/>
+            </a:schemeClr>
+          </a:lnRef>
+          <a:fillRef idx="1">
+            <a:schemeClr val="accent1"/>
+          </a:fillRef>
+          <a:effectRef idx="0">
+            <a:schemeClr val="accent1"/>
+          </a:effectRef>
+          <a:fontRef idx="minor">
+            <a:schemeClr val="lt1"/>
+          </a:fontRef>
+        </p:style>
+        <p:txBody>
+          <a:bodyPr rtlCol="0" anchor="ctr"/>
+          <a:lstStyle/>
+          <a:p>
+            <a:pPr algn="ctr"/>
+            <a:endParaRPr lang="nl-NL"/>
+          </a:p>
+        </p:txBody>
+      </p:sp>
+      <p:sp>
+        <p:nvSpPr>
+          <p:cNvPr id="22" name="Rectangle 21">
+            <a:extLst>
+              <a:ext uri="{FF2B5EF4-FFF2-40B4-BE49-F238E27FC236}">
+                <a16:creationId xmlns:a16="http://schemas.microsoft.com/office/drawing/2014/main" id="{40378611-9D7E-4313-AD88-1FB418551067}"/>
+              </a:ext>
+            </a:extLst>
+          </p:cNvPr>
+          <p:cNvSpPr/>
+          <p:nvPr/>
+        </p:nvSpPr>
+        <p:spPr>
+          <a:xfrm>
+            <a:off x="9124332" y="1123837"/>
+            <a:ext cx="596717" cy="154547"/>
+          </a:xfrm>
+          <a:prstGeom prst="rect">
+            <a:avLst/>
+          </a:prstGeom>
+          <a:noFill/>
+          <a:ln>
+            <a:solidFill>
+              <a:srgbClr val="FF0000"/>
+            </a:solidFill>
+          </a:ln>
+        </p:spPr>
+        <p:style>
+          <a:lnRef idx="2">
+            <a:schemeClr val="accent1">
+              <a:shade val="50000"/>
+            </a:schemeClr>
+          </a:lnRef>
+          <a:fillRef idx="1">
+            <a:schemeClr val="accent1"/>
+          </a:fillRef>
+          <a:effectRef idx="0">
+            <a:schemeClr val="accent1"/>
+          </a:effectRef>
+          <a:fontRef idx="minor">
+            <a:schemeClr val="lt1"/>
+          </a:fontRef>
+        </p:style>
+        <p:txBody>
+          <a:bodyPr rtlCol="0" anchor="ctr"/>
+          <a:lstStyle/>
+          <a:p>
+            <a:pPr algn="ctr"/>
+            <a:endParaRPr lang="nl-NL"/>
+          </a:p>
+        </p:txBody>
+      </p:sp>
+    </p:spTree>
+    <p:extLst>
+      <p:ext uri="{BB962C8B-B14F-4D97-AF65-F5344CB8AC3E}">
+        <p14:creationId xmlns:p14="http://schemas.microsoft.com/office/powerpoint/2010/main" val="1163071869"/>
       </p:ext>
     </p:extLst>
   </p:cSld>

--- a/Documentatie/Special Input.pptx
+++ b/Documentatie/Special Input.pptx
@@ -10,14 +10,17 @@
     <p:sldId id="258" r:id="rId4"/>
     <p:sldId id="259" r:id="rId5"/>
     <p:sldId id="266" r:id="rId6"/>
-    <p:sldId id="260" r:id="rId7"/>
-    <p:sldId id="261" r:id="rId8"/>
-    <p:sldId id="262" r:id="rId9"/>
-    <p:sldId id="265" r:id="rId10"/>
-    <p:sldId id="263" r:id="rId11"/>
-    <p:sldId id="267" r:id="rId12"/>
-    <p:sldId id="264" r:id="rId13"/>
-    <p:sldId id="268" r:id="rId14"/>
+    <p:sldId id="269" r:id="rId7"/>
+    <p:sldId id="260" r:id="rId8"/>
+    <p:sldId id="261" r:id="rId9"/>
+    <p:sldId id="262" r:id="rId10"/>
+    <p:sldId id="265" r:id="rId11"/>
+    <p:sldId id="263" r:id="rId12"/>
+    <p:sldId id="267" r:id="rId13"/>
+    <p:sldId id="264" r:id="rId14"/>
+    <p:sldId id="271" r:id="rId15"/>
+    <p:sldId id="270" r:id="rId16"/>
+    <p:sldId id="268" r:id="rId17"/>
   </p:sldIdLst>
   <p:sldSz cx="12192000" cy="6858000"/>
   <p:notesSz cx="6858000" cy="9144000"/>
@@ -553,7 +556,7 @@
             <a:fld id="{5586B75A-687E-405C-8A0B-8D00578BA2C3}" type="datetimeFigureOut">
               <a:rPr lang="en-US" dirty="0"/>
               <a:pPr/>
-              <a:t>4/13/2020</a:t>
+              <a:t>4/19/2020</a:t>
             </a:fld>
             <a:endParaRPr lang="en-US" dirty="0"/>
           </a:p>
@@ -720,7 +723,7 @@
             <a:fld id="{5586B75A-687E-405C-8A0B-8D00578BA2C3}" type="datetimeFigureOut">
               <a:rPr lang="en-US" dirty="0"/>
               <a:pPr/>
-              <a:t>4/13/2020</a:t>
+              <a:t>4/19/2020</a:t>
             </a:fld>
             <a:endParaRPr lang="en-US" dirty="0"/>
           </a:p>
@@ -897,7 +900,7 @@
             <a:fld id="{5586B75A-687E-405C-8A0B-8D00578BA2C3}" type="datetimeFigureOut">
               <a:rPr lang="en-US" dirty="0"/>
               <a:pPr/>
-              <a:t>4/13/2020</a:t>
+              <a:t>4/19/2020</a:t>
             </a:fld>
             <a:endParaRPr lang="en-US" dirty="0"/>
           </a:p>
@@ -1064,7 +1067,7 @@
             <a:fld id="{5586B75A-687E-405C-8A0B-8D00578BA2C3}" type="datetimeFigureOut">
               <a:rPr lang="en-US" dirty="0"/>
               <a:pPr/>
-              <a:t>4/13/2020</a:t>
+              <a:t>4/19/2020</a:t>
             </a:fld>
             <a:endParaRPr lang="en-US" dirty="0"/>
           </a:p>
@@ -1319,7 +1322,7 @@
             <a:fld id="{5586B75A-687E-405C-8A0B-8D00578BA2C3}" type="datetimeFigureOut">
               <a:rPr lang="en-US" dirty="0"/>
               <a:pPr/>
-              <a:t>4/13/2020</a:t>
+              <a:t>4/19/2020</a:t>
             </a:fld>
             <a:endParaRPr lang="en-US" dirty="0"/>
           </a:p>
@@ -1604,7 +1607,7 @@
             <a:fld id="{5586B75A-687E-405C-8A0B-8D00578BA2C3}" type="datetimeFigureOut">
               <a:rPr lang="en-US" dirty="0"/>
               <a:pPr/>
-              <a:t>4/13/2020</a:t>
+              <a:t>4/19/2020</a:t>
             </a:fld>
             <a:endParaRPr lang="en-US" dirty="0"/>
           </a:p>
@@ -2043,7 +2046,7 @@
             <a:fld id="{5586B75A-687E-405C-8A0B-8D00578BA2C3}" type="datetimeFigureOut">
               <a:rPr lang="en-US" dirty="0"/>
               <a:pPr/>
-              <a:t>4/13/2020</a:t>
+              <a:t>4/19/2020</a:t>
             </a:fld>
             <a:endParaRPr lang="en-US" dirty="0"/>
           </a:p>
@@ -2158,7 +2161,7 @@
             <a:fld id="{5586B75A-687E-405C-8A0B-8D00578BA2C3}" type="datetimeFigureOut">
               <a:rPr lang="en-US" dirty="0"/>
               <a:pPr/>
-              <a:t>4/13/2020</a:t>
+              <a:t>4/19/2020</a:t>
             </a:fld>
             <a:endParaRPr lang="en-US" dirty="0"/>
           </a:p>
@@ -2250,7 +2253,7 @@
             <a:fld id="{5586B75A-687E-405C-8A0B-8D00578BA2C3}" type="datetimeFigureOut">
               <a:rPr lang="en-US" dirty="0"/>
               <a:pPr/>
-              <a:t>4/13/2020</a:t>
+              <a:t>4/19/2020</a:t>
             </a:fld>
             <a:endParaRPr lang="en-US" dirty="0"/>
           </a:p>
@@ -2535,7 +2538,7 @@
             <a:fld id="{5586B75A-687E-405C-8A0B-8D00578BA2C3}" type="datetimeFigureOut">
               <a:rPr lang="en-US" dirty="0"/>
               <a:pPr/>
-              <a:t>4/13/2020</a:t>
+              <a:t>4/19/2020</a:t>
             </a:fld>
             <a:endParaRPr lang="en-US" dirty="0"/>
           </a:p>
@@ -2805,7 +2808,7 @@
             <a:fld id="{5586B75A-687E-405C-8A0B-8D00578BA2C3}" type="datetimeFigureOut">
               <a:rPr lang="en-US" dirty="0"/>
               <a:pPr/>
-              <a:t>4/13/2020</a:t>
+              <a:t>4/19/2020</a:t>
             </a:fld>
             <a:endParaRPr lang="en-US" dirty="0"/>
           </a:p>
@@ -3099,7 +3102,7 @@
             <a:fld id="{5586B75A-687E-405C-8A0B-8D00578BA2C3}" type="datetimeFigureOut">
               <a:rPr lang="en-US" dirty="0"/>
               <a:pPr/>
-              <a:t>4/13/2020</a:t>
+              <a:t>4/19/2020</a:t>
             </a:fld>
             <a:endParaRPr lang="en-US" dirty="0"/>
           </a:p>
@@ -3669,6 +3672,557 @@
           <p:cNvPr id="2" name="Title 1">
             <a:extLst>
               <a:ext uri="{FF2B5EF4-FFF2-40B4-BE49-F238E27FC236}">
+                <a16:creationId xmlns:a16="http://schemas.microsoft.com/office/drawing/2014/main" id="{EAC68D73-B4FA-4AF8-AA96-5B1659CF060C}"/>
+              </a:ext>
+            </a:extLst>
+          </p:cNvPr>
+          <p:cNvSpPr>
+            <a:spLocks noGrp="1"/>
+          </p:cNvSpPr>
+          <p:nvPr>
+            <p:ph type="title"/>
+          </p:nvPr>
+        </p:nvSpPr>
+        <p:spPr>
+          <a:xfrm>
+            <a:off x="195309" y="1123837"/>
+            <a:ext cx="3116062" cy="4601183"/>
+          </a:xfrm>
+        </p:spPr>
+        <p:txBody>
+          <a:bodyPr/>
+          <a:lstStyle/>
+          <a:p>
+            <a:r>
+              <a:rPr lang="nl-NL" dirty="0"/>
+              <a:t>AnchoredMotor</a:t>
+            </a:r>
+          </a:p>
+        </p:txBody>
+      </p:sp>
+      <p:sp>
+        <p:nvSpPr>
+          <p:cNvPr id="3" name="Content Placeholder 2">
+            <a:extLst>
+              <a:ext uri="{FF2B5EF4-FFF2-40B4-BE49-F238E27FC236}">
+                <a16:creationId xmlns:a16="http://schemas.microsoft.com/office/drawing/2014/main" id="{04D37871-57F1-4A81-9B36-14B1FE8F8611}"/>
+              </a:ext>
+            </a:extLst>
+          </p:cNvPr>
+          <p:cNvSpPr>
+            <a:spLocks noGrp="1"/>
+          </p:cNvSpPr>
+          <p:nvPr>
+            <p:ph idx="1"/>
+          </p:nvPr>
+        </p:nvSpPr>
+        <p:spPr>
+          <a:xfrm>
+            <a:off x="3757378" y="2631751"/>
+            <a:ext cx="3116062" cy="1594499"/>
+          </a:xfrm>
+        </p:spPr>
+        <p:txBody>
+          <a:bodyPr/>
+          <a:lstStyle/>
+          <a:p>
+            <a:r>
+              <a:rPr lang="nl-NL" dirty="0"/>
+              <a:t>RotateAround de Anchor</a:t>
+            </a:r>
+          </a:p>
+          <a:p>
+            <a:r>
+              <a:rPr lang="nl-NL" dirty="0"/>
+              <a:t>ChangeDirection()</a:t>
+            </a:r>
+          </a:p>
+          <a:p>
+            <a:r>
+              <a:rPr lang="nl-NL" dirty="0"/>
+              <a:t>Enumerator Direction</a:t>
+            </a:r>
+          </a:p>
+        </p:txBody>
+      </p:sp>
+      <p:pic>
+        <p:nvPicPr>
+          <p:cNvPr id="4" name="Picture 3">
+            <a:extLst>
+              <a:ext uri="{FF2B5EF4-FFF2-40B4-BE49-F238E27FC236}">
+                <a16:creationId xmlns:a16="http://schemas.microsoft.com/office/drawing/2014/main" id="{7D942448-36B4-4064-A99C-50CFEF164C2E}"/>
+              </a:ext>
+            </a:extLst>
+          </p:cNvPr>
+          <p:cNvPicPr>
+            <a:picLocks noChangeAspect="1"/>
+          </p:cNvPicPr>
+          <p:nvPr/>
+        </p:nvPicPr>
+        <p:blipFill>
+          <a:blip r:embed="rId2"/>
+          <a:stretch>
+            <a:fillRect/>
+          </a:stretch>
+        </p:blipFill>
+        <p:spPr>
+          <a:xfrm>
+            <a:off x="3836579" y="873253"/>
+            <a:ext cx="6073722" cy="1758498"/>
+          </a:xfrm>
+          <a:prstGeom prst="rect">
+            <a:avLst/>
+          </a:prstGeom>
+        </p:spPr>
+      </p:pic>
+      <p:pic>
+        <p:nvPicPr>
+          <p:cNvPr id="5" name="Picture 4">
+            <a:extLst>
+              <a:ext uri="{FF2B5EF4-FFF2-40B4-BE49-F238E27FC236}">
+                <a16:creationId xmlns:a16="http://schemas.microsoft.com/office/drawing/2014/main" id="{69611492-D063-4CEE-BD41-921C21DD536A}"/>
+              </a:ext>
+            </a:extLst>
+          </p:cNvPr>
+          <p:cNvPicPr>
+            <a:picLocks noChangeAspect="1"/>
+          </p:cNvPicPr>
+          <p:nvPr/>
+        </p:nvPicPr>
+        <p:blipFill>
+          <a:blip r:embed="rId3"/>
+          <a:stretch>
+            <a:fillRect/>
+          </a:stretch>
+        </p:blipFill>
+        <p:spPr>
+          <a:xfrm>
+            <a:off x="3889493" y="4226250"/>
+            <a:ext cx="3429954" cy="1626652"/>
+          </a:xfrm>
+          <a:prstGeom prst="rect">
+            <a:avLst/>
+          </a:prstGeom>
+        </p:spPr>
+      </p:pic>
+      <p:pic>
+        <p:nvPicPr>
+          <p:cNvPr id="7" name="Picture 6">
+            <a:extLst>
+              <a:ext uri="{FF2B5EF4-FFF2-40B4-BE49-F238E27FC236}">
+                <a16:creationId xmlns:a16="http://schemas.microsoft.com/office/drawing/2014/main" id="{181468F9-50D9-499D-A446-79673BEA1A58}"/>
+              </a:ext>
+            </a:extLst>
+          </p:cNvPr>
+          <p:cNvPicPr>
+            <a:picLocks noChangeAspect="1"/>
+          </p:cNvPicPr>
+          <p:nvPr/>
+        </p:nvPicPr>
+        <p:blipFill>
+          <a:blip r:embed="rId4"/>
+          <a:stretch>
+            <a:fillRect/>
+          </a:stretch>
+        </p:blipFill>
+        <p:spPr>
+          <a:xfrm>
+            <a:off x="8702036" y="2946871"/>
+            <a:ext cx="1432705" cy="240214"/>
+          </a:xfrm>
+          <a:prstGeom prst="rect">
+            <a:avLst/>
+          </a:prstGeom>
+        </p:spPr>
+      </p:pic>
+      <p:pic>
+        <p:nvPicPr>
+          <p:cNvPr id="8" name="Picture 7">
+            <a:extLst>
+              <a:ext uri="{FF2B5EF4-FFF2-40B4-BE49-F238E27FC236}">
+                <a16:creationId xmlns:a16="http://schemas.microsoft.com/office/drawing/2014/main" id="{195EA09D-C749-4BB8-B76F-6FC1F38A4D98}"/>
+              </a:ext>
+            </a:extLst>
+          </p:cNvPr>
+          <p:cNvPicPr>
+            <a:picLocks noChangeAspect="1"/>
+          </p:cNvPicPr>
+          <p:nvPr/>
+        </p:nvPicPr>
+        <p:blipFill>
+          <a:blip r:embed="rId5"/>
+          <a:stretch>
+            <a:fillRect/>
+          </a:stretch>
+        </p:blipFill>
+        <p:spPr>
+          <a:xfrm>
+            <a:off x="8622137" y="3429000"/>
+            <a:ext cx="1596122" cy="1906479"/>
+          </a:xfrm>
+          <a:prstGeom prst="rect">
+            <a:avLst/>
+          </a:prstGeom>
+        </p:spPr>
+      </p:pic>
+      <p:cxnSp>
+        <p:nvCxnSpPr>
+          <p:cNvPr id="12" name="Straight Arrow Connector 11">
+            <a:extLst>
+              <a:ext uri="{FF2B5EF4-FFF2-40B4-BE49-F238E27FC236}">
+                <a16:creationId xmlns:a16="http://schemas.microsoft.com/office/drawing/2014/main" id="{A3C35493-2578-415F-8CD7-35DB49F97C11}"/>
+              </a:ext>
+            </a:extLst>
+          </p:cNvPr>
+          <p:cNvCxnSpPr/>
+          <p:nvPr/>
+        </p:nvCxnSpPr>
+        <p:spPr>
+          <a:xfrm>
+            <a:off x="9418388" y="4128117"/>
+            <a:ext cx="302661" cy="98133"/>
+          </a:xfrm>
+          <a:prstGeom prst="straightConnector1">
+            <a:avLst/>
+          </a:prstGeom>
+          <a:ln>
+            <a:solidFill>
+              <a:srgbClr val="FF0000"/>
+            </a:solidFill>
+            <a:tailEnd type="triangle"/>
+          </a:ln>
+        </p:spPr>
+        <p:style>
+          <a:lnRef idx="1">
+            <a:schemeClr val="accent1"/>
+          </a:lnRef>
+          <a:fillRef idx="0">
+            <a:schemeClr val="accent1"/>
+          </a:fillRef>
+          <a:effectRef idx="0">
+            <a:schemeClr val="accent1"/>
+          </a:effectRef>
+          <a:fontRef idx="minor">
+            <a:schemeClr val="tx1"/>
+          </a:fontRef>
+        </p:style>
+      </p:cxnSp>
+      <p:cxnSp>
+        <p:nvCxnSpPr>
+          <p:cNvPr id="13" name="Straight Arrow Connector 12">
+            <a:extLst>
+              <a:ext uri="{FF2B5EF4-FFF2-40B4-BE49-F238E27FC236}">
+                <a16:creationId xmlns:a16="http://schemas.microsoft.com/office/drawing/2014/main" id="{AC506916-C67A-48B8-86D8-252FD40E70B4}"/>
+              </a:ext>
+            </a:extLst>
+          </p:cNvPr>
+          <p:cNvCxnSpPr>
+            <a:cxnSpLocks/>
+          </p:cNvCxnSpPr>
+          <p:nvPr/>
+        </p:nvCxnSpPr>
+        <p:spPr>
+          <a:xfrm>
+            <a:off x="9765559" y="4284585"/>
+            <a:ext cx="88776" cy="264850"/>
+          </a:xfrm>
+          <a:prstGeom prst="straightConnector1">
+            <a:avLst/>
+          </a:prstGeom>
+          <a:ln>
+            <a:solidFill>
+              <a:srgbClr val="FF0000"/>
+            </a:solidFill>
+            <a:tailEnd type="triangle"/>
+          </a:ln>
+        </p:spPr>
+        <p:style>
+          <a:lnRef idx="1">
+            <a:schemeClr val="accent1"/>
+          </a:lnRef>
+          <a:fillRef idx="0">
+            <a:schemeClr val="accent1"/>
+          </a:fillRef>
+          <a:effectRef idx="0">
+            <a:schemeClr val="accent1"/>
+          </a:effectRef>
+          <a:fontRef idx="minor">
+            <a:schemeClr val="tx1"/>
+          </a:fontRef>
+        </p:style>
+      </p:cxnSp>
+      <p:cxnSp>
+        <p:nvCxnSpPr>
+          <p:cNvPr id="16" name="Straight Arrow Connector 15">
+            <a:extLst>
+              <a:ext uri="{FF2B5EF4-FFF2-40B4-BE49-F238E27FC236}">
+                <a16:creationId xmlns:a16="http://schemas.microsoft.com/office/drawing/2014/main" id="{D93D17B0-DF4B-4482-9B60-A38766B65B1C}"/>
+              </a:ext>
+            </a:extLst>
+          </p:cNvPr>
+          <p:cNvCxnSpPr>
+            <a:cxnSpLocks/>
+          </p:cNvCxnSpPr>
+          <p:nvPr/>
+        </p:nvCxnSpPr>
+        <p:spPr>
+          <a:xfrm flipH="1">
+            <a:off x="9721049" y="4706904"/>
+            <a:ext cx="119909" cy="264591"/>
+          </a:xfrm>
+          <a:prstGeom prst="straightConnector1">
+            <a:avLst/>
+          </a:prstGeom>
+          <a:ln>
+            <a:solidFill>
+              <a:srgbClr val="FF0000"/>
+            </a:solidFill>
+            <a:tailEnd type="triangle"/>
+          </a:ln>
+        </p:spPr>
+        <p:style>
+          <a:lnRef idx="1">
+            <a:schemeClr val="accent1"/>
+          </a:lnRef>
+          <a:fillRef idx="0">
+            <a:schemeClr val="accent1"/>
+          </a:fillRef>
+          <a:effectRef idx="0">
+            <a:schemeClr val="accent1"/>
+          </a:effectRef>
+          <a:fontRef idx="minor">
+            <a:schemeClr val="tx1"/>
+          </a:fontRef>
+        </p:style>
+      </p:cxnSp>
+      <p:sp>
+        <p:nvSpPr>
+          <p:cNvPr id="19" name="Oval 18">
+            <a:extLst>
+              <a:ext uri="{FF2B5EF4-FFF2-40B4-BE49-F238E27FC236}">
+                <a16:creationId xmlns:a16="http://schemas.microsoft.com/office/drawing/2014/main" id="{8A7C591D-0C07-47E8-B5DB-181FB527E6F3}"/>
+              </a:ext>
+            </a:extLst>
+          </p:cNvPr>
+          <p:cNvSpPr/>
+          <p:nvPr/>
+        </p:nvSpPr>
+        <p:spPr>
+          <a:xfrm>
+            <a:off x="9335213" y="4549435"/>
+            <a:ext cx="88776" cy="98133"/>
+          </a:xfrm>
+          <a:prstGeom prst="ellipse">
+            <a:avLst/>
+          </a:prstGeom>
+          <a:solidFill>
+            <a:srgbClr val="FF0000"/>
+          </a:solidFill>
+          <a:ln>
+            <a:solidFill>
+              <a:srgbClr val="FF0000"/>
+            </a:solidFill>
+          </a:ln>
+        </p:spPr>
+        <p:style>
+          <a:lnRef idx="2">
+            <a:schemeClr val="accent1">
+              <a:shade val="50000"/>
+            </a:schemeClr>
+          </a:lnRef>
+          <a:fillRef idx="1">
+            <a:schemeClr val="accent1"/>
+          </a:fillRef>
+          <a:effectRef idx="0">
+            <a:schemeClr val="accent1"/>
+          </a:effectRef>
+          <a:fontRef idx="minor">
+            <a:schemeClr val="lt1"/>
+          </a:fontRef>
+        </p:style>
+        <p:txBody>
+          <a:bodyPr rtlCol="0" anchor="ctr"/>
+          <a:lstStyle/>
+          <a:p>
+            <a:pPr algn="ctr"/>
+            <a:endParaRPr lang="nl-NL"/>
+          </a:p>
+        </p:txBody>
+      </p:sp>
+      <p:sp>
+        <p:nvSpPr>
+          <p:cNvPr id="20" name="TextBox 19">
+            <a:extLst>
+              <a:ext uri="{FF2B5EF4-FFF2-40B4-BE49-F238E27FC236}">
+                <a16:creationId xmlns:a16="http://schemas.microsoft.com/office/drawing/2014/main" id="{FE792CB4-2A8D-4DD9-9B26-02A4A813B253}"/>
+              </a:ext>
+            </a:extLst>
+          </p:cNvPr>
+          <p:cNvSpPr txBox="1"/>
+          <p:nvPr/>
+        </p:nvSpPr>
+        <p:spPr>
+          <a:xfrm>
+            <a:off x="9124332" y="4577589"/>
+            <a:ext cx="587020" cy="261610"/>
+          </a:xfrm>
+          <a:prstGeom prst="rect">
+            <a:avLst/>
+          </a:prstGeom>
+          <a:noFill/>
+        </p:spPr>
+        <p:txBody>
+          <a:bodyPr wrap="none" rtlCol="0">
+            <a:spAutoFit/>
+          </a:bodyPr>
+          <a:lstStyle/>
+          <a:p>
+            <a:r>
+              <a:rPr lang="nl-NL" sz="1100" dirty="0"/>
+              <a:t>anchor</a:t>
+            </a:r>
+          </a:p>
+        </p:txBody>
+      </p:sp>
+      <p:sp>
+        <p:nvSpPr>
+          <p:cNvPr id="21" name="Rectangle 20">
+            <a:extLst>
+              <a:ext uri="{FF2B5EF4-FFF2-40B4-BE49-F238E27FC236}">
+                <a16:creationId xmlns:a16="http://schemas.microsoft.com/office/drawing/2014/main" id="{7934A990-DBF3-4786-8676-FADF77703E6B}"/>
+              </a:ext>
+            </a:extLst>
+          </p:cNvPr>
+          <p:cNvSpPr/>
+          <p:nvPr/>
+        </p:nvSpPr>
+        <p:spPr>
+          <a:xfrm>
+            <a:off x="5566299" y="1123837"/>
+            <a:ext cx="426128" cy="154547"/>
+          </a:xfrm>
+          <a:prstGeom prst="rect">
+            <a:avLst/>
+          </a:prstGeom>
+          <a:noFill/>
+          <a:ln>
+            <a:solidFill>
+              <a:srgbClr val="FF0000"/>
+            </a:solidFill>
+          </a:ln>
+        </p:spPr>
+        <p:style>
+          <a:lnRef idx="2">
+            <a:schemeClr val="accent1">
+              <a:shade val="50000"/>
+            </a:schemeClr>
+          </a:lnRef>
+          <a:fillRef idx="1">
+            <a:schemeClr val="accent1"/>
+          </a:fillRef>
+          <a:effectRef idx="0">
+            <a:schemeClr val="accent1"/>
+          </a:effectRef>
+          <a:fontRef idx="minor">
+            <a:schemeClr val="lt1"/>
+          </a:fontRef>
+        </p:style>
+        <p:txBody>
+          <a:bodyPr rtlCol="0" anchor="ctr"/>
+          <a:lstStyle/>
+          <a:p>
+            <a:pPr algn="ctr"/>
+            <a:endParaRPr lang="nl-NL"/>
+          </a:p>
+        </p:txBody>
+      </p:sp>
+      <p:sp>
+        <p:nvSpPr>
+          <p:cNvPr id="22" name="Rectangle 21">
+            <a:extLst>
+              <a:ext uri="{FF2B5EF4-FFF2-40B4-BE49-F238E27FC236}">
+                <a16:creationId xmlns:a16="http://schemas.microsoft.com/office/drawing/2014/main" id="{40378611-9D7E-4313-AD88-1FB418551067}"/>
+              </a:ext>
+            </a:extLst>
+          </p:cNvPr>
+          <p:cNvSpPr/>
+          <p:nvPr/>
+        </p:nvSpPr>
+        <p:spPr>
+          <a:xfrm>
+            <a:off x="9124332" y="1123837"/>
+            <a:ext cx="596717" cy="154547"/>
+          </a:xfrm>
+          <a:prstGeom prst="rect">
+            <a:avLst/>
+          </a:prstGeom>
+          <a:noFill/>
+          <a:ln>
+            <a:solidFill>
+              <a:srgbClr val="FF0000"/>
+            </a:solidFill>
+          </a:ln>
+        </p:spPr>
+        <p:style>
+          <a:lnRef idx="2">
+            <a:schemeClr val="accent1">
+              <a:shade val="50000"/>
+            </a:schemeClr>
+          </a:lnRef>
+          <a:fillRef idx="1">
+            <a:schemeClr val="accent1"/>
+          </a:fillRef>
+          <a:effectRef idx="0">
+            <a:schemeClr val="accent1"/>
+          </a:effectRef>
+          <a:fontRef idx="minor">
+            <a:schemeClr val="lt1"/>
+          </a:fontRef>
+        </p:style>
+        <p:txBody>
+          <a:bodyPr rtlCol="0" anchor="ctr"/>
+          <a:lstStyle/>
+          <a:p>
+            <a:pPr algn="ctr"/>
+            <a:endParaRPr lang="nl-NL"/>
+          </a:p>
+        </p:txBody>
+      </p:sp>
+    </p:spTree>
+    <p:extLst>
+      <p:ext uri="{BB962C8B-B14F-4D97-AF65-F5344CB8AC3E}">
+        <p14:creationId xmlns:p14="http://schemas.microsoft.com/office/powerpoint/2010/main" val="1163071869"/>
+      </p:ext>
+    </p:extLst>
+  </p:cSld>
+  <p:clrMapOvr>
+    <a:masterClrMapping/>
+  </p:clrMapOvr>
+</p:sld>
+</file>
+
+<file path=ppt/slides/slide11.xml><?xml version="1.0" encoding="utf-8"?>
+<p:sld xmlns:a="http://schemas.openxmlformats.org/drawingml/2006/main" xmlns:r="http://schemas.openxmlformats.org/officeDocument/2006/relationships" xmlns:p="http://schemas.openxmlformats.org/presentationml/2006/main">
+  <p:cSld>
+    <p:spTree>
+      <p:nvGrpSpPr>
+        <p:cNvPr id="1" name=""/>
+        <p:cNvGrpSpPr/>
+        <p:nvPr/>
+      </p:nvGrpSpPr>
+      <p:grpSpPr>
+        <a:xfrm>
+          <a:off x="0" y="0"/>
+          <a:ext cx="0" cy="0"/>
+          <a:chOff x="0" y="0"/>
+          <a:chExt cx="0" cy="0"/>
+        </a:xfrm>
+      </p:grpSpPr>
+      <p:sp>
+        <p:nvSpPr>
+          <p:cNvPr id="2" name="Title 1">
+            <a:extLst>
+              <a:ext uri="{FF2B5EF4-FFF2-40B4-BE49-F238E27FC236}">
                 <a16:creationId xmlns:a16="http://schemas.microsoft.com/office/drawing/2014/main" id="{66D150B7-47AB-4D78-991B-B0628CAF3044}"/>
               </a:ext>
             </a:extLst>
@@ -3804,7 +4358,7 @@
 </p:sld>
 </file>
 
-<file path=ppt/slides/slide11.xml><?xml version="1.0" encoding="utf-8"?>
+<file path=ppt/slides/slide12.xml><?xml version="1.0" encoding="utf-8"?>
 <p:sld xmlns:a="http://schemas.openxmlformats.org/drawingml/2006/main" xmlns:r="http://schemas.openxmlformats.org/officeDocument/2006/relationships" xmlns:p="http://schemas.openxmlformats.org/presentationml/2006/main">
   <p:cSld>
     <p:spTree>
@@ -4929,7 +5483,7 @@
 </p:sld>
 </file>
 
-<file path=ppt/slides/slide12.xml><?xml version="1.0" encoding="utf-8"?>
+<file path=ppt/slides/slide13.xml><?xml version="1.0" encoding="utf-8"?>
 <p:sld xmlns:a="http://schemas.openxmlformats.org/drawingml/2006/main" xmlns:r="http://schemas.openxmlformats.org/officeDocument/2006/relationships" xmlns:p="http://schemas.openxmlformats.org/presentationml/2006/main">
   <p:cSld>
     <p:spTree>
@@ -5324,7 +5878,7 @@
 </p:sld>
 </file>
 
-<file path=ppt/slides/slide13.xml><?xml version="1.0" encoding="utf-8"?>
+<file path=ppt/slides/slide14.xml><?xml version="1.0" encoding="utf-8"?>
 <p:sld xmlns:a="http://schemas.openxmlformats.org/drawingml/2006/main" xmlns:r="http://schemas.openxmlformats.org/officeDocument/2006/relationships" xmlns:p="http://schemas.openxmlformats.org/presentationml/2006/main">
   <p:cSld>
     <p:spTree>
@@ -5346,6 +5900,607 @@
           <p:cNvPr id="2" name="Title 1">
             <a:extLst>
               <a:ext uri="{FF2B5EF4-FFF2-40B4-BE49-F238E27FC236}">
+                <a16:creationId xmlns:a16="http://schemas.microsoft.com/office/drawing/2014/main" id="{6BC774E0-630C-4D2E-86DF-9F55CA0F1FB2}"/>
+              </a:ext>
+            </a:extLst>
+          </p:cNvPr>
+          <p:cNvSpPr>
+            <a:spLocks noGrp="1"/>
+          </p:cNvSpPr>
+          <p:nvPr>
+            <p:ph type="title"/>
+          </p:nvPr>
+        </p:nvSpPr>
+        <p:spPr/>
+        <p:txBody>
+          <a:bodyPr/>
+          <a:lstStyle/>
+          <a:p>
+            <a:r>
+              <a:rPr lang="nl-NL" dirty="0"/>
+              <a:t>User Tests</a:t>
+            </a:r>
+          </a:p>
+        </p:txBody>
+      </p:sp>
+      <p:sp>
+        <p:nvSpPr>
+          <p:cNvPr id="3" name="Content Placeholder 2">
+            <a:extLst>
+              <a:ext uri="{FF2B5EF4-FFF2-40B4-BE49-F238E27FC236}">
+                <a16:creationId xmlns:a16="http://schemas.microsoft.com/office/drawing/2014/main" id="{264B14EC-9601-40DE-80BF-A37473CF8CA1}"/>
+              </a:ext>
+            </a:extLst>
+          </p:cNvPr>
+          <p:cNvSpPr>
+            <a:spLocks noGrp="1"/>
+          </p:cNvSpPr>
+          <p:nvPr>
+            <p:ph idx="1"/>
+          </p:nvPr>
+        </p:nvSpPr>
+        <p:spPr>
+          <a:xfrm>
+            <a:off x="3869268" y="704310"/>
+            <a:ext cx="7315200" cy="2642572"/>
+          </a:xfrm>
+        </p:spPr>
+        <p:txBody>
+          <a:bodyPr/>
+          <a:lstStyle/>
+          <a:p>
+            <a:pPr marL="0" indent="0">
+              <a:buNone/>
+            </a:pPr>
+            <a:r>
+              <a:rPr lang="nl-NL" b="1" dirty="0"/>
+              <a:t>User 1 (vrouw 55, geen gamer):</a:t>
+            </a:r>
+          </a:p>
+          <a:p>
+            <a:r>
+              <a:rPr lang="nl-NL" dirty="0"/>
+              <a:t>Instructies waren niet nodig, begon gelijk te klikken.</a:t>
+            </a:r>
+          </a:p>
+          <a:p>
+            <a:r>
+              <a:rPr lang="nl-NL" dirty="0"/>
+              <a:t>Timing was te moeilijk.</a:t>
+            </a:r>
+          </a:p>
+          <a:p>
+            <a:r>
+              <a:rPr lang="nl-NL" dirty="0"/>
+              <a:t>Wilde snel niet meer spelen.</a:t>
+            </a:r>
+          </a:p>
+          <a:p>
+            <a:r>
+              <a:rPr lang="nl-NL" dirty="0"/>
+              <a:t>Vond het een mooi spel, maar iets te lastig voor haar.</a:t>
+            </a:r>
+          </a:p>
+        </p:txBody>
+      </p:sp>
+      <p:sp>
+        <p:nvSpPr>
+          <p:cNvPr id="4" name="Content Placeholder 2">
+            <a:extLst>
+              <a:ext uri="{FF2B5EF4-FFF2-40B4-BE49-F238E27FC236}">
+                <a16:creationId xmlns:a16="http://schemas.microsoft.com/office/drawing/2014/main" id="{C15ABADD-79E0-40D1-A6F0-695A4796968D}"/>
+              </a:ext>
+            </a:extLst>
+          </p:cNvPr>
+          <p:cNvSpPr txBox="1">
+            <a:spLocks/>
+          </p:cNvSpPr>
+          <p:nvPr/>
+        </p:nvSpPr>
+        <p:spPr>
+          <a:xfrm>
+            <a:off x="3869268" y="3191537"/>
+            <a:ext cx="7315200" cy="2642572"/>
+          </a:xfrm>
+          <a:prstGeom prst="rect">
+            <a:avLst/>
+          </a:prstGeom>
+        </p:spPr>
+        <p:txBody>
+          <a:bodyPr vert="horz" lIns="91440" tIns="45720" rIns="91440" bIns="45720" rtlCol="0" anchor="ctr">
+            <a:normAutofit/>
+          </a:bodyPr>
+          <a:lstStyle>
+            <a:lvl1pPr marL="182880" indent="-182880" algn="l" defTabSz="914400" rtl="0" eaLnBrk="1" latinLnBrk="0" hangingPunct="1">
+              <a:lnSpc>
+                <a:spcPct val="90000"/>
+              </a:lnSpc>
+              <a:spcBef>
+                <a:spcPts val="1200"/>
+              </a:spcBef>
+              <a:buClr>
+                <a:schemeClr val="accent1"/>
+              </a:buClr>
+              <a:buFont typeface="Wingdings 2" pitchFamily="18" charset="2"/>
+              <a:buChar char=""/>
+              <a:defRPr sz="2000" kern="1200">
+                <a:solidFill>
+                  <a:schemeClr val="tx1">
+                    <a:lumMod val="65000"/>
+                    <a:lumOff val="35000"/>
+                  </a:schemeClr>
+                </a:solidFill>
+                <a:latin typeface="+mn-lt"/>
+                <a:ea typeface="+mn-ea"/>
+                <a:cs typeface="+mn-cs"/>
+              </a:defRPr>
+            </a:lvl1pPr>
+            <a:lvl2pPr marL="685800" indent="-182880" algn="l" defTabSz="914400" rtl="0" eaLnBrk="1" latinLnBrk="0" hangingPunct="1">
+              <a:lnSpc>
+                <a:spcPct val="90000"/>
+              </a:lnSpc>
+              <a:spcBef>
+                <a:spcPts val="250"/>
+              </a:spcBef>
+              <a:spcAft>
+                <a:spcPts val="250"/>
+              </a:spcAft>
+              <a:buClr>
+                <a:schemeClr val="accent1"/>
+              </a:buClr>
+              <a:buFont typeface="Wingdings 2" pitchFamily="18" charset="2"/>
+              <a:buChar char=""/>
+              <a:defRPr sz="1800" kern="1200">
+                <a:solidFill>
+                  <a:schemeClr val="tx1">
+                    <a:lumMod val="65000"/>
+                    <a:lumOff val="35000"/>
+                  </a:schemeClr>
+                </a:solidFill>
+                <a:latin typeface="+mn-lt"/>
+                <a:ea typeface="+mn-ea"/>
+                <a:cs typeface="+mn-cs"/>
+              </a:defRPr>
+            </a:lvl2pPr>
+            <a:lvl3pPr marL="1143000" indent="-182880" algn="l" defTabSz="914400" rtl="0" eaLnBrk="1" latinLnBrk="0" hangingPunct="1">
+              <a:lnSpc>
+                <a:spcPct val="90000"/>
+              </a:lnSpc>
+              <a:spcBef>
+                <a:spcPts val="250"/>
+              </a:spcBef>
+              <a:spcAft>
+                <a:spcPts val="250"/>
+              </a:spcAft>
+              <a:buClr>
+                <a:schemeClr val="accent1"/>
+              </a:buClr>
+              <a:buFont typeface="Wingdings 2" pitchFamily="18" charset="2"/>
+              <a:buChar char=""/>
+              <a:defRPr sz="1600" kern="1200">
+                <a:solidFill>
+                  <a:schemeClr val="tx1">
+                    <a:lumMod val="65000"/>
+                    <a:lumOff val="35000"/>
+                  </a:schemeClr>
+                </a:solidFill>
+                <a:latin typeface="+mn-lt"/>
+                <a:ea typeface="+mn-ea"/>
+                <a:cs typeface="+mn-cs"/>
+              </a:defRPr>
+            </a:lvl3pPr>
+            <a:lvl4pPr marL="1600200" indent="-182880" algn="l" defTabSz="914400" rtl="0" eaLnBrk="1" latinLnBrk="0" hangingPunct="1">
+              <a:lnSpc>
+                <a:spcPct val="90000"/>
+              </a:lnSpc>
+              <a:spcBef>
+                <a:spcPts val="250"/>
+              </a:spcBef>
+              <a:spcAft>
+                <a:spcPts val="250"/>
+              </a:spcAft>
+              <a:buClr>
+                <a:schemeClr val="accent1"/>
+              </a:buClr>
+              <a:buFont typeface="Wingdings 2" pitchFamily="18" charset="2"/>
+              <a:buChar char=""/>
+              <a:defRPr sz="1400" kern="1200">
+                <a:solidFill>
+                  <a:schemeClr val="tx1">
+                    <a:lumMod val="65000"/>
+                    <a:lumOff val="35000"/>
+                  </a:schemeClr>
+                </a:solidFill>
+                <a:latin typeface="+mn-lt"/>
+                <a:ea typeface="+mn-ea"/>
+                <a:cs typeface="+mn-cs"/>
+              </a:defRPr>
+            </a:lvl4pPr>
+            <a:lvl5pPr marL="2057400" indent="-182880" algn="l" defTabSz="914400" rtl="0" eaLnBrk="1" latinLnBrk="0" hangingPunct="1">
+              <a:lnSpc>
+                <a:spcPct val="90000"/>
+              </a:lnSpc>
+              <a:spcBef>
+                <a:spcPts val="250"/>
+              </a:spcBef>
+              <a:spcAft>
+                <a:spcPts val="250"/>
+              </a:spcAft>
+              <a:buClr>
+                <a:schemeClr val="accent1"/>
+              </a:buClr>
+              <a:buFont typeface="Wingdings 2" pitchFamily="18" charset="2"/>
+              <a:buChar char=""/>
+              <a:defRPr sz="1400" kern="1200">
+                <a:solidFill>
+                  <a:schemeClr val="tx1">
+                    <a:lumMod val="65000"/>
+                    <a:lumOff val="35000"/>
+                  </a:schemeClr>
+                </a:solidFill>
+                <a:latin typeface="+mn-lt"/>
+                <a:ea typeface="+mn-ea"/>
+                <a:cs typeface="+mn-cs"/>
+              </a:defRPr>
+            </a:lvl5pPr>
+            <a:lvl6pPr marL="2514600" indent="-228600" algn="l" defTabSz="914400" rtl="0" eaLnBrk="1" latinLnBrk="0" hangingPunct="1">
+              <a:lnSpc>
+                <a:spcPct val="90000"/>
+              </a:lnSpc>
+              <a:spcBef>
+                <a:spcPts val="250"/>
+              </a:spcBef>
+              <a:spcAft>
+                <a:spcPts val="250"/>
+              </a:spcAft>
+              <a:buClr>
+                <a:schemeClr val="accent1"/>
+              </a:buClr>
+              <a:buFont typeface="Wingdings 2" pitchFamily="18" charset="2"/>
+              <a:buChar char=""/>
+              <a:defRPr sz="1400" kern="1200">
+                <a:solidFill>
+                  <a:schemeClr val="tx1">
+                    <a:lumMod val="65000"/>
+                    <a:lumOff val="35000"/>
+                  </a:schemeClr>
+                </a:solidFill>
+                <a:latin typeface="+mn-lt"/>
+                <a:ea typeface="+mn-ea"/>
+                <a:cs typeface="+mn-cs"/>
+              </a:defRPr>
+            </a:lvl6pPr>
+            <a:lvl7pPr marL="2971800" indent="-228600" algn="l" defTabSz="914400" rtl="0" eaLnBrk="1" latinLnBrk="0" hangingPunct="1">
+              <a:lnSpc>
+                <a:spcPct val="90000"/>
+              </a:lnSpc>
+              <a:spcBef>
+                <a:spcPts val="250"/>
+              </a:spcBef>
+              <a:spcAft>
+                <a:spcPts val="250"/>
+              </a:spcAft>
+              <a:buClr>
+                <a:schemeClr val="accent1"/>
+              </a:buClr>
+              <a:buFont typeface="Wingdings 2" pitchFamily="18" charset="2"/>
+              <a:buChar char=""/>
+              <a:defRPr sz="1400" kern="1200">
+                <a:solidFill>
+                  <a:schemeClr val="tx1">
+                    <a:lumMod val="65000"/>
+                    <a:lumOff val="35000"/>
+                  </a:schemeClr>
+                </a:solidFill>
+                <a:latin typeface="+mn-lt"/>
+                <a:ea typeface="+mn-ea"/>
+                <a:cs typeface="+mn-cs"/>
+              </a:defRPr>
+            </a:lvl7pPr>
+            <a:lvl8pPr marL="3429000" indent="-228600" algn="l" defTabSz="914400" rtl="0" eaLnBrk="1" latinLnBrk="0" hangingPunct="1">
+              <a:lnSpc>
+                <a:spcPct val="90000"/>
+              </a:lnSpc>
+              <a:spcBef>
+                <a:spcPts val="250"/>
+              </a:spcBef>
+              <a:spcAft>
+                <a:spcPts val="250"/>
+              </a:spcAft>
+              <a:buClr>
+                <a:schemeClr val="accent1"/>
+              </a:buClr>
+              <a:buFont typeface="Wingdings 2" pitchFamily="18" charset="2"/>
+              <a:buChar char=""/>
+              <a:defRPr sz="1400" kern="1200">
+                <a:solidFill>
+                  <a:schemeClr val="tx1">
+                    <a:lumMod val="65000"/>
+                    <a:lumOff val="35000"/>
+                  </a:schemeClr>
+                </a:solidFill>
+                <a:latin typeface="+mn-lt"/>
+                <a:ea typeface="+mn-ea"/>
+                <a:cs typeface="+mn-cs"/>
+              </a:defRPr>
+            </a:lvl8pPr>
+            <a:lvl9pPr marL="3886200" indent="-228600" algn="l" defTabSz="914400" rtl="0" eaLnBrk="1" latinLnBrk="0" hangingPunct="1">
+              <a:lnSpc>
+                <a:spcPct val="90000"/>
+              </a:lnSpc>
+              <a:spcBef>
+                <a:spcPts val="250"/>
+              </a:spcBef>
+              <a:spcAft>
+                <a:spcPts val="250"/>
+              </a:spcAft>
+              <a:buClr>
+                <a:schemeClr val="accent1"/>
+              </a:buClr>
+              <a:buFont typeface="Wingdings 2" pitchFamily="18" charset="2"/>
+              <a:buChar char=""/>
+              <a:defRPr sz="1400" kern="1200">
+                <a:solidFill>
+                  <a:schemeClr val="tx1">
+                    <a:lumMod val="65000"/>
+                    <a:lumOff val="35000"/>
+                  </a:schemeClr>
+                </a:solidFill>
+                <a:latin typeface="+mn-lt"/>
+                <a:ea typeface="+mn-ea"/>
+                <a:cs typeface="+mn-cs"/>
+              </a:defRPr>
+            </a:lvl9pPr>
+          </a:lstStyle>
+          <a:p>
+            <a:pPr marL="0" indent="0">
+              <a:buFont typeface="Wingdings 2" pitchFamily="18" charset="2"/>
+              <a:buNone/>
+            </a:pPr>
+            <a:r>
+              <a:rPr lang="nl-NL" b="1" dirty="0"/>
+              <a:t>User 2 (man 18, gamer):</a:t>
+            </a:r>
+          </a:p>
+          <a:p>
+            <a:r>
+              <a:rPr lang="nl-NL" dirty="0"/>
+              <a:t>Heeft Pop The Lock in arcade gespeeld.</a:t>
+            </a:r>
+          </a:p>
+          <a:p>
+            <a:r>
+              <a:rPr lang="nl-NL" dirty="0"/>
+              <a:t>Moest wennen aan timing, net anders dan de original.</a:t>
+            </a:r>
+          </a:p>
+          <a:p>
+            <a:r>
+              <a:rPr lang="nl-NL" dirty="0"/>
+              <a:t>Heeft veel gespeeld en geprobeerd de jackpot te halen (niet gelukt).</a:t>
+            </a:r>
+          </a:p>
+          <a:p>
+            <a:r>
+              <a:rPr lang="nl-NL" dirty="0"/>
+              <a:t>Vond het spel leuk, de jackpot halen is een goede challenge.</a:t>
+            </a:r>
+          </a:p>
+        </p:txBody>
+      </p:sp>
+    </p:spTree>
+    <p:extLst>
+      <p:ext uri="{BB962C8B-B14F-4D97-AF65-F5344CB8AC3E}">
+        <p14:creationId xmlns:p14="http://schemas.microsoft.com/office/powerpoint/2010/main" val="2467840871"/>
+      </p:ext>
+    </p:extLst>
+  </p:cSld>
+  <p:clrMapOvr>
+    <a:masterClrMapping/>
+  </p:clrMapOvr>
+</p:sld>
+</file>
+
+<file path=ppt/slides/slide15.xml><?xml version="1.0" encoding="utf-8"?>
+<p:sld xmlns:a="http://schemas.openxmlformats.org/drawingml/2006/main" xmlns:r="http://schemas.openxmlformats.org/officeDocument/2006/relationships" xmlns:p="http://schemas.openxmlformats.org/presentationml/2006/main">
+  <p:cSld>
+    <p:spTree>
+      <p:nvGrpSpPr>
+        <p:cNvPr id="1" name=""/>
+        <p:cNvGrpSpPr/>
+        <p:nvPr/>
+      </p:nvGrpSpPr>
+      <p:grpSpPr>
+        <a:xfrm>
+          <a:off x="0" y="0"/>
+          <a:ext cx="0" cy="0"/>
+          <a:chOff x="0" y="0"/>
+          <a:chExt cx="0" cy="0"/>
+        </a:xfrm>
+      </p:grpSpPr>
+      <p:sp>
+        <p:nvSpPr>
+          <p:cNvPr id="2" name="Title 1">
+            <a:extLst>
+              <a:ext uri="{FF2B5EF4-FFF2-40B4-BE49-F238E27FC236}">
+                <a16:creationId xmlns:a16="http://schemas.microsoft.com/office/drawing/2014/main" id="{71B28A57-3CE1-41BF-B7CA-A28D2E39E26C}"/>
+              </a:ext>
+            </a:extLst>
+          </p:cNvPr>
+          <p:cNvSpPr>
+            <a:spLocks noGrp="1"/>
+          </p:cNvSpPr>
+          <p:nvPr>
+            <p:ph type="title"/>
+          </p:nvPr>
+        </p:nvSpPr>
+        <p:spPr/>
+        <p:txBody>
+          <a:bodyPr/>
+          <a:lstStyle/>
+          <a:p>
+            <a:r>
+              <a:rPr lang="nl-NL" dirty="0"/>
+              <a:t>Logboek</a:t>
+            </a:r>
+          </a:p>
+        </p:txBody>
+      </p:sp>
+      <p:pic>
+        <p:nvPicPr>
+          <p:cNvPr id="4" name="Picture 3">
+            <a:extLst>
+              <a:ext uri="{FF2B5EF4-FFF2-40B4-BE49-F238E27FC236}">
+                <a16:creationId xmlns:a16="http://schemas.microsoft.com/office/drawing/2014/main" id="{8E7025FA-2A32-4F17-8F00-37320474C1B1}"/>
+              </a:ext>
+            </a:extLst>
+          </p:cNvPr>
+          <p:cNvPicPr>
+            <a:picLocks noChangeAspect="1"/>
+          </p:cNvPicPr>
+          <p:nvPr/>
+        </p:nvPicPr>
+        <p:blipFill>
+          <a:blip r:embed="rId2"/>
+          <a:stretch>
+            <a:fillRect/>
+          </a:stretch>
+        </p:blipFill>
+        <p:spPr>
+          <a:xfrm>
+            <a:off x="3914457" y="685476"/>
+            <a:ext cx="3619817" cy="2905125"/>
+          </a:xfrm>
+          <a:prstGeom prst="rect">
+            <a:avLst/>
+          </a:prstGeom>
+        </p:spPr>
+      </p:pic>
+      <p:pic>
+        <p:nvPicPr>
+          <p:cNvPr id="5" name="Picture 4">
+            <a:extLst>
+              <a:ext uri="{FF2B5EF4-FFF2-40B4-BE49-F238E27FC236}">
+                <a16:creationId xmlns:a16="http://schemas.microsoft.com/office/drawing/2014/main" id="{784B9709-552B-4977-B91A-BE813BE6F9D0}"/>
+              </a:ext>
+            </a:extLst>
+          </p:cNvPr>
+          <p:cNvPicPr>
+            <a:picLocks noChangeAspect="1"/>
+          </p:cNvPicPr>
+          <p:nvPr/>
+        </p:nvPicPr>
+        <p:blipFill>
+          <a:blip r:embed="rId3"/>
+          <a:stretch>
+            <a:fillRect/>
+          </a:stretch>
+        </p:blipFill>
+        <p:spPr>
+          <a:xfrm>
+            <a:off x="4038931" y="3709252"/>
+            <a:ext cx="3379933" cy="2463272"/>
+          </a:xfrm>
+          <a:prstGeom prst="rect">
+            <a:avLst/>
+          </a:prstGeom>
+        </p:spPr>
+      </p:pic>
+      <p:pic>
+        <p:nvPicPr>
+          <p:cNvPr id="6" name="Picture 5">
+            <a:extLst>
+              <a:ext uri="{FF2B5EF4-FFF2-40B4-BE49-F238E27FC236}">
+                <a16:creationId xmlns:a16="http://schemas.microsoft.com/office/drawing/2014/main" id="{6BC57068-2861-4BA2-8BC1-CFAC62C13B4E}"/>
+              </a:ext>
+            </a:extLst>
+          </p:cNvPr>
+          <p:cNvPicPr>
+            <a:picLocks noChangeAspect="1"/>
+          </p:cNvPicPr>
+          <p:nvPr/>
+        </p:nvPicPr>
+        <p:blipFill>
+          <a:blip r:embed="rId4"/>
+          <a:stretch>
+            <a:fillRect/>
+          </a:stretch>
+        </p:blipFill>
+        <p:spPr>
+          <a:xfrm>
+            <a:off x="8051894" y="685476"/>
+            <a:ext cx="3290901" cy="2905125"/>
+          </a:xfrm>
+          <a:prstGeom prst="rect">
+            <a:avLst/>
+          </a:prstGeom>
+        </p:spPr>
+      </p:pic>
+      <p:pic>
+        <p:nvPicPr>
+          <p:cNvPr id="8" name="Picture 7">
+            <a:extLst>
+              <a:ext uri="{FF2B5EF4-FFF2-40B4-BE49-F238E27FC236}">
+                <a16:creationId xmlns:a16="http://schemas.microsoft.com/office/drawing/2014/main" id="{6806D3F7-3E3C-419D-8659-21E0872D047D}"/>
+              </a:ext>
+            </a:extLst>
+          </p:cNvPr>
+          <p:cNvPicPr>
+            <a:picLocks noChangeAspect="1"/>
+          </p:cNvPicPr>
+          <p:nvPr/>
+        </p:nvPicPr>
+        <p:blipFill>
+          <a:blip r:embed="rId5"/>
+          <a:stretch>
+            <a:fillRect/>
+          </a:stretch>
+        </p:blipFill>
+        <p:spPr>
+          <a:xfrm>
+            <a:off x="8051895" y="3709252"/>
+            <a:ext cx="3142847" cy="2509557"/>
+          </a:xfrm>
+          <a:prstGeom prst="rect">
+            <a:avLst/>
+          </a:prstGeom>
+        </p:spPr>
+      </p:pic>
+    </p:spTree>
+    <p:extLst>
+      <p:ext uri="{BB962C8B-B14F-4D97-AF65-F5344CB8AC3E}">
+        <p14:creationId xmlns:p14="http://schemas.microsoft.com/office/powerpoint/2010/main" val="1268860137"/>
+      </p:ext>
+    </p:extLst>
+  </p:cSld>
+  <p:clrMapOvr>
+    <a:masterClrMapping/>
+  </p:clrMapOvr>
+</p:sld>
+</file>
+
+<file path=ppt/slides/slide16.xml><?xml version="1.0" encoding="utf-8"?>
+<p:sld xmlns:a="http://schemas.openxmlformats.org/drawingml/2006/main" xmlns:r="http://schemas.openxmlformats.org/officeDocument/2006/relationships" xmlns:p="http://schemas.openxmlformats.org/presentationml/2006/main">
+  <p:cSld>
+    <p:spTree>
+      <p:nvGrpSpPr>
+        <p:cNvPr id="1" name=""/>
+        <p:cNvGrpSpPr/>
+        <p:nvPr/>
+      </p:nvGrpSpPr>
+      <p:grpSpPr>
+        <a:xfrm>
+          <a:off x="0" y="0"/>
+          <a:ext cx="0" cy="0"/>
+          <a:chOff x="0" y="0"/>
+          <a:chExt cx="0" cy="0"/>
+        </a:xfrm>
+      </p:grpSpPr>
+      <p:sp>
+        <p:nvSpPr>
+          <p:cNvPr id="2" name="Title 1">
+            <a:extLst>
+              <a:ext uri="{FF2B5EF4-FFF2-40B4-BE49-F238E27FC236}">
                 <a16:creationId xmlns:a16="http://schemas.microsoft.com/office/drawing/2014/main" id="{28D6473E-6F05-421F-B4DB-957902B451DF}"/>
               </a:ext>
             </a:extLst>
@@ -5372,6 +6527,7 @@
       <p:pic>
         <p:nvPicPr>
           <p:cNvPr id="4" name="Picture 3">
+            <a:hlinkClick r:id="rId2"/>
             <a:extLst>
               <a:ext uri="{FF2B5EF4-FFF2-40B4-BE49-F238E27FC236}">
                 <a16:creationId xmlns:a16="http://schemas.microsoft.com/office/drawing/2014/main" id="{8F8870F2-2F5D-4512-8C80-AF96427175F4}"/>
@@ -5384,7 +6540,7 @@
           <p:nvPr/>
         </p:nvPicPr>
         <p:blipFill>
-          <a:blip r:embed="rId2"/>
+          <a:blip r:embed="rId3"/>
           <a:stretch>
             <a:fillRect/>
           </a:stretch>
@@ -5492,6 +6648,12 @@
           <a:p>
             <a:r>
               <a:rPr lang="nl-NL" dirty="0"/>
+              <a:t>Why Pop The Lock?</a:t>
+            </a:r>
+          </a:p>
+          <a:p>
+            <a:r>
+              <a:rPr lang="nl-NL" dirty="0"/>
               <a:t>Circuit electriciteit</a:t>
             </a:r>
           </a:p>
@@ -5595,13 +6757,19 @@
           <a:p>
             <a:r>
               <a:rPr lang="nl-NL" dirty="0"/>
+              <a:t>PyGaze</a:t>
+            </a:r>
+          </a:p>
+          <a:p>
+            <a:r>
+              <a:rPr lang="nl-NL" dirty="0"/>
               <a:t>Python course</a:t>
             </a:r>
           </a:p>
           <a:p>
             <a:r>
               <a:rPr lang="nl-NL" dirty="0"/>
-              <a:t>Begin eye tracking software</a:t>
+              <a:t>Begin eye tracking software (YouTube)</a:t>
             </a:r>
           </a:p>
           <a:p>
@@ -5905,7 +7073,7 @@
           <p:cNvPr id="2" name="Title 1">
             <a:extLst>
               <a:ext uri="{FF2B5EF4-FFF2-40B4-BE49-F238E27FC236}">
-                <a16:creationId xmlns:a16="http://schemas.microsoft.com/office/drawing/2014/main" id="{3974C28D-3C25-4878-91BF-5F8AC582D02A}"/>
+                <a16:creationId xmlns:a16="http://schemas.microsoft.com/office/drawing/2014/main" id="{FBEA317C-1360-4BC9-BD91-BD3F70C2EA55}"/>
               </a:ext>
             </a:extLst>
           </p:cNvPr>
@@ -5923,62 +7091,69 @@
           <a:p>
             <a:r>
               <a:rPr lang="nl-NL" dirty="0"/>
-              <a:t>Circuit (met lamp)</a:t>
-            </a:r>
-          </a:p>
-        </p:txBody>
-      </p:sp>
-      <p:sp>
-        <p:nvSpPr>
-          <p:cNvPr id="9" name="AutoShape 2" descr="blob:null/f3e6bb87-48fb-4096-a742-bb58c08d6563">
+              <a:t>Why Pop The Lock?</a:t>
+            </a:r>
+          </a:p>
+        </p:txBody>
+      </p:sp>
+      <p:sp>
+        <p:nvSpPr>
+          <p:cNvPr id="3" name="Content Placeholder 2">
             <a:extLst>
               <a:ext uri="{FF2B5EF4-FFF2-40B4-BE49-F238E27FC236}">
-                <a16:creationId xmlns:a16="http://schemas.microsoft.com/office/drawing/2014/main" id="{B5AF51B0-872A-460A-B339-E5C2C1295FC4}"/>
+                <a16:creationId xmlns:a16="http://schemas.microsoft.com/office/drawing/2014/main" id="{A8EEB6D2-43EE-4EEF-A92A-11DF6F66CEA9}"/>
               </a:ext>
             </a:extLst>
           </p:cNvPr>
           <p:cNvSpPr>
-            <a:spLocks noChangeAspect="1" noChangeArrowheads="1"/>
-          </p:cNvSpPr>
-          <p:nvPr/>
-        </p:nvSpPr>
-        <p:spPr bwMode="auto">
-          <a:xfrm>
-            <a:off x="5943600" y="3276600"/>
-            <a:ext cx="3022846" cy="3022846"/>
-          </a:xfrm>
-          <a:prstGeom prst="rect">
-            <a:avLst/>
-          </a:prstGeom>
-          <a:noFill/>
-          <a:extLst>
-            <a:ext uri="{909E8E84-426E-40DD-AFC4-6F175D3DCCD1}">
-              <a14:hiddenFill xmlns:a14="http://schemas.microsoft.com/office/drawing/2010/main">
-                <a:solidFill>
-                  <a:srgbClr val="FFFFFF"/>
-                </a:solidFill>
-              </a14:hiddenFill>
-            </a:ext>
-          </a:extLst>
-        </p:spPr>
-        <p:txBody>
-          <a:bodyPr vert="horz" wrap="square" lIns="91440" tIns="45720" rIns="91440" bIns="45720" numCol="1" anchor="t" anchorCtr="0" compatLnSpc="1">
-            <a:prstTxWarp prst="textNoShape">
-              <a:avLst/>
-            </a:prstTxWarp>
-          </a:bodyPr>
+            <a:spLocks noGrp="1"/>
+          </p:cNvSpPr>
+          <p:nvPr>
+            <p:ph idx="1"/>
+          </p:nvPr>
+        </p:nvSpPr>
+        <p:spPr/>
+        <p:txBody>
+          <a:bodyPr/>
           <a:lstStyle/>
           <a:p>
-            <a:endParaRPr lang="nl-NL"/>
+            <a:r>
+              <a:rPr lang="nl-NL" dirty="0"/>
+              <a:t>GameState Bijlmer</a:t>
+            </a:r>
+          </a:p>
+          <a:p>
+            <a:r>
+              <a:rPr lang="nl-NL" dirty="0"/>
+              <a:t>Deadline</a:t>
+            </a:r>
+          </a:p>
+          <a:p>
+            <a:r>
+              <a:rPr lang="nl-NL" dirty="0"/>
+              <a:t>Goede, strakke, simpele game</a:t>
+            </a:r>
+          </a:p>
+          <a:p>
+            <a:r>
+              <a:rPr lang="nl-NL" dirty="0"/>
+              <a:t>Mijn favoriete arcade game</a:t>
+            </a:r>
+          </a:p>
+          <a:p>
+            <a:r>
+              <a:rPr lang="nl-NL" dirty="0"/>
+              <a:t>Unity en Arduino</a:t>
+            </a:r>
           </a:p>
         </p:txBody>
       </p:sp>
       <p:pic>
         <p:nvPicPr>
-          <p:cNvPr id="11" name="Picture 10" descr="A close up of a logo&#10;&#10;Description automatically generated">
+          <p:cNvPr id="5" name="Picture 4" descr="A close up of a sign&#10;&#10;Description automatically generated">
             <a:extLst>
               <a:ext uri="{FF2B5EF4-FFF2-40B4-BE49-F238E27FC236}">
-                <a16:creationId xmlns:a16="http://schemas.microsoft.com/office/drawing/2014/main" id="{0D803AEF-C0B8-4C6F-A047-17315216577A}"/>
+                <a16:creationId xmlns:a16="http://schemas.microsoft.com/office/drawing/2014/main" id="{0ECDDD91-7069-4870-B0E3-6300E24C81F2}"/>
               </a:ext>
             </a:extLst>
           </p:cNvPr>
@@ -5995,173 +7170,18 @@
         </p:blipFill>
         <p:spPr>
           <a:xfrm>
-            <a:off x="6253651" y="-353753"/>
-            <a:ext cx="5475900" cy="5658430"/>
+            <a:off x="7903060" y="1769987"/>
+            <a:ext cx="3281408" cy="3281408"/>
           </a:xfrm>
           <a:prstGeom prst="rect">
             <a:avLst/>
           </a:prstGeom>
         </p:spPr>
       </p:pic>
-      <p:pic>
-        <p:nvPicPr>
-          <p:cNvPr id="5" name="Picture 4" descr="A close up of a device&#10;&#10;Description automatically generated">
-            <a:extLst>
-              <a:ext uri="{FF2B5EF4-FFF2-40B4-BE49-F238E27FC236}">
-                <a16:creationId xmlns:a16="http://schemas.microsoft.com/office/drawing/2014/main" id="{5133A081-79CB-4434-B450-04F1A6F75707}"/>
-              </a:ext>
-            </a:extLst>
-          </p:cNvPr>
-          <p:cNvPicPr>
-            <a:picLocks noChangeAspect="1"/>
-          </p:cNvPicPr>
-          <p:nvPr/>
-        </p:nvPicPr>
-        <p:blipFill>
-          <a:blip r:embed="rId3"/>
-          <a:stretch>
-            <a:fillRect/>
-          </a:stretch>
-        </p:blipFill>
-        <p:spPr>
-          <a:xfrm>
-            <a:off x="4038617" y="2004200"/>
-            <a:ext cx="3799466" cy="2849599"/>
-          </a:xfrm>
-          <a:prstGeom prst="rect">
-            <a:avLst/>
-          </a:prstGeom>
-        </p:spPr>
-      </p:pic>
-      <p:sp>
-        <p:nvSpPr>
-          <p:cNvPr id="3" name="TextBox 2">
-            <a:extLst>
-              <a:ext uri="{FF2B5EF4-FFF2-40B4-BE49-F238E27FC236}">
-                <a16:creationId xmlns:a16="http://schemas.microsoft.com/office/drawing/2014/main" id="{2684E170-36C6-460D-B781-5AA845EC9025}"/>
-              </a:ext>
-            </a:extLst>
-          </p:cNvPr>
-          <p:cNvSpPr txBox="1"/>
-          <p:nvPr/>
-        </p:nvSpPr>
-        <p:spPr>
-          <a:xfrm>
-            <a:off x="10622394" y="3968186"/>
-            <a:ext cx="587020" cy="338554"/>
-          </a:xfrm>
-          <a:prstGeom prst="rect">
-            <a:avLst/>
-          </a:prstGeom>
-          <a:noFill/>
-        </p:spPr>
-        <p:txBody>
-          <a:bodyPr wrap="square" rtlCol="0">
-            <a:spAutoFit/>
-          </a:bodyPr>
-          <a:lstStyle/>
-          <a:p>
-            <a:r>
-              <a:rPr lang="nl-NL" sz="1600" dirty="0"/>
-              <a:t>LED</a:t>
-            </a:r>
-            <a:endParaRPr lang="nl-NL" dirty="0"/>
-          </a:p>
-        </p:txBody>
-      </p:sp>
-      <p:sp>
-        <p:nvSpPr>
-          <p:cNvPr id="4" name="Rectangle 3">
-            <a:extLst>
-              <a:ext uri="{FF2B5EF4-FFF2-40B4-BE49-F238E27FC236}">
-                <a16:creationId xmlns:a16="http://schemas.microsoft.com/office/drawing/2014/main" id="{FEAC8197-6F67-494B-8400-E12BE5D20026}"/>
-              </a:ext>
-            </a:extLst>
-          </p:cNvPr>
-          <p:cNvSpPr/>
-          <p:nvPr/>
-        </p:nvSpPr>
-        <p:spPr>
-          <a:xfrm>
-            <a:off x="9507984" y="1056443"/>
-            <a:ext cx="727969" cy="346229"/>
-          </a:xfrm>
-          <a:prstGeom prst="rect">
-            <a:avLst/>
-          </a:prstGeom>
-          <a:solidFill>
-            <a:schemeClr val="bg1"/>
-          </a:solidFill>
-          <a:ln>
-            <a:solidFill>
-              <a:schemeClr val="bg1"/>
-            </a:solidFill>
-          </a:ln>
-        </p:spPr>
-        <p:style>
-          <a:lnRef idx="2">
-            <a:schemeClr val="accent1">
-              <a:shade val="50000"/>
-            </a:schemeClr>
-          </a:lnRef>
-          <a:fillRef idx="1">
-            <a:schemeClr val="accent1"/>
-          </a:fillRef>
-          <a:effectRef idx="0">
-            <a:schemeClr val="accent1"/>
-          </a:effectRef>
-          <a:fontRef idx="minor">
-            <a:schemeClr val="lt1"/>
-          </a:fontRef>
-        </p:style>
-        <p:txBody>
-          <a:bodyPr rtlCol="0" anchor="ctr"/>
-          <a:lstStyle/>
-          <a:p>
-            <a:pPr algn="ctr"/>
-            <a:endParaRPr lang="nl-NL"/>
-          </a:p>
-        </p:txBody>
-      </p:sp>
-      <p:sp>
-        <p:nvSpPr>
-          <p:cNvPr id="6" name="TextBox 5">
-            <a:extLst>
-              <a:ext uri="{FF2B5EF4-FFF2-40B4-BE49-F238E27FC236}">
-                <a16:creationId xmlns:a16="http://schemas.microsoft.com/office/drawing/2014/main" id="{D8DB6C61-2BEC-4A9B-BDE8-6D717589B24B}"/>
-              </a:ext>
-            </a:extLst>
-          </p:cNvPr>
-          <p:cNvSpPr txBox="1"/>
-          <p:nvPr/>
-        </p:nvSpPr>
-        <p:spPr>
-          <a:xfrm>
-            <a:off x="9507984" y="1384046"/>
-            <a:ext cx="760144" cy="338554"/>
-          </a:xfrm>
-          <a:prstGeom prst="rect">
-            <a:avLst/>
-          </a:prstGeom>
-          <a:noFill/>
-        </p:spPr>
-        <p:txBody>
-          <a:bodyPr wrap="none" rtlCol="0">
-            <a:spAutoFit/>
-          </a:bodyPr>
-          <a:lstStyle/>
-          <a:p>
-            <a:r>
-              <a:rPr lang="nl-NL" sz="1600" dirty="0"/>
-              <a:t>button</a:t>
-            </a:r>
-          </a:p>
-        </p:txBody>
-      </p:sp>
     </p:spTree>
     <p:extLst>
       <p:ext uri="{BB962C8B-B14F-4D97-AF65-F5344CB8AC3E}">
-        <p14:creationId xmlns:p14="http://schemas.microsoft.com/office/powerpoint/2010/main" val="2553282442"/>
+        <p14:creationId xmlns:p14="http://schemas.microsoft.com/office/powerpoint/2010/main" val="4211544684"/>
       </p:ext>
     </p:extLst>
   </p:cSld>
@@ -6193,7 +7213,7 @@
           <p:cNvPr id="2" name="Title 1">
             <a:extLst>
               <a:ext uri="{FF2B5EF4-FFF2-40B4-BE49-F238E27FC236}">
-                <a16:creationId xmlns:a16="http://schemas.microsoft.com/office/drawing/2014/main" id="{1DE0350A-3669-4091-A34E-DA4DD8967814}"/>
+                <a16:creationId xmlns:a16="http://schemas.microsoft.com/office/drawing/2014/main" id="{3974C28D-3C25-4878-91BF-5F8AC582D02A}"/>
               </a:ext>
             </a:extLst>
           </p:cNvPr>
@@ -6211,1362 +7231,17 @@
           <a:p>
             <a:r>
               <a:rPr lang="nl-NL" dirty="0"/>
-              <a:t>Arduino code (lamp test)</a:t>
-            </a:r>
-          </a:p>
-        </p:txBody>
-      </p:sp>
-      <p:pic>
-        <p:nvPicPr>
-          <p:cNvPr id="4" name="Picture 3">
+              <a:t>Circuit elektriciteit </a:t>
+            </a:r>
+          </a:p>
+        </p:txBody>
+      </p:sp>
+      <p:sp>
+        <p:nvSpPr>
+          <p:cNvPr id="4" name="Rectangle 3">
             <a:extLst>
               <a:ext uri="{FF2B5EF4-FFF2-40B4-BE49-F238E27FC236}">
-                <a16:creationId xmlns:a16="http://schemas.microsoft.com/office/drawing/2014/main" id="{EFB1836A-8355-49C7-9697-EA50DBD761B3}"/>
-              </a:ext>
-            </a:extLst>
-          </p:cNvPr>
-          <p:cNvPicPr>
-            <a:picLocks noChangeAspect="1"/>
-          </p:cNvPicPr>
-          <p:nvPr/>
-        </p:nvPicPr>
-        <p:blipFill>
-          <a:blip r:embed="rId2"/>
-          <a:stretch>
-            <a:fillRect/>
-          </a:stretch>
-        </p:blipFill>
-        <p:spPr>
-          <a:xfrm>
-            <a:off x="4142634" y="480435"/>
-            <a:ext cx="2481743" cy="5897130"/>
-          </a:xfrm>
-          <a:prstGeom prst="rect">
-            <a:avLst/>
-          </a:prstGeom>
-        </p:spPr>
-      </p:pic>
-      <p:sp>
-        <p:nvSpPr>
-          <p:cNvPr id="6" name="Content Placeholder 5">
-            <a:extLst>
-              <a:ext uri="{FF2B5EF4-FFF2-40B4-BE49-F238E27FC236}">
-                <a16:creationId xmlns:a16="http://schemas.microsoft.com/office/drawing/2014/main" id="{714B8BD0-C73E-4488-963D-9975237E9B01}"/>
-              </a:ext>
-            </a:extLst>
-          </p:cNvPr>
-          <p:cNvSpPr>
-            <a:spLocks noGrp="1"/>
-          </p:cNvSpPr>
-          <p:nvPr>
-            <p:ph idx="1"/>
-          </p:nvPr>
-        </p:nvSpPr>
-        <p:spPr>
-          <a:xfrm>
-            <a:off x="6636345" y="659619"/>
-            <a:ext cx="4939550" cy="544801"/>
-          </a:xfrm>
-        </p:spPr>
-        <p:txBody>
-          <a:bodyPr anchor="t">
-            <a:normAutofit/>
-          </a:bodyPr>
-          <a:lstStyle/>
-          <a:p>
-            <a:pPr marL="0" indent="0">
-              <a:buNone/>
-            </a:pPr>
-            <a:r>
-              <a:rPr lang="nl-NL" sz="1600" b="1" dirty="0"/>
-              <a:t>9600 bits/sec &amp; output = pin met ledlampje</a:t>
-            </a:r>
-          </a:p>
-          <a:p>
-            <a:pPr marL="0" indent="0">
-              <a:buNone/>
-            </a:pPr>
-            <a:endParaRPr lang="nl-NL" sz="1600" b="1" dirty="0"/>
-          </a:p>
-          <a:p>
-            <a:pPr marL="0" indent="0">
-              <a:buNone/>
-            </a:pPr>
-            <a:endParaRPr lang="nl-NL" sz="1600" dirty="0"/>
-          </a:p>
-          <a:p>
-            <a:pPr marL="0" indent="0">
-              <a:buNone/>
-            </a:pPr>
-            <a:endParaRPr lang="nl-NL" sz="1600" dirty="0"/>
-          </a:p>
-          <a:p>
-            <a:pPr marL="0" indent="0">
-              <a:buNone/>
-            </a:pPr>
-            <a:endParaRPr lang="nl-NL" sz="1600" dirty="0"/>
-          </a:p>
-        </p:txBody>
-      </p:sp>
-      <p:sp>
-        <p:nvSpPr>
-          <p:cNvPr id="7" name="Content Placeholder 5">
-            <a:extLst>
-              <a:ext uri="{FF2B5EF4-FFF2-40B4-BE49-F238E27FC236}">
-                <a16:creationId xmlns:a16="http://schemas.microsoft.com/office/drawing/2014/main" id="{DFDE09EB-7528-4EDA-83F8-67ADA480D4E9}"/>
-              </a:ext>
-            </a:extLst>
-          </p:cNvPr>
-          <p:cNvSpPr txBox="1">
-            <a:spLocks/>
-          </p:cNvSpPr>
-          <p:nvPr/>
-        </p:nvSpPr>
-        <p:spPr>
-          <a:xfrm>
-            <a:off x="6636345" y="1495391"/>
-            <a:ext cx="4939550" cy="1070478"/>
-          </a:xfrm>
-          <a:prstGeom prst="rect">
-            <a:avLst/>
-          </a:prstGeom>
-        </p:spPr>
-        <p:txBody>
-          <a:bodyPr vert="horz" lIns="91440" tIns="45720" rIns="91440" bIns="45720" rtlCol="0" anchor="t">
-            <a:normAutofit/>
-          </a:bodyPr>
-          <a:lstStyle>
-            <a:lvl1pPr marL="182880" indent="-182880" algn="l" defTabSz="914400" rtl="0" eaLnBrk="1" latinLnBrk="0" hangingPunct="1">
-              <a:lnSpc>
-                <a:spcPct val="90000"/>
-              </a:lnSpc>
-              <a:spcBef>
-                <a:spcPts val="1200"/>
-              </a:spcBef>
-              <a:buClr>
-                <a:schemeClr val="accent1"/>
-              </a:buClr>
-              <a:buFont typeface="Wingdings 2" pitchFamily="18" charset="2"/>
-              <a:buChar char=""/>
-              <a:defRPr sz="2000" kern="1200">
-                <a:solidFill>
-                  <a:schemeClr val="tx1">
-                    <a:lumMod val="65000"/>
-                    <a:lumOff val="35000"/>
-                  </a:schemeClr>
-                </a:solidFill>
-                <a:latin typeface="+mn-lt"/>
-                <a:ea typeface="+mn-ea"/>
-                <a:cs typeface="+mn-cs"/>
-              </a:defRPr>
-            </a:lvl1pPr>
-            <a:lvl2pPr marL="685800" indent="-182880" algn="l" defTabSz="914400" rtl="0" eaLnBrk="1" latinLnBrk="0" hangingPunct="1">
-              <a:lnSpc>
-                <a:spcPct val="90000"/>
-              </a:lnSpc>
-              <a:spcBef>
-                <a:spcPts val="250"/>
-              </a:spcBef>
-              <a:spcAft>
-                <a:spcPts val="250"/>
-              </a:spcAft>
-              <a:buClr>
-                <a:schemeClr val="accent1"/>
-              </a:buClr>
-              <a:buFont typeface="Wingdings 2" pitchFamily="18" charset="2"/>
-              <a:buChar char=""/>
-              <a:defRPr sz="1800" kern="1200">
-                <a:solidFill>
-                  <a:schemeClr val="tx1">
-                    <a:lumMod val="65000"/>
-                    <a:lumOff val="35000"/>
-                  </a:schemeClr>
-                </a:solidFill>
-                <a:latin typeface="+mn-lt"/>
-                <a:ea typeface="+mn-ea"/>
-                <a:cs typeface="+mn-cs"/>
-              </a:defRPr>
-            </a:lvl2pPr>
-            <a:lvl3pPr marL="1143000" indent="-182880" algn="l" defTabSz="914400" rtl="0" eaLnBrk="1" latinLnBrk="0" hangingPunct="1">
-              <a:lnSpc>
-                <a:spcPct val="90000"/>
-              </a:lnSpc>
-              <a:spcBef>
-                <a:spcPts val="250"/>
-              </a:spcBef>
-              <a:spcAft>
-                <a:spcPts val="250"/>
-              </a:spcAft>
-              <a:buClr>
-                <a:schemeClr val="accent1"/>
-              </a:buClr>
-              <a:buFont typeface="Wingdings 2" pitchFamily="18" charset="2"/>
-              <a:buChar char=""/>
-              <a:defRPr sz="1600" kern="1200">
-                <a:solidFill>
-                  <a:schemeClr val="tx1">
-                    <a:lumMod val="65000"/>
-                    <a:lumOff val="35000"/>
-                  </a:schemeClr>
-                </a:solidFill>
-                <a:latin typeface="+mn-lt"/>
-                <a:ea typeface="+mn-ea"/>
-                <a:cs typeface="+mn-cs"/>
-              </a:defRPr>
-            </a:lvl3pPr>
-            <a:lvl4pPr marL="1600200" indent="-182880" algn="l" defTabSz="914400" rtl="0" eaLnBrk="1" latinLnBrk="0" hangingPunct="1">
-              <a:lnSpc>
-                <a:spcPct val="90000"/>
-              </a:lnSpc>
-              <a:spcBef>
-                <a:spcPts val="250"/>
-              </a:spcBef>
-              <a:spcAft>
-                <a:spcPts val="250"/>
-              </a:spcAft>
-              <a:buClr>
-                <a:schemeClr val="accent1"/>
-              </a:buClr>
-              <a:buFont typeface="Wingdings 2" pitchFamily="18" charset="2"/>
-              <a:buChar char=""/>
-              <a:defRPr sz="1400" kern="1200">
-                <a:solidFill>
-                  <a:schemeClr val="tx1">
-                    <a:lumMod val="65000"/>
-                    <a:lumOff val="35000"/>
-                  </a:schemeClr>
-                </a:solidFill>
-                <a:latin typeface="+mn-lt"/>
-                <a:ea typeface="+mn-ea"/>
-                <a:cs typeface="+mn-cs"/>
-              </a:defRPr>
-            </a:lvl4pPr>
-            <a:lvl5pPr marL="2057400" indent="-182880" algn="l" defTabSz="914400" rtl="0" eaLnBrk="1" latinLnBrk="0" hangingPunct="1">
-              <a:lnSpc>
-                <a:spcPct val="90000"/>
-              </a:lnSpc>
-              <a:spcBef>
-                <a:spcPts val="250"/>
-              </a:spcBef>
-              <a:spcAft>
-                <a:spcPts val="250"/>
-              </a:spcAft>
-              <a:buClr>
-                <a:schemeClr val="accent1"/>
-              </a:buClr>
-              <a:buFont typeface="Wingdings 2" pitchFamily="18" charset="2"/>
-              <a:buChar char=""/>
-              <a:defRPr sz="1400" kern="1200">
-                <a:solidFill>
-                  <a:schemeClr val="tx1">
-                    <a:lumMod val="65000"/>
-                    <a:lumOff val="35000"/>
-                  </a:schemeClr>
-                </a:solidFill>
-                <a:latin typeface="+mn-lt"/>
-                <a:ea typeface="+mn-ea"/>
-                <a:cs typeface="+mn-cs"/>
-              </a:defRPr>
-            </a:lvl5pPr>
-            <a:lvl6pPr marL="2514600" indent="-228600" algn="l" defTabSz="914400" rtl="0" eaLnBrk="1" latinLnBrk="0" hangingPunct="1">
-              <a:lnSpc>
-                <a:spcPct val="90000"/>
-              </a:lnSpc>
-              <a:spcBef>
-                <a:spcPts val="250"/>
-              </a:spcBef>
-              <a:spcAft>
-                <a:spcPts val="250"/>
-              </a:spcAft>
-              <a:buClr>
-                <a:schemeClr val="accent1"/>
-              </a:buClr>
-              <a:buFont typeface="Wingdings 2" pitchFamily="18" charset="2"/>
-              <a:buChar char=""/>
-              <a:defRPr sz="1400" kern="1200">
-                <a:solidFill>
-                  <a:schemeClr val="tx1">
-                    <a:lumMod val="65000"/>
-                    <a:lumOff val="35000"/>
-                  </a:schemeClr>
-                </a:solidFill>
-                <a:latin typeface="+mn-lt"/>
-                <a:ea typeface="+mn-ea"/>
-                <a:cs typeface="+mn-cs"/>
-              </a:defRPr>
-            </a:lvl6pPr>
-            <a:lvl7pPr marL="2971800" indent="-228600" algn="l" defTabSz="914400" rtl="0" eaLnBrk="1" latinLnBrk="0" hangingPunct="1">
-              <a:lnSpc>
-                <a:spcPct val="90000"/>
-              </a:lnSpc>
-              <a:spcBef>
-                <a:spcPts val="250"/>
-              </a:spcBef>
-              <a:spcAft>
-                <a:spcPts val="250"/>
-              </a:spcAft>
-              <a:buClr>
-                <a:schemeClr val="accent1"/>
-              </a:buClr>
-              <a:buFont typeface="Wingdings 2" pitchFamily="18" charset="2"/>
-              <a:buChar char=""/>
-              <a:defRPr sz="1400" kern="1200">
-                <a:solidFill>
-                  <a:schemeClr val="tx1">
-                    <a:lumMod val="65000"/>
-                    <a:lumOff val="35000"/>
-                  </a:schemeClr>
-                </a:solidFill>
-                <a:latin typeface="+mn-lt"/>
-                <a:ea typeface="+mn-ea"/>
-                <a:cs typeface="+mn-cs"/>
-              </a:defRPr>
-            </a:lvl7pPr>
-            <a:lvl8pPr marL="3429000" indent="-228600" algn="l" defTabSz="914400" rtl="0" eaLnBrk="1" latinLnBrk="0" hangingPunct="1">
-              <a:lnSpc>
-                <a:spcPct val="90000"/>
-              </a:lnSpc>
-              <a:spcBef>
-                <a:spcPts val="250"/>
-              </a:spcBef>
-              <a:spcAft>
-                <a:spcPts val="250"/>
-              </a:spcAft>
-              <a:buClr>
-                <a:schemeClr val="accent1"/>
-              </a:buClr>
-              <a:buFont typeface="Wingdings 2" pitchFamily="18" charset="2"/>
-              <a:buChar char=""/>
-              <a:defRPr sz="1400" kern="1200">
-                <a:solidFill>
-                  <a:schemeClr val="tx1">
-                    <a:lumMod val="65000"/>
-                    <a:lumOff val="35000"/>
-                  </a:schemeClr>
-                </a:solidFill>
-                <a:latin typeface="+mn-lt"/>
-                <a:ea typeface="+mn-ea"/>
-                <a:cs typeface="+mn-cs"/>
-              </a:defRPr>
-            </a:lvl8pPr>
-            <a:lvl9pPr marL="3886200" indent="-228600" algn="l" defTabSz="914400" rtl="0" eaLnBrk="1" latinLnBrk="0" hangingPunct="1">
-              <a:lnSpc>
-                <a:spcPct val="90000"/>
-              </a:lnSpc>
-              <a:spcBef>
-                <a:spcPts val="250"/>
-              </a:spcBef>
-              <a:spcAft>
-                <a:spcPts val="250"/>
-              </a:spcAft>
-              <a:buClr>
-                <a:schemeClr val="accent1"/>
-              </a:buClr>
-              <a:buFont typeface="Wingdings 2" pitchFamily="18" charset="2"/>
-              <a:buChar char=""/>
-              <a:defRPr sz="1400" kern="1200">
-                <a:solidFill>
-                  <a:schemeClr val="tx1">
-                    <a:lumMod val="65000"/>
-                    <a:lumOff val="35000"/>
-                  </a:schemeClr>
-                </a:solidFill>
-                <a:latin typeface="+mn-lt"/>
-                <a:ea typeface="+mn-ea"/>
-                <a:cs typeface="+mn-cs"/>
-              </a:defRPr>
-            </a:lvl9pPr>
-          </a:lstStyle>
-          <a:p>
-            <a:pPr marL="0" indent="0">
-              <a:buNone/>
-            </a:pPr>
-            <a:r>
-              <a:rPr lang="nl-NL" sz="1600" b="1" dirty="0"/>
-              <a:t>Als volt value ≥ 1010:</a:t>
-            </a:r>
-          </a:p>
-          <a:p>
-            <a:pPr marL="0" indent="0">
-              <a:buNone/>
-            </a:pPr>
-            <a:r>
-              <a:rPr lang="nl-NL" sz="1600" b="1" dirty="0"/>
-              <a:t>button ‘ingedrukt’. </a:t>
-            </a:r>
-          </a:p>
-          <a:p>
-            <a:pPr marL="0" indent="0">
-              <a:buNone/>
-            </a:pPr>
-            <a:r>
-              <a:rPr lang="nl-NL" sz="1600" b="1" dirty="0"/>
-              <a:t>Anders: uit.</a:t>
-            </a:r>
-          </a:p>
-        </p:txBody>
-      </p:sp>
-      <p:sp>
-        <p:nvSpPr>
-          <p:cNvPr id="9" name="Content Placeholder 5">
-            <a:extLst>
-              <a:ext uri="{FF2B5EF4-FFF2-40B4-BE49-F238E27FC236}">
-                <a16:creationId xmlns:a16="http://schemas.microsoft.com/office/drawing/2014/main" id="{1FFF8287-49CC-4341-B67D-15CBA9089E37}"/>
-              </a:ext>
-            </a:extLst>
-          </p:cNvPr>
-          <p:cNvSpPr txBox="1">
-            <a:spLocks/>
-          </p:cNvSpPr>
-          <p:nvPr/>
-        </p:nvSpPr>
-        <p:spPr>
-          <a:xfrm>
-            <a:off x="6624377" y="2702771"/>
-            <a:ext cx="4939550" cy="1070478"/>
-          </a:xfrm>
-          <a:prstGeom prst="rect">
-            <a:avLst/>
-          </a:prstGeom>
-        </p:spPr>
-        <p:txBody>
-          <a:bodyPr vert="horz" lIns="91440" tIns="45720" rIns="91440" bIns="45720" rtlCol="0" anchor="t">
-            <a:normAutofit/>
-          </a:bodyPr>
-          <a:lstStyle>
-            <a:lvl1pPr marL="182880" indent="-182880" algn="l" defTabSz="914400" rtl="0" eaLnBrk="1" latinLnBrk="0" hangingPunct="1">
-              <a:lnSpc>
-                <a:spcPct val="90000"/>
-              </a:lnSpc>
-              <a:spcBef>
-                <a:spcPts val="1200"/>
-              </a:spcBef>
-              <a:buClr>
-                <a:schemeClr val="accent1"/>
-              </a:buClr>
-              <a:buFont typeface="Wingdings 2" pitchFamily="18" charset="2"/>
-              <a:buChar char=""/>
-              <a:defRPr sz="2000" kern="1200">
-                <a:solidFill>
-                  <a:schemeClr val="tx1">
-                    <a:lumMod val="65000"/>
-                    <a:lumOff val="35000"/>
-                  </a:schemeClr>
-                </a:solidFill>
-                <a:latin typeface="+mn-lt"/>
-                <a:ea typeface="+mn-ea"/>
-                <a:cs typeface="+mn-cs"/>
-              </a:defRPr>
-            </a:lvl1pPr>
-            <a:lvl2pPr marL="685800" indent="-182880" algn="l" defTabSz="914400" rtl="0" eaLnBrk="1" latinLnBrk="0" hangingPunct="1">
-              <a:lnSpc>
-                <a:spcPct val="90000"/>
-              </a:lnSpc>
-              <a:spcBef>
-                <a:spcPts val="250"/>
-              </a:spcBef>
-              <a:spcAft>
-                <a:spcPts val="250"/>
-              </a:spcAft>
-              <a:buClr>
-                <a:schemeClr val="accent1"/>
-              </a:buClr>
-              <a:buFont typeface="Wingdings 2" pitchFamily="18" charset="2"/>
-              <a:buChar char=""/>
-              <a:defRPr sz="1800" kern="1200">
-                <a:solidFill>
-                  <a:schemeClr val="tx1">
-                    <a:lumMod val="65000"/>
-                    <a:lumOff val="35000"/>
-                  </a:schemeClr>
-                </a:solidFill>
-                <a:latin typeface="+mn-lt"/>
-                <a:ea typeface="+mn-ea"/>
-                <a:cs typeface="+mn-cs"/>
-              </a:defRPr>
-            </a:lvl2pPr>
-            <a:lvl3pPr marL="1143000" indent="-182880" algn="l" defTabSz="914400" rtl="0" eaLnBrk="1" latinLnBrk="0" hangingPunct="1">
-              <a:lnSpc>
-                <a:spcPct val="90000"/>
-              </a:lnSpc>
-              <a:spcBef>
-                <a:spcPts val="250"/>
-              </a:spcBef>
-              <a:spcAft>
-                <a:spcPts val="250"/>
-              </a:spcAft>
-              <a:buClr>
-                <a:schemeClr val="accent1"/>
-              </a:buClr>
-              <a:buFont typeface="Wingdings 2" pitchFamily="18" charset="2"/>
-              <a:buChar char=""/>
-              <a:defRPr sz="1600" kern="1200">
-                <a:solidFill>
-                  <a:schemeClr val="tx1">
-                    <a:lumMod val="65000"/>
-                    <a:lumOff val="35000"/>
-                  </a:schemeClr>
-                </a:solidFill>
-                <a:latin typeface="+mn-lt"/>
-                <a:ea typeface="+mn-ea"/>
-                <a:cs typeface="+mn-cs"/>
-              </a:defRPr>
-            </a:lvl3pPr>
-            <a:lvl4pPr marL="1600200" indent="-182880" algn="l" defTabSz="914400" rtl="0" eaLnBrk="1" latinLnBrk="0" hangingPunct="1">
-              <a:lnSpc>
-                <a:spcPct val="90000"/>
-              </a:lnSpc>
-              <a:spcBef>
-                <a:spcPts val="250"/>
-              </a:spcBef>
-              <a:spcAft>
-                <a:spcPts val="250"/>
-              </a:spcAft>
-              <a:buClr>
-                <a:schemeClr val="accent1"/>
-              </a:buClr>
-              <a:buFont typeface="Wingdings 2" pitchFamily="18" charset="2"/>
-              <a:buChar char=""/>
-              <a:defRPr sz="1400" kern="1200">
-                <a:solidFill>
-                  <a:schemeClr val="tx1">
-                    <a:lumMod val="65000"/>
-                    <a:lumOff val="35000"/>
-                  </a:schemeClr>
-                </a:solidFill>
-                <a:latin typeface="+mn-lt"/>
-                <a:ea typeface="+mn-ea"/>
-                <a:cs typeface="+mn-cs"/>
-              </a:defRPr>
-            </a:lvl4pPr>
-            <a:lvl5pPr marL="2057400" indent="-182880" algn="l" defTabSz="914400" rtl="0" eaLnBrk="1" latinLnBrk="0" hangingPunct="1">
-              <a:lnSpc>
-                <a:spcPct val="90000"/>
-              </a:lnSpc>
-              <a:spcBef>
-                <a:spcPts val="250"/>
-              </a:spcBef>
-              <a:spcAft>
-                <a:spcPts val="250"/>
-              </a:spcAft>
-              <a:buClr>
-                <a:schemeClr val="accent1"/>
-              </a:buClr>
-              <a:buFont typeface="Wingdings 2" pitchFamily="18" charset="2"/>
-              <a:buChar char=""/>
-              <a:defRPr sz="1400" kern="1200">
-                <a:solidFill>
-                  <a:schemeClr val="tx1">
-                    <a:lumMod val="65000"/>
-                    <a:lumOff val="35000"/>
-                  </a:schemeClr>
-                </a:solidFill>
-                <a:latin typeface="+mn-lt"/>
-                <a:ea typeface="+mn-ea"/>
-                <a:cs typeface="+mn-cs"/>
-              </a:defRPr>
-            </a:lvl5pPr>
-            <a:lvl6pPr marL="2514600" indent="-228600" algn="l" defTabSz="914400" rtl="0" eaLnBrk="1" latinLnBrk="0" hangingPunct="1">
-              <a:lnSpc>
-                <a:spcPct val="90000"/>
-              </a:lnSpc>
-              <a:spcBef>
-                <a:spcPts val="250"/>
-              </a:spcBef>
-              <a:spcAft>
-                <a:spcPts val="250"/>
-              </a:spcAft>
-              <a:buClr>
-                <a:schemeClr val="accent1"/>
-              </a:buClr>
-              <a:buFont typeface="Wingdings 2" pitchFamily="18" charset="2"/>
-              <a:buChar char=""/>
-              <a:defRPr sz="1400" kern="1200">
-                <a:solidFill>
-                  <a:schemeClr val="tx1">
-                    <a:lumMod val="65000"/>
-                    <a:lumOff val="35000"/>
-                  </a:schemeClr>
-                </a:solidFill>
-                <a:latin typeface="+mn-lt"/>
-                <a:ea typeface="+mn-ea"/>
-                <a:cs typeface="+mn-cs"/>
-              </a:defRPr>
-            </a:lvl6pPr>
-            <a:lvl7pPr marL="2971800" indent="-228600" algn="l" defTabSz="914400" rtl="0" eaLnBrk="1" latinLnBrk="0" hangingPunct="1">
-              <a:lnSpc>
-                <a:spcPct val="90000"/>
-              </a:lnSpc>
-              <a:spcBef>
-                <a:spcPts val="250"/>
-              </a:spcBef>
-              <a:spcAft>
-                <a:spcPts val="250"/>
-              </a:spcAft>
-              <a:buClr>
-                <a:schemeClr val="accent1"/>
-              </a:buClr>
-              <a:buFont typeface="Wingdings 2" pitchFamily="18" charset="2"/>
-              <a:buChar char=""/>
-              <a:defRPr sz="1400" kern="1200">
-                <a:solidFill>
-                  <a:schemeClr val="tx1">
-                    <a:lumMod val="65000"/>
-                    <a:lumOff val="35000"/>
-                  </a:schemeClr>
-                </a:solidFill>
-                <a:latin typeface="+mn-lt"/>
-                <a:ea typeface="+mn-ea"/>
-                <a:cs typeface="+mn-cs"/>
-              </a:defRPr>
-            </a:lvl7pPr>
-            <a:lvl8pPr marL="3429000" indent="-228600" algn="l" defTabSz="914400" rtl="0" eaLnBrk="1" latinLnBrk="0" hangingPunct="1">
-              <a:lnSpc>
-                <a:spcPct val="90000"/>
-              </a:lnSpc>
-              <a:spcBef>
-                <a:spcPts val="250"/>
-              </a:spcBef>
-              <a:spcAft>
-                <a:spcPts val="250"/>
-              </a:spcAft>
-              <a:buClr>
-                <a:schemeClr val="accent1"/>
-              </a:buClr>
-              <a:buFont typeface="Wingdings 2" pitchFamily="18" charset="2"/>
-              <a:buChar char=""/>
-              <a:defRPr sz="1400" kern="1200">
-                <a:solidFill>
-                  <a:schemeClr val="tx1">
-                    <a:lumMod val="65000"/>
-                    <a:lumOff val="35000"/>
-                  </a:schemeClr>
-                </a:solidFill>
-                <a:latin typeface="+mn-lt"/>
-                <a:ea typeface="+mn-ea"/>
-                <a:cs typeface="+mn-cs"/>
-              </a:defRPr>
-            </a:lvl8pPr>
-            <a:lvl9pPr marL="3886200" indent="-228600" algn="l" defTabSz="914400" rtl="0" eaLnBrk="1" latinLnBrk="0" hangingPunct="1">
-              <a:lnSpc>
-                <a:spcPct val="90000"/>
-              </a:lnSpc>
-              <a:spcBef>
-                <a:spcPts val="250"/>
-              </a:spcBef>
-              <a:spcAft>
-                <a:spcPts val="250"/>
-              </a:spcAft>
-              <a:buClr>
-                <a:schemeClr val="accent1"/>
-              </a:buClr>
-              <a:buFont typeface="Wingdings 2" pitchFamily="18" charset="2"/>
-              <a:buChar char=""/>
-              <a:defRPr sz="1400" kern="1200">
-                <a:solidFill>
-                  <a:schemeClr val="tx1">
-                    <a:lumMod val="65000"/>
-                    <a:lumOff val="35000"/>
-                  </a:schemeClr>
-                </a:solidFill>
-                <a:latin typeface="+mn-lt"/>
-                <a:ea typeface="+mn-ea"/>
-                <a:cs typeface="+mn-cs"/>
-              </a:defRPr>
-            </a:lvl9pPr>
-          </a:lstStyle>
-          <a:p>
-            <a:pPr marL="0" indent="0">
-              <a:buFont typeface="Wingdings 2" pitchFamily="18" charset="2"/>
-              <a:buNone/>
-            </a:pPr>
-            <a:r>
-              <a:rPr lang="nl-NL" sz="1600" dirty="0">
-                <a:solidFill>
-                  <a:srgbClr val="FF0000"/>
-                </a:solidFill>
-              </a:rPr>
-              <a:t>Status 0</a:t>
-            </a:r>
-            <a:r>
-              <a:rPr lang="nl-NL" sz="1600" dirty="0">
-                <a:solidFill>
-                  <a:schemeClr val="tx1"/>
-                </a:solidFill>
-              </a:rPr>
-              <a:t>:</a:t>
-            </a:r>
-            <a:r>
-              <a:rPr lang="nl-NL" sz="1600" dirty="0">
-                <a:solidFill>
-                  <a:srgbClr val="FF0000"/>
-                </a:solidFill>
-              </a:rPr>
-              <a:t> </a:t>
-            </a:r>
-          </a:p>
-          <a:p>
-            <a:pPr marL="0" indent="0">
-              <a:buFont typeface="Wingdings 2" pitchFamily="18" charset="2"/>
-              <a:buNone/>
-            </a:pPr>
-            <a:r>
-              <a:rPr lang="nl-NL" sz="1600" dirty="0">
-                <a:solidFill>
-                  <a:schemeClr val="bg1">
-                    <a:lumMod val="50000"/>
-                  </a:schemeClr>
-                </a:solidFill>
-              </a:rPr>
-              <a:t>Als button voor het eerst wordt ingedrukt: </a:t>
-            </a:r>
-          </a:p>
-          <a:p>
-            <a:pPr marL="0" indent="0">
-              <a:buFont typeface="Wingdings 2" pitchFamily="18" charset="2"/>
-              <a:buNone/>
-            </a:pPr>
-            <a:r>
-              <a:rPr lang="nl-NL" sz="1600" dirty="0">
-                <a:solidFill>
-                  <a:schemeClr val="bg1">
-                    <a:lumMod val="50000"/>
-                  </a:schemeClr>
-                </a:solidFill>
-              </a:rPr>
-              <a:t>stuur één korte pulse zet naar status 1.</a:t>
-            </a:r>
-          </a:p>
-        </p:txBody>
-      </p:sp>
-      <p:sp>
-        <p:nvSpPr>
-          <p:cNvPr id="10" name="Content Placeholder 5">
-            <a:extLst>
-              <a:ext uri="{FF2B5EF4-FFF2-40B4-BE49-F238E27FC236}">
-                <a16:creationId xmlns:a16="http://schemas.microsoft.com/office/drawing/2014/main" id="{58A3A329-635B-4370-9054-306834D63492}"/>
-              </a:ext>
-            </a:extLst>
-          </p:cNvPr>
-          <p:cNvSpPr txBox="1">
-            <a:spLocks/>
-          </p:cNvSpPr>
-          <p:nvPr/>
-        </p:nvSpPr>
-        <p:spPr>
-          <a:xfrm>
-            <a:off x="6636345" y="3959423"/>
-            <a:ext cx="4939550" cy="1163495"/>
-          </a:xfrm>
-          <a:prstGeom prst="rect">
-            <a:avLst/>
-          </a:prstGeom>
-        </p:spPr>
-        <p:txBody>
-          <a:bodyPr vert="horz" lIns="91440" tIns="45720" rIns="91440" bIns="45720" rtlCol="0" anchor="t">
-            <a:normAutofit/>
-          </a:bodyPr>
-          <a:lstStyle>
-            <a:lvl1pPr marL="182880" indent="-182880" algn="l" defTabSz="914400" rtl="0" eaLnBrk="1" latinLnBrk="0" hangingPunct="1">
-              <a:lnSpc>
-                <a:spcPct val="90000"/>
-              </a:lnSpc>
-              <a:spcBef>
-                <a:spcPts val="1200"/>
-              </a:spcBef>
-              <a:buClr>
-                <a:schemeClr val="accent1"/>
-              </a:buClr>
-              <a:buFont typeface="Wingdings 2" pitchFamily="18" charset="2"/>
-              <a:buChar char=""/>
-              <a:defRPr sz="2000" kern="1200">
-                <a:solidFill>
-                  <a:schemeClr val="tx1">
-                    <a:lumMod val="65000"/>
-                    <a:lumOff val="35000"/>
-                  </a:schemeClr>
-                </a:solidFill>
-                <a:latin typeface="+mn-lt"/>
-                <a:ea typeface="+mn-ea"/>
-                <a:cs typeface="+mn-cs"/>
-              </a:defRPr>
-            </a:lvl1pPr>
-            <a:lvl2pPr marL="685800" indent="-182880" algn="l" defTabSz="914400" rtl="0" eaLnBrk="1" latinLnBrk="0" hangingPunct="1">
-              <a:lnSpc>
-                <a:spcPct val="90000"/>
-              </a:lnSpc>
-              <a:spcBef>
-                <a:spcPts val="250"/>
-              </a:spcBef>
-              <a:spcAft>
-                <a:spcPts val="250"/>
-              </a:spcAft>
-              <a:buClr>
-                <a:schemeClr val="accent1"/>
-              </a:buClr>
-              <a:buFont typeface="Wingdings 2" pitchFamily="18" charset="2"/>
-              <a:buChar char=""/>
-              <a:defRPr sz="1800" kern="1200">
-                <a:solidFill>
-                  <a:schemeClr val="tx1">
-                    <a:lumMod val="65000"/>
-                    <a:lumOff val="35000"/>
-                  </a:schemeClr>
-                </a:solidFill>
-                <a:latin typeface="+mn-lt"/>
-                <a:ea typeface="+mn-ea"/>
-                <a:cs typeface="+mn-cs"/>
-              </a:defRPr>
-            </a:lvl2pPr>
-            <a:lvl3pPr marL="1143000" indent="-182880" algn="l" defTabSz="914400" rtl="0" eaLnBrk="1" latinLnBrk="0" hangingPunct="1">
-              <a:lnSpc>
-                <a:spcPct val="90000"/>
-              </a:lnSpc>
-              <a:spcBef>
-                <a:spcPts val="250"/>
-              </a:spcBef>
-              <a:spcAft>
-                <a:spcPts val="250"/>
-              </a:spcAft>
-              <a:buClr>
-                <a:schemeClr val="accent1"/>
-              </a:buClr>
-              <a:buFont typeface="Wingdings 2" pitchFamily="18" charset="2"/>
-              <a:buChar char=""/>
-              <a:defRPr sz="1600" kern="1200">
-                <a:solidFill>
-                  <a:schemeClr val="tx1">
-                    <a:lumMod val="65000"/>
-                    <a:lumOff val="35000"/>
-                  </a:schemeClr>
-                </a:solidFill>
-                <a:latin typeface="+mn-lt"/>
-                <a:ea typeface="+mn-ea"/>
-                <a:cs typeface="+mn-cs"/>
-              </a:defRPr>
-            </a:lvl3pPr>
-            <a:lvl4pPr marL="1600200" indent="-182880" algn="l" defTabSz="914400" rtl="0" eaLnBrk="1" latinLnBrk="0" hangingPunct="1">
-              <a:lnSpc>
-                <a:spcPct val="90000"/>
-              </a:lnSpc>
-              <a:spcBef>
-                <a:spcPts val="250"/>
-              </a:spcBef>
-              <a:spcAft>
-                <a:spcPts val="250"/>
-              </a:spcAft>
-              <a:buClr>
-                <a:schemeClr val="accent1"/>
-              </a:buClr>
-              <a:buFont typeface="Wingdings 2" pitchFamily="18" charset="2"/>
-              <a:buChar char=""/>
-              <a:defRPr sz="1400" kern="1200">
-                <a:solidFill>
-                  <a:schemeClr val="tx1">
-                    <a:lumMod val="65000"/>
-                    <a:lumOff val="35000"/>
-                  </a:schemeClr>
-                </a:solidFill>
-                <a:latin typeface="+mn-lt"/>
-                <a:ea typeface="+mn-ea"/>
-                <a:cs typeface="+mn-cs"/>
-              </a:defRPr>
-            </a:lvl4pPr>
-            <a:lvl5pPr marL="2057400" indent="-182880" algn="l" defTabSz="914400" rtl="0" eaLnBrk="1" latinLnBrk="0" hangingPunct="1">
-              <a:lnSpc>
-                <a:spcPct val="90000"/>
-              </a:lnSpc>
-              <a:spcBef>
-                <a:spcPts val="250"/>
-              </a:spcBef>
-              <a:spcAft>
-                <a:spcPts val="250"/>
-              </a:spcAft>
-              <a:buClr>
-                <a:schemeClr val="accent1"/>
-              </a:buClr>
-              <a:buFont typeface="Wingdings 2" pitchFamily="18" charset="2"/>
-              <a:buChar char=""/>
-              <a:defRPr sz="1400" kern="1200">
-                <a:solidFill>
-                  <a:schemeClr val="tx1">
-                    <a:lumMod val="65000"/>
-                    <a:lumOff val="35000"/>
-                  </a:schemeClr>
-                </a:solidFill>
-                <a:latin typeface="+mn-lt"/>
-                <a:ea typeface="+mn-ea"/>
-                <a:cs typeface="+mn-cs"/>
-              </a:defRPr>
-            </a:lvl5pPr>
-            <a:lvl6pPr marL="2514600" indent="-228600" algn="l" defTabSz="914400" rtl="0" eaLnBrk="1" latinLnBrk="0" hangingPunct="1">
-              <a:lnSpc>
-                <a:spcPct val="90000"/>
-              </a:lnSpc>
-              <a:spcBef>
-                <a:spcPts val="250"/>
-              </a:spcBef>
-              <a:spcAft>
-                <a:spcPts val="250"/>
-              </a:spcAft>
-              <a:buClr>
-                <a:schemeClr val="accent1"/>
-              </a:buClr>
-              <a:buFont typeface="Wingdings 2" pitchFamily="18" charset="2"/>
-              <a:buChar char=""/>
-              <a:defRPr sz="1400" kern="1200">
-                <a:solidFill>
-                  <a:schemeClr val="tx1">
-                    <a:lumMod val="65000"/>
-                    <a:lumOff val="35000"/>
-                  </a:schemeClr>
-                </a:solidFill>
-                <a:latin typeface="+mn-lt"/>
-                <a:ea typeface="+mn-ea"/>
-                <a:cs typeface="+mn-cs"/>
-              </a:defRPr>
-            </a:lvl6pPr>
-            <a:lvl7pPr marL="2971800" indent="-228600" algn="l" defTabSz="914400" rtl="0" eaLnBrk="1" latinLnBrk="0" hangingPunct="1">
-              <a:lnSpc>
-                <a:spcPct val="90000"/>
-              </a:lnSpc>
-              <a:spcBef>
-                <a:spcPts val="250"/>
-              </a:spcBef>
-              <a:spcAft>
-                <a:spcPts val="250"/>
-              </a:spcAft>
-              <a:buClr>
-                <a:schemeClr val="accent1"/>
-              </a:buClr>
-              <a:buFont typeface="Wingdings 2" pitchFamily="18" charset="2"/>
-              <a:buChar char=""/>
-              <a:defRPr sz="1400" kern="1200">
-                <a:solidFill>
-                  <a:schemeClr val="tx1">
-                    <a:lumMod val="65000"/>
-                    <a:lumOff val="35000"/>
-                  </a:schemeClr>
-                </a:solidFill>
-                <a:latin typeface="+mn-lt"/>
-                <a:ea typeface="+mn-ea"/>
-                <a:cs typeface="+mn-cs"/>
-              </a:defRPr>
-            </a:lvl7pPr>
-            <a:lvl8pPr marL="3429000" indent="-228600" algn="l" defTabSz="914400" rtl="0" eaLnBrk="1" latinLnBrk="0" hangingPunct="1">
-              <a:lnSpc>
-                <a:spcPct val="90000"/>
-              </a:lnSpc>
-              <a:spcBef>
-                <a:spcPts val="250"/>
-              </a:spcBef>
-              <a:spcAft>
-                <a:spcPts val="250"/>
-              </a:spcAft>
-              <a:buClr>
-                <a:schemeClr val="accent1"/>
-              </a:buClr>
-              <a:buFont typeface="Wingdings 2" pitchFamily="18" charset="2"/>
-              <a:buChar char=""/>
-              <a:defRPr sz="1400" kern="1200">
-                <a:solidFill>
-                  <a:schemeClr val="tx1">
-                    <a:lumMod val="65000"/>
-                    <a:lumOff val="35000"/>
-                  </a:schemeClr>
-                </a:solidFill>
-                <a:latin typeface="+mn-lt"/>
-                <a:ea typeface="+mn-ea"/>
-                <a:cs typeface="+mn-cs"/>
-              </a:defRPr>
-            </a:lvl8pPr>
-            <a:lvl9pPr marL="3886200" indent="-228600" algn="l" defTabSz="914400" rtl="0" eaLnBrk="1" latinLnBrk="0" hangingPunct="1">
-              <a:lnSpc>
-                <a:spcPct val="90000"/>
-              </a:lnSpc>
-              <a:spcBef>
-                <a:spcPts val="250"/>
-              </a:spcBef>
-              <a:spcAft>
-                <a:spcPts val="250"/>
-              </a:spcAft>
-              <a:buClr>
-                <a:schemeClr val="accent1"/>
-              </a:buClr>
-              <a:buFont typeface="Wingdings 2" pitchFamily="18" charset="2"/>
-              <a:buChar char=""/>
-              <a:defRPr sz="1400" kern="1200">
-                <a:solidFill>
-                  <a:schemeClr val="tx1">
-                    <a:lumMod val="65000"/>
-                    <a:lumOff val="35000"/>
-                  </a:schemeClr>
-                </a:solidFill>
-                <a:latin typeface="+mn-lt"/>
-                <a:ea typeface="+mn-ea"/>
-                <a:cs typeface="+mn-cs"/>
-              </a:defRPr>
-            </a:lvl9pPr>
-          </a:lstStyle>
-          <a:p>
-            <a:pPr marL="0" indent="0">
-              <a:buFont typeface="Wingdings 2" pitchFamily="18" charset="2"/>
-              <a:buNone/>
-            </a:pPr>
-            <a:r>
-              <a:rPr lang="nl-NL" sz="1600" dirty="0">
-                <a:solidFill>
-                  <a:srgbClr val="FF0000"/>
-                </a:solidFill>
-              </a:rPr>
-              <a:t>Status 1</a:t>
-            </a:r>
-            <a:r>
-              <a:rPr lang="nl-NL" sz="1600" dirty="0"/>
-              <a:t>: </a:t>
-            </a:r>
-          </a:p>
-          <a:p>
-            <a:pPr marL="0" indent="0">
-              <a:buFont typeface="Wingdings 2" pitchFamily="18" charset="2"/>
-              <a:buNone/>
-            </a:pPr>
-            <a:r>
-              <a:rPr lang="nl-NL" sz="1600" dirty="0">
-                <a:solidFill>
-                  <a:schemeClr val="bg1">
-                    <a:lumMod val="50000"/>
-                  </a:schemeClr>
-                </a:solidFill>
-              </a:rPr>
-              <a:t>Als button niet voor het eerst wordt ingedrukt:</a:t>
-            </a:r>
-          </a:p>
-          <a:p>
-            <a:pPr marL="0" indent="0">
-              <a:buFont typeface="Wingdings 2" pitchFamily="18" charset="2"/>
-              <a:buNone/>
-            </a:pPr>
-            <a:r>
-              <a:rPr lang="nl-NL" sz="1600" dirty="0">
-                <a:solidFill>
-                  <a:schemeClr val="bg1">
-                    <a:lumMod val="50000"/>
-                  </a:schemeClr>
-                </a:solidFill>
-              </a:rPr>
-              <a:t>zet dan naar status 0.</a:t>
-            </a:r>
-          </a:p>
-        </p:txBody>
-      </p:sp>
-      <p:sp>
-        <p:nvSpPr>
-          <p:cNvPr id="11" name="Content Placeholder 5">
-            <a:extLst>
-              <a:ext uri="{FF2B5EF4-FFF2-40B4-BE49-F238E27FC236}">
-                <a16:creationId xmlns:a16="http://schemas.microsoft.com/office/drawing/2014/main" id="{3ACBF07A-A529-4672-8C52-56F28154846C}"/>
-              </a:ext>
-            </a:extLst>
-          </p:cNvPr>
-          <p:cNvSpPr txBox="1">
-            <a:spLocks/>
-          </p:cNvSpPr>
-          <p:nvPr/>
-        </p:nvSpPr>
-        <p:spPr>
-          <a:xfrm>
-            <a:off x="6624377" y="5237916"/>
-            <a:ext cx="4939550" cy="1148171"/>
-          </a:xfrm>
-          <a:prstGeom prst="rect">
-            <a:avLst/>
-          </a:prstGeom>
-        </p:spPr>
-        <p:txBody>
-          <a:bodyPr vert="horz" lIns="91440" tIns="45720" rIns="91440" bIns="45720" rtlCol="0" anchor="t">
-            <a:normAutofit/>
-          </a:bodyPr>
-          <a:lstStyle>
-            <a:lvl1pPr marL="182880" indent="-182880" algn="l" defTabSz="914400" rtl="0" eaLnBrk="1" latinLnBrk="0" hangingPunct="1">
-              <a:lnSpc>
-                <a:spcPct val="90000"/>
-              </a:lnSpc>
-              <a:spcBef>
-                <a:spcPts val="1200"/>
-              </a:spcBef>
-              <a:buClr>
-                <a:schemeClr val="accent1"/>
-              </a:buClr>
-              <a:buFont typeface="Wingdings 2" pitchFamily="18" charset="2"/>
-              <a:buChar char=""/>
-              <a:defRPr sz="2000" kern="1200">
-                <a:solidFill>
-                  <a:schemeClr val="tx1">
-                    <a:lumMod val="65000"/>
-                    <a:lumOff val="35000"/>
-                  </a:schemeClr>
-                </a:solidFill>
-                <a:latin typeface="+mn-lt"/>
-                <a:ea typeface="+mn-ea"/>
-                <a:cs typeface="+mn-cs"/>
-              </a:defRPr>
-            </a:lvl1pPr>
-            <a:lvl2pPr marL="685800" indent="-182880" algn="l" defTabSz="914400" rtl="0" eaLnBrk="1" latinLnBrk="0" hangingPunct="1">
-              <a:lnSpc>
-                <a:spcPct val="90000"/>
-              </a:lnSpc>
-              <a:spcBef>
-                <a:spcPts val="250"/>
-              </a:spcBef>
-              <a:spcAft>
-                <a:spcPts val="250"/>
-              </a:spcAft>
-              <a:buClr>
-                <a:schemeClr val="accent1"/>
-              </a:buClr>
-              <a:buFont typeface="Wingdings 2" pitchFamily="18" charset="2"/>
-              <a:buChar char=""/>
-              <a:defRPr sz="1800" kern="1200">
-                <a:solidFill>
-                  <a:schemeClr val="tx1">
-                    <a:lumMod val="65000"/>
-                    <a:lumOff val="35000"/>
-                  </a:schemeClr>
-                </a:solidFill>
-                <a:latin typeface="+mn-lt"/>
-                <a:ea typeface="+mn-ea"/>
-                <a:cs typeface="+mn-cs"/>
-              </a:defRPr>
-            </a:lvl2pPr>
-            <a:lvl3pPr marL="1143000" indent="-182880" algn="l" defTabSz="914400" rtl="0" eaLnBrk="1" latinLnBrk="0" hangingPunct="1">
-              <a:lnSpc>
-                <a:spcPct val="90000"/>
-              </a:lnSpc>
-              <a:spcBef>
-                <a:spcPts val="250"/>
-              </a:spcBef>
-              <a:spcAft>
-                <a:spcPts val="250"/>
-              </a:spcAft>
-              <a:buClr>
-                <a:schemeClr val="accent1"/>
-              </a:buClr>
-              <a:buFont typeface="Wingdings 2" pitchFamily="18" charset="2"/>
-              <a:buChar char=""/>
-              <a:defRPr sz="1600" kern="1200">
-                <a:solidFill>
-                  <a:schemeClr val="tx1">
-                    <a:lumMod val="65000"/>
-                    <a:lumOff val="35000"/>
-                  </a:schemeClr>
-                </a:solidFill>
-                <a:latin typeface="+mn-lt"/>
-                <a:ea typeface="+mn-ea"/>
-                <a:cs typeface="+mn-cs"/>
-              </a:defRPr>
-            </a:lvl3pPr>
-            <a:lvl4pPr marL="1600200" indent="-182880" algn="l" defTabSz="914400" rtl="0" eaLnBrk="1" latinLnBrk="0" hangingPunct="1">
-              <a:lnSpc>
-                <a:spcPct val="90000"/>
-              </a:lnSpc>
-              <a:spcBef>
-                <a:spcPts val="250"/>
-              </a:spcBef>
-              <a:spcAft>
-                <a:spcPts val="250"/>
-              </a:spcAft>
-              <a:buClr>
-                <a:schemeClr val="accent1"/>
-              </a:buClr>
-              <a:buFont typeface="Wingdings 2" pitchFamily="18" charset="2"/>
-              <a:buChar char=""/>
-              <a:defRPr sz="1400" kern="1200">
-                <a:solidFill>
-                  <a:schemeClr val="tx1">
-                    <a:lumMod val="65000"/>
-                    <a:lumOff val="35000"/>
-                  </a:schemeClr>
-                </a:solidFill>
-                <a:latin typeface="+mn-lt"/>
-                <a:ea typeface="+mn-ea"/>
-                <a:cs typeface="+mn-cs"/>
-              </a:defRPr>
-            </a:lvl4pPr>
-            <a:lvl5pPr marL="2057400" indent="-182880" algn="l" defTabSz="914400" rtl="0" eaLnBrk="1" latinLnBrk="0" hangingPunct="1">
-              <a:lnSpc>
-                <a:spcPct val="90000"/>
-              </a:lnSpc>
-              <a:spcBef>
-                <a:spcPts val="250"/>
-              </a:spcBef>
-              <a:spcAft>
-                <a:spcPts val="250"/>
-              </a:spcAft>
-              <a:buClr>
-                <a:schemeClr val="accent1"/>
-              </a:buClr>
-              <a:buFont typeface="Wingdings 2" pitchFamily="18" charset="2"/>
-              <a:buChar char=""/>
-              <a:defRPr sz="1400" kern="1200">
-                <a:solidFill>
-                  <a:schemeClr val="tx1">
-                    <a:lumMod val="65000"/>
-                    <a:lumOff val="35000"/>
-                  </a:schemeClr>
-                </a:solidFill>
-                <a:latin typeface="+mn-lt"/>
-                <a:ea typeface="+mn-ea"/>
-                <a:cs typeface="+mn-cs"/>
-              </a:defRPr>
-            </a:lvl5pPr>
-            <a:lvl6pPr marL="2514600" indent="-228600" algn="l" defTabSz="914400" rtl="0" eaLnBrk="1" latinLnBrk="0" hangingPunct="1">
-              <a:lnSpc>
-                <a:spcPct val="90000"/>
-              </a:lnSpc>
-              <a:spcBef>
-                <a:spcPts val="250"/>
-              </a:spcBef>
-              <a:spcAft>
-                <a:spcPts val="250"/>
-              </a:spcAft>
-              <a:buClr>
-                <a:schemeClr val="accent1"/>
-              </a:buClr>
-              <a:buFont typeface="Wingdings 2" pitchFamily="18" charset="2"/>
-              <a:buChar char=""/>
-              <a:defRPr sz="1400" kern="1200">
-                <a:solidFill>
-                  <a:schemeClr val="tx1">
-                    <a:lumMod val="65000"/>
-                    <a:lumOff val="35000"/>
-                  </a:schemeClr>
-                </a:solidFill>
-                <a:latin typeface="+mn-lt"/>
-                <a:ea typeface="+mn-ea"/>
-                <a:cs typeface="+mn-cs"/>
-              </a:defRPr>
-            </a:lvl6pPr>
-            <a:lvl7pPr marL="2971800" indent="-228600" algn="l" defTabSz="914400" rtl="0" eaLnBrk="1" latinLnBrk="0" hangingPunct="1">
-              <a:lnSpc>
-                <a:spcPct val="90000"/>
-              </a:lnSpc>
-              <a:spcBef>
-                <a:spcPts val="250"/>
-              </a:spcBef>
-              <a:spcAft>
-                <a:spcPts val="250"/>
-              </a:spcAft>
-              <a:buClr>
-                <a:schemeClr val="accent1"/>
-              </a:buClr>
-              <a:buFont typeface="Wingdings 2" pitchFamily="18" charset="2"/>
-              <a:buChar char=""/>
-              <a:defRPr sz="1400" kern="1200">
-                <a:solidFill>
-                  <a:schemeClr val="tx1">
-                    <a:lumMod val="65000"/>
-                    <a:lumOff val="35000"/>
-                  </a:schemeClr>
-                </a:solidFill>
-                <a:latin typeface="+mn-lt"/>
-                <a:ea typeface="+mn-ea"/>
-                <a:cs typeface="+mn-cs"/>
-              </a:defRPr>
-            </a:lvl7pPr>
-            <a:lvl8pPr marL="3429000" indent="-228600" algn="l" defTabSz="914400" rtl="0" eaLnBrk="1" latinLnBrk="0" hangingPunct="1">
-              <a:lnSpc>
-                <a:spcPct val="90000"/>
-              </a:lnSpc>
-              <a:spcBef>
-                <a:spcPts val="250"/>
-              </a:spcBef>
-              <a:spcAft>
-                <a:spcPts val="250"/>
-              </a:spcAft>
-              <a:buClr>
-                <a:schemeClr val="accent1"/>
-              </a:buClr>
-              <a:buFont typeface="Wingdings 2" pitchFamily="18" charset="2"/>
-              <a:buChar char=""/>
-              <a:defRPr sz="1400" kern="1200">
-                <a:solidFill>
-                  <a:schemeClr val="tx1">
-                    <a:lumMod val="65000"/>
-                    <a:lumOff val="35000"/>
-                  </a:schemeClr>
-                </a:solidFill>
-                <a:latin typeface="+mn-lt"/>
-                <a:ea typeface="+mn-ea"/>
-                <a:cs typeface="+mn-cs"/>
-              </a:defRPr>
-            </a:lvl8pPr>
-            <a:lvl9pPr marL="3886200" indent="-228600" algn="l" defTabSz="914400" rtl="0" eaLnBrk="1" latinLnBrk="0" hangingPunct="1">
-              <a:lnSpc>
-                <a:spcPct val="90000"/>
-              </a:lnSpc>
-              <a:spcBef>
-                <a:spcPts val="250"/>
-              </a:spcBef>
-              <a:spcAft>
-                <a:spcPts val="250"/>
-              </a:spcAft>
-              <a:buClr>
-                <a:schemeClr val="accent1"/>
-              </a:buClr>
-              <a:buFont typeface="Wingdings 2" pitchFamily="18" charset="2"/>
-              <a:buChar char=""/>
-              <a:defRPr sz="1400" kern="1200">
-                <a:solidFill>
-                  <a:schemeClr val="tx1">
-                    <a:lumMod val="65000"/>
-                    <a:lumOff val="35000"/>
-                  </a:schemeClr>
-                </a:solidFill>
-                <a:latin typeface="+mn-lt"/>
-                <a:ea typeface="+mn-ea"/>
-                <a:cs typeface="+mn-cs"/>
-              </a:defRPr>
-            </a:lvl9pPr>
-          </a:lstStyle>
-          <a:p>
-            <a:pPr marL="0" indent="0">
-              <a:buFont typeface="Wingdings 2" pitchFamily="18" charset="2"/>
-              <a:buNone/>
-            </a:pPr>
-            <a:r>
-              <a:rPr lang="nl-NL" sz="1600" b="1" dirty="0"/>
-              <a:t>Als knop ingedrukt is, </a:t>
-            </a:r>
-          </a:p>
-          <a:p>
-            <a:pPr marL="0" indent="0">
-              <a:buFont typeface="Wingdings 2" pitchFamily="18" charset="2"/>
-              <a:buNone/>
-            </a:pPr>
-            <a:r>
-              <a:rPr lang="nl-NL" sz="1600" b="1" dirty="0"/>
-              <a:t>zet het lampje aan.</a:t>
-            </a:r>
-          </a:p>
-          <a:p>
-            <a:pPr marL="0" indent="0">
-              <a:buFont typeface="Wingdings 2" pitchFamily="18" charset="2"/>
-              <a:buNone/>
-            </a:pPr>
-            <a:r>
-              <a:rPr lang="nl-NL" sz="1600" b="1" dirty="0"/>
-              <a:t>Zet lampje uit na 100 ms.</a:t>
-            </a:r>
-          </a:p>
-        </p:txBody>
-      </p:sp>
-      <p:sp>
-        <p:nvSpPr>
-          <p:cNvPr id="3" name="Rectangle 2">
-            <a:extLst>
-              <a:ext uri="{FF2B5EF4-FFF2-40B4-BE49-F238E27FC236}">
-                <a16:creationId xmlns:a16="http://schemas.microsoft.com/office/drawing/2014/main" id="{B008F051-07E5-4224-A728-F787CC5E6A6A}"/>
+                <a16:creationId xmlns:a16="http://schemas.microsoft.com/office/drawing/2014/main" id="{FEAC8197-6F67-494B-8400-E12BE5D20026}"/>
               </a:ext>
             </a:extLst>
           </p:cNvPr>
@@ -7575,16 +7250,18 @@
         </p:nvSpPr>
         <p:spPr>
           <a:xfrm>
-            <a:off x="5488619" y="1648226"/>
-            <a:ext cx="310718" cy="187940"/>
+            <a:off x="9507984" y="1056443"/>
+            <a:ext cx="727969" cy="346229"/>
           </a:xfrm>
           <a:prstGeom prst="rect">
             <a:avLst/>
           </a:prstGeom>
-          <a:noFill/>
+          <a:solidFill>
+            <a:schemeClr val="bg1"/>
+          </a:solidFill>
           <a:ln>
             <a:solidFill>
-              <a:srgbClr val="FF0000"/>
+              <a:schemeClr val="bg1"/>
             </a:solidFill>
           </a:ln>
         </p:spPr>
@@ -7613,326 +7290,133 @@
           </a:p>
         </p:txBody>
       </p:sp>
-      <p:sp>
-        <p:nvSpPr>
-          <p:cNvPr id="5" name="Rectangle 4">
+      <p:pic>
+        <p:nvPicPr>
+          <p:cNvPr id="14" name="Picture 13" descr="A screenshot of a cell phone&#10;&#10;Description automatically generated">
             <a:extLst>
               <a:ext uri="{FF2B5EF4-FFF2-40B4-BE49-F238E27FC236}">
-                <a16:creationId xmlns:a16="http://schemas.microsoft.com/office/drawing/2014/main" id="{0CCC9F6B-CDC4-4C65-A579-9F76ED38B8FE}"/>
+                <a16:creationId xmlns:a16="http://schemas.microsoft.com/office/drawing/2014/main" id="{E2096850-A477-4A75-BA16-49952DECFA04}"/>
               </a:ext>
             </a:extLst>
           </p:cNvPr>
-          <p:cNvSpPr/>
+          <p:cNvPicPr>
+            <a:picLocks noChangeAspect="1"/>
+          </p:cNvPicPr>
           <p:nvPr/>
-        </p:nvSpPr>
+        </p:nvPicPr>
+        <p:blipFill>
+          <a:blip r:embed="rId2"/>
+          <a:stretch>
+            <a:fillRect/>
+          </a:stretch>
+        </p:blipFill>
         <p:spPr>
           <a:xfrm>
-            <a:off x="4891596" y="3197470"/>
-            <a:ext cx="1544715" cy="122779"/>
+            <a:off x="7870968" y="1945532"/>
+            <a:ext cx="2865512" cy="2458479"/>
           </a:xfrm>
           <a:prstGeom prst="rect">
             <a:avLst/>
           </a:prstGeom>
-          <a:noFill/>
-          <a:ln>
-            <a:solidFill>
-              <a:srgbClr val="FF0000"/>
-            </a:solidFill>
-          </a:ln>
-        </p:spPr>
-        <p:style>
-          <a:lnRef idx="2">
-            <a:schemeClr val="accent1">
-              <a:shade val="50000"/>
-            </a:schemeClr>
-          </a:lnRef>
-          <a:fillRef idx="1">
-            <a:schemeClr val="accent1"/>
-          </a:fillRef>
-          <a:effectRef idx="0">
-            <a:schemeClr val="accent1"/>
-          </a:effectRef>
-          <a:fontRef idx="minor">
-            <a:schemeClr val="lt1"/>
-          </a:fontRef>
-        </p:style>
-        <p:txBody>
-          <a:bodyPr rtlCol="0" anchor="ctr"/>
-          <a:lstStyle/>
-          <a:p>
-            <a:pPr algn="ctr"/>
-            <a:endParaRPr lang="nl-NL"/>
-          </a:p>
-        </p:txBody>
-      </p:sp>
-      <p:sp>
-        <p:nvSpPr>
-          <p:cNvPr id="13" name="Rectangle 12">
+        </p:spPr>
+      </p:pic>
+      <p:pic>
+        <p:nvPicPr>
+          <p:cNvPr id="8" name="Picture 7">
             <a:extLst>
               <a:ext uri="{FF2B5EF4-FFF2-40B4-BE49-F238E27FC236}">
-                <a16:creationId xmlns:a16="http://schemas.microsoft.com/office/drawing/2014/main" id="{96097CF5-B2B7-4F09-947F-6942BB86068E}"/>
+                <a16:creationId xmlns:a16="http://schemas.microsoft.com/office/drawing/2014/main" id="{0418EAAD-F0BD-4075-900A-2733A986B9F4}"/>
               </a:ext>
             </a:extLst>
           </p:cNvPr>
-          <p:cNvSpPr/>
+          <p:cNvPicPr>
+            <a:picLocks noChangeAspect="1"/>
+          </p:cNvPicPr>
           <p:nvPr/>
-        </p:nvSpPr>
+        </p:nvPicPr>
+        <p:blipFill>
+          <a:blip r:embed="rId3"/>
+          <a:stretch>
+            <a:fillRect/>
+          </a:stretch>
+        </p:blipFill>
         <p:spPr>
           <a:xfrm>
-            <a:off x="4774575" y="4211003"/>
-            <a:ext cx="1581837" cy="122779"/>
+            <a:off x="4294290" y="744602"/>
+            <a:ext cx="5348301" cy="2076226"/>
           </a:xfrm>
           <a:prstGeom prst="rect">
             <a:avLst/>
           </a:prstGeom>
-          <a:noFill/>
-          <a:ln>
-            <a:solidFill>
-              <a:srgbClr val="FF0000"/>
-            </a:solidFill>
-          </a:ln>
-        </p:spPr>
-        <p:style>
-          <a:lnRef idx="2">
-            <a:schemeClr val="accent1">
-              <a:shade val="50000"/>
-            </a:schemeClr>
-          </a:lnRef>
-          <a:fillRef idx="1">
-            <a:schemeClr val="accent1"/>
-          </a:fillRef>
-          <a:effectRef idx="0">
-            <a:schemeClr val="accent1"/>
-          </a:effectRef>
-          <a:fontRef idx="minor">
-            <a:schemeClr val="lt1"/>
-          </a:fontRef>
-        </p:style>
-        <p:txBody>
-          <a:bodyPr rtlCol="0" anchor="ctr"/>
-          <a:lstStyle/>
-          <a:p>
-            <a:pPr algn="ctr"/>
-            <a:endParaRPr lang="nl-NL"/>
-          </a:p>
-        </p:txBody>
-      </p:sp>
-      <p:sp>
-        <p:nvSpPr>
-          <p:cNvPr id="14" name="Rectangle 13">
+        </p:spPr>
+      </p:pic>
+      <p:sp>
+        <p:nvSpPr>
+          <p:cNvPr id="15" name="Content Placeholder 2">
             <a:extLst>
               <a:ext uri="{FF2B5EF4-FFF2-40B4-BE49-F238E27FC236}">
-                <a16:creationId xmlns:a16="http://schemas.microsoft.com/office/drawing/2014/main" id="{9A6CA345-A557-4B00-8E81-CDA6AED758F2}"/>
+                <a16:creationId xmlns:a16="http://schemas.microsoft.com/office/drawing/2014/main" id="{3C1E6836-8D06-46D2-B9C3-CFF1CFE8DF83}"/>
               </a:ext>
             </a:extLst>
           </p:cNvPr>
-          <p:cNvSpPr/>
+          <p:cNvSpPr>
+            <a:spLocks noGrp="1"/>
+          </p:cNvSpPr>
+          <p:nvPr>
+            <p:ph idx="1"/>
+          </p:nvPr>
+        </p:nvSpPr>
+        <p:spPr>
+          <a:xfrm>
+            <a:off x="8089818" y="4364504"/>
+            <a:ext cx="4292270" cy="1164733"/>
+          </a:xfrm>
+        </p:spPr>
+        <p:txBody>
+          <a:bodyPr/>
+          <a:lstStyle/>
+          <a:p>
+            <a:r>
+              <a:rPr lang="nl-NL" dirty="0"/>
+              <a:t>Arduino UNO i.p.v. Diecimila</a:t>
+            </a:r>
+          </a:p>
+        </p:txBody>
+      </p:sp>
+      <p:pic>
+        <p:nvPicPr>
+          <p:cNvPr id="18" name="Picture 17" descr="A close up of a device&#10;&#10;Description automatically generated">
+            <a:extLst>
+              <a:ext uri="{FF2B5EF4-FFF2-40B4-BE49-F238E27FC236}">
+                <a16:creationId xmlns:a16="http://schemas.microsoft.com/office/drawing/2014/main" id="{EAC12F82-75E5-4993-B7F4-D069AB5D22DA}"/>
+              </a:ext>
+            </a:extLst>
+          </p:cNvPr>
+          <p:cNvPicPr>
+            <a:picLocks noChangeAspect="1"/>
+          </p:cNvPicPr>
           <p:nvPr/>
-        </p:nvSpPr>
+        </p:nvPicPr>
+        <p:blipFill>
+          <a:blip r:embed="rId4"/>
+          <a:stretch>
+            <a:fillRect/>
+          </a:stretch>
+        </p:blipFill>
         <p:spPr>
           <a:xfrm>
-            <a:off x="4474346" y="5370990"/>
-            <a:ext cx="1225118" cy="122779"/>
+            <a:off x="4375652" y="3321779"/>
+            <a:ext cx="3413955" cy="2560465"/>
           </a:xfrm>
           <a:prstGeom prst="rect">
             <a:avLst/>
           </a:prstGeom>
-          <a:noFill/>
-          <a:ln>
-            <a:solidFill>
-              <a:srgbClr val="FF0000"/>
-            </a:solidFill>
-          </a:ln>
-        </p:spPr>
-        <p:style>
-          <a:lnRef idx="2">
-            <a:schemeClr val="accent1">
-              <a:shade val="50000"/>
-            </a:schemeClr>
-          </a:lnRef>
-          <a:fillRef idx="1">
-            <a:schemeClr val="accent1"/>
-          </a:fillRef>
-          <a:effectRef idx="0">
-            <a:schemeClr val="accent1"/>
-          </a:effectRef>
-          <a:fontRef idx="minor">
-            <a:schemeClr val="lt1"/>
-          </a:fontRef>
-        </p:style>
-        <p:txBody>
-          <a:bodyPr rtlCol="0" anchor="ctr"/>
-          <a:lstStyle/>
-          <a:p>
-            <a:pPr algn="ctr"/>
-            <a:endParaRPr lang="nl-NL"/>
-          </a:p>
-        </p:txBody>
-      </p:sp>
-      <p:sp>
-        <p:nvSpPr>
-          <p:cNvPr id="16" name="Rectangle 15">
-            <a:extLst>
-              <a:ext uri="{FF2B5EF4-FFF2-40B4-BE49-F238E27FC236}">
-                <a16:creationId xmlns:a16="http://schemas.microsoft.com/office/drawing/2014/main" id="{DF26FE1D-2473-42F6-8F9F-05938E9D62FD}"/>
-              </a:ext>
-            </a:extLst>
-          </p:cNvPr>
-          <p:cNvSpPr/>
-          <p:nvPr/>
-        </p:nvSpPr>
-        <p:spPr>
-          <a:xfrm>
-            <a:off x="4705165" y="825623"/>
-            <a:ext cx="1094172" cy="187940"/>
-          </a:xfrm>
-          <a:prstGeom prst="rect">
-            <a:avLst/>
-          </a:prstGeom>
-          <a:noFill/>
-          <a:ln>
-            <a:solidFill>
-              <a:srgbClr val="FF0000"/>
-            </a:solidFill>
-          </a:ln>
-        </p:spPr>
-        <p:style>
-          <a:lnRef idx="2">
-            <a:schemeClr val="accent1">
-              <a:shade val="50000"/>
-            </a:schemeClr>
-          </a:lnRef>
-          <a:fillRef idx="1">
-            <a:schemeClr val="accent1"/>
-          </a:fillRef>
-          <a:effectRef idx="0">
-            <a:schemeClr val="accent1"/>
-          </a:effectRef>
-          <a:fontRef idx="minor">
-            <a:schemeClr val="lt1"/>
-          </a:fontRef>
-        </p:style>
-        <p:txBody>
-          <a:bodyPr rtlCol="0" anchor="ctr"/>
-          <a:lstStyle/>
-          <a:p>
-            <a:pPr algn="ctr"/>
-            <a:endParaRPr lang="nl-NL"/>
-          </a:p>
-        </p:txBody>
-      </p:sp>
-      <p:sp>
-        <p:nvSpPr>
-          <p:cNvPr id="17" name="Rectangle 16">
-            <a:extLst>
-              <a:ext uri="{FF2B5EF4-FFF2-40B4-BE49-F238E27FC236}">
-                <a16:creationId xmlns:a16="http://schemas.microsoft.com/office/drawing/2014/main" id="{8AB2E133-96B6-4DCA-94F7-5AECAADB4028}"/>
-              </a:ext>
-            </a:extLst>
-          </p:cNvPr>
-          <p:cNvSpPr/>
-          <p:nvPr/>
-        </p:nvSpPr>
-        <p:spPr>
-          <a:xfrm>
-            <a:off x="6421450" y="5965794"/>
-            <a:ext cx="71021" cy="239697"/>
-          </a:xfrm>
-          <a:prstGeom prst="rect">
-            <a:avLst/>
-          </a:prstGeom>
-          <a:solidFill>
-            <a:schemeClr val="bg1"/>
-          </a:solidFill>
-          <a:ln>
-            <a:solidFill>
-              <a:schemeClr val="bg1"/>
-            </a:solidFill>
-          </a:ln>
-        </p:spPr>
-        <p:style>
-          <a:lnRef idx="2">
-            <a:schemeClr val="accent1">
-              <a:shade val="50000"/>
-            </a:schemeClr>
-          </a:lnRef>
-          <a:fillRef idx="1">
-            <a:schemeClr val="accent1"/>
-          </a:fillRef>
-          <a:effectRef idx="0">
-            <a:schemeClr val="accent1"/>
-          </a:effectRef>
-          <a:fontRef idx="minor">
-            <a:schemeClr val="lt1"/>
-          </a:fontRef>
-        </p:style>
-        <p:txBody>
-          <a:bodyPr rtlCol="0" anchor="ctr"/>
-          <a:lstStyle/>
-          <a:p>
-            <a:pPr algn="ctr"/>
-            <a:endParaRPr lang="nl-NL"/>
-          </a:p>
-        </p:txBody>
-      </p:sp>
-      <p:sp>
-        <p:nvSpPr>
-          <p:cNvPr id="18" name="Rectangle 17">
-            <a:extLst>
-              <a:ext uri="{FF2B5EF4-FFF2-40B4-BE49-F238E27FC236}">
-                <a16:creationId xmlns:a16="http://schemas.microsoft.com/office/drawing/2014/main" id="{4C330A5D-F449-4F47-982B-B65354A25C2B}"/>
-              </a:ext>
-            </a:extLst>
-          </p:cNvPr>
-          <p:cNvSpPr/>
-          <p:nvPr/>
-        </p:nvSpPr>
-        <p:spPr>
-          <a:xfrm>
-            <a:off x="4142634" y="6348890"/>
-            <a:ext cx="2493711" cy="45719"/>
-          </a:xfrm>
-          <a:prstGeom prst="rect">
-            <a:avLst/>
-          </a:prstGeom>
-          <a:solidFill>
-            <a:schemeClr val="bg1"/>
-          </a:solidFill>
-          <a:ln>
-            <a:solidFill>
-              <a:schemeClr val="bg1"/>
-            </a:solidFill>
-          </a:ln>
-        </p:spPr>
-        <p:style>
-          <a:lnRef idx="2">
-            <a:schemeClr val="accent1">
-              <a:shade val="50000"/>
-            </a:schemeClr>
-          </a:lnRef>
-          <a:fillRef idx="1">
-            <a:schemeClr val="accent1"/>
-          </a:fillRef>
-          <a:effectRef idx="0">
-            <a:schemeClr val="accent1"/>
-          </a:effectRef>
-          <a:fontRef idx="minor">
-            <a:schemeClr val="lt1"/>
-          </a:fontRef>
-        </p:style>
-        <p:txBody>
-          <a:bodyPr rtlCol="0" anchor="ctr"/>
-          <a:lstStyle/>
-          <a:p>
-            <a:pPr algn="ctr"/>
-            <a:endParaRPr lang="nl-NL"/>
-          </a:p>
-        </p:txBody>
-      </p:sp>
+        </p:spPr>
+      </p:pic>
     </p:spTree>
     <p:extLst>
       <p:ext uri="{BB962C8B-B14F-4D97-AF65-F5344CB8AC3E}">
-        <p14:creationId xmlns:p14="http://schemas.microsoft.com/office/powerpoint/2010/main" val="150588208"/>
+        <p14:creationId xmlns:p14="http://schemas.microsoft.com/office/powerpoint/2010/main" val="2553282442"/>
       </p:ext>
     </p:extLst>
   </p:cSld>
@@ -7964,7 +7448,7 @@
           <p:cNvPr id="2" name="Title 1">
             <a:extLst>
               <a:ext uri="{FF2B5EF4-FFF2-40B4-BE49-F238E27FC236}">
-                <a16:creationId xmlns:a16="http://schemas.microsoft.com/office/drawing/2014/main" id="{8ADE6CF3-FDC3-4F9D-B5CD-DFE8CEBD2ACF}"/>
+                <a16:creationId xmlns:a16="http://schemas.microsoft.com/office/drawing/2014/main" id="{1DE0350A-3669-4091-A34E-DA4DD8967814}"/>
               </a:ext>
             </a:extLst>
           </p:cNvPr>
@@ -7982,38 +7466,8 @@
           <a:p>
             <a:r>
               <a:rPr lang="nl-NL" dirty="0"/>
-              <a:t>SerialPort code</a:t>
-            </a:r>
-          </a:p>
-        </p:txBody>
-      </p:sp>
-      <p:sp>
-        <p:nvSpPr>
-          <p:cNvPr id="3" name="Content Placeholder 2">
-            <a:extLst>
-              <a:ext uri="{FF2B5EF4-FFF2-40B4-BE49-F238E27FC236}">
-                <a16:creationId xmlns:a16="http://schemas.microsoft.com/office/drawing/2014/main" id="{2075A38D-FB72-422A-96E3-ED5FBB5A1A1C}"/>
-              </a:ext>
-            </a:extLst>
-          </p:cNvPr>
-          <p:cNvSpPr>
-            <a:spLocks noGrp="1"/>
-          </p:cNvSpPr>
-          <p:nvPr>
-            <p:ph idx="1"/>
-          </p:nvPr>
-        </p:nvSpPr>
-        <p:spPr>
-          <a:xfrm>
-            <a:off x="3869268" y="3941684"/>
-            <a:ext cx="7315200" cy="2043063"/>
-          </a:xfrm>
-        </p:spPr>
-        <p:txBody>
-          <a:bodyPr/>
-          <a:lstStyle/>
-          <a:p>
-            <a:endParaRPr lang="nl-NL" dirty="0"/>
+              <a:t>Arduino code (lamp test)</a:t>
+            </a:r>
           </a:p>
         </p:txBody>
       </p:sp>
@@ -8022,7 +7476,7 @@
           <p:cNvPr id="4" name="Picture 3">
             <a:extLst>
               <a:ext uri="{FF2B5EF4-FFF2-40B4-BE49-F238E27FC236}">
-                <a16:creationId xmlns:a16="http://schemas.microsoft.com/office/drawing/2014/main" id="{75A2051C-7B1E-4B84-8300-C171AE6C9DD0}"/>
+                <a16:creationId xmlns:a16="http://schemas.microsoft.com/office/drawing/2014/main" id="{EFB1836A-8355-49C7-9697-EA50DBD761B3}"/>
               </a:ext>
             </a:extLst>
           </p:cNvPr>
@@ -8039,78 +7493,1701 @@
         </p:blipFill>
         <p:spPr>
           <a:xfrm>
-            <a:off x="3869268" y="1866217"/>
-            <a:ext cx="4079206" cy="1144891"/>
+            <a:off x="4142634" y="480435"/>
+            <a:ext cx="2481743" cy="5897130"/>
           </a:xfrm>
           <a:prstGeom prst="rect">
             <a:avLst/>
           </a:prstGeom>
         </p:spPr>
       </p:pic>
-      <p:pic>
-        <p:nvPicPr>
-          <p:cNvPr id="5" name="Picture 4">
+      <p:sp>
+        <p:nvSpPr>
+          <p:cNvPr id="6" name="Content Placeholder 5">
             <a:extLst>
               <a:ext uri="{FF2B5EF4-FFF2-40B4-BE49-F238E27FC236}">
-                <a16:creationId xmlns:a16="http://schemas.microsoft.com/office/drawing/2014/main" id="{08F2B1A6-9944-40B3-8285-F8F9507A0765}"/>
+                <a16:creationId xmlns:a16="http://schemas.microsoft.com/office/drawing/2014/main" id="{714B8BD0-C73E-4488-963D-9975237E9B01}"/>
               </a:ext>
             </a:extLst>
           </p:cNvPr>
-          <p:cNvPicPr>
-            <a:picLocks noChangeAspect="1"/>
-          </p:cNvPicPr>
+          <p:cNvSpPr>
+            <a:spLocks noGrp="1"/>
+          </p:cNvSpPr>
+          <p:nvPr>
+            <p:ph idx="1"/>
+          </p:nvPr>
+        </p:nvSpPr>
+        <p:spPr>
+          <a:xfrm>
+            <a:off x="6636345" y="659619"/>
+            <a:ext cx="4939550" cy="544801"/>
+          </a:xfrm>
+        </p:spPr>
+        <p:txBody>
+          <a:bodyPr anchor="t">
+            <a:normAutofit/>
+          </a:bodyPr>
+          <a:lstStyle/>
+          <a:p>
+            <a:pPr marL="0" indent="0">
+              <a:buNone/>
+            </a:pPr>
+            <a:r>
+              <a:rPr lang="nl-NL" sz="1600" b="1" dirty="0"/>
+              <a:t>9600 bits/sec &amp; output = pin met ledlampje</a:t>
+            </a:r>
+          </a:p>
+          <a:p>
+            <a:pPr marL="0" indent="0">
+              <a:buNone/>
+            </a:pPr>
+            <a:endParaRPr lang="nl-NL" sz="1600" b="1" dirty="0"/>
+          </a:p>
+          <a:p>
+            <a:pPr marL="0" indent="0">
+              <a:buNone/>
+            </a:pPr>
+            <a:endParaRPr lang="nl-NL" sz="1600" dirty="0"/>
+          </a:p>
+          <a:p>
+            <a:pPr marL="0" indent="0">
+              <a:buNone/>
+            </a:pPr>
+            <a:endParaRPr lang="nl-NL" sz="1600" dirty="0"/>
+          </a:p>
+          <a:p>
+            <a:pPr marL="0" indent="0">
+              <a:buNone/>
+            </a:pPr>
+            <a:endParaRPr lang="nl-NL" sz="1600" dirty="0"/>
+          </a:p>
+        </p:txBody>
+      </p:sp>
+      <p:sp>
+        <p:nvSpPr>
+          <p:cNvPr id="7" name="Content Placeholder 5">
+            <a:extLst>
+              <a:ext uri="{FF2B5EF4-FFF2-40B4-BE49-F238E27FC236}">
+                <a16:creationId xmlns:a16="http://schemas.microsoft.com/office/drawing/2014/main" id="{DFDE09EB-7528-4EDA-83F8-67ADA480D4E9}"/>
+              </a:ext>
+            </a:extLst>
+          </p:cNvPr>
+          <p:cNvSpPr txBox="1">
+            <a:spLocks/>
+          </p:cNvSpPr>
           <p:nvPr/>
-        </p:nvPicPr>
-        <p:blipFill>
-          <a:blip r:embed="rId3"/>
-          <a:stretch>
-            <a:fillRect/>
-          </a:stretch>
-        </p:blipFill>
+        </p:nvSpPr>
         <p:spPr>
           <a:xfrm>
-            <a:off x="3869268" y="1436004"/>
-            <a:ext cx="2000250" cy="228600"/>
+            <a:off x="6636345" y="1495391"/>
+            <a:ext cx="4939550" cy="1070478"/>
           </a:xfrm>
           <a:prstGeom prst="rect">
             <a:avLst/>
           </a:prstGeom>
         </p:spPr>
-      </p:pic>
-      <p:pic>
-        <p:nvPicPr>
-          <p:cNvPr id="6" name="Picture 5">
+        <p:txBody>
+          <a:bodyPr vert="horz" lIns="91440" tIns="45720" rIns="91440" bIns="45720" rtlCol="0" anchor="t">
+            <a:normAutofit/>
+          </a:bodyPr>
+          <a:lstStyle>
+            <a:lvl1pPr marL="182880" indent="-182880" algn="l" defTabSz="914400" rtl="0" eaLnBrk="1" latinLnBrk="0" hangingPunct="1">
+              <a:lnSpc>
+                <a:spcPct val="90000"/>
+              </a:lnSpc>
+              <a:spcBef>
+                <a:spcPts val="1200"/>
+              </a:spcBef>
+              <a:buClr>
+                <a:schemeClr val="accent1"/>
+              </a:buClr>
+              <a:buFont typeface="Wingdings 2" pitchFamily="18" charset="2"/>
+              <a:buChar char=""/>
+              <a:defRPr sz="2000" kern="1200">
+                <a:solidFill>
+                  <a:schemeClr val="tx1">
+                    <a:lumMod val="65000"/>
+                    <a:lumOff val="35000"/>
+                  </a:schemeClr>
+                </a:solidFill>
+                <a:latin typeface="+mn-lt"/>
+                <a:ea typeface="+mn-ea"/>
+                <a:cs typeface="+mn-cs"/>
+              </a:defRPr>
+            </a:lvl1pPr>
+            <a:lvl2pPr marL="685800" indent="-182880" algn="l" defTabSz="914400" rtl="0" eaLnBrk="1" latinLnBrk="0" hangingPunct="1">
+              <a:lnSpc>
+                <a:spcPct val="90000"/>
+              </a:lnSpc>
+              <a:spcBef>
+                <a:spcPts val="250"/>
+              </a:spcBef>
+              <a:spcAft>
+                <a:spcPts val="250"/>
+              </a:spcAft>
+              <a:buClr>
+                <a:schemeClr val="accent1"/>
+              </a:buClr>
+              <a:buFont typeface="Wingdings 2" pitchFamily="18" charset="2"/>
+              <a:buChar char=""/>
+              <a:defRPr sz="1800" kern="1200">
+                <a:solidFill>
+                  <a:schemeClr val="tx1">
+                    <a:lumMod val="65000"/>
+                    <a:lumOff val="35000"/>
+                  </a:schemeClr>
+                </a:solidFill>
+                <a:latin typeface="+mn-lt"/>
+                <a:ea typeface="+mn-ea"/>
+                <a:cs typeface="+mn-cs"/>
+              </a:defRPr>
+            </a:lvl2pPr>
+            <a:lvl3pPr marL="1143000" indent="-182880" algn="l" defTabSz="914400" rtl="0" eaLnBrk="1" latinLnBrk="0" hangingPunct="1">
+              <a:lnSpc>
+                <a:spcPct val="90000"/>
+              </a:lnSpc>
+              <a:spcBef>
+                <a:spcPts val="250"/>
+              </a:spcBef>
+              <a:spcAft>
+                <a:spcPts val="250"/>
+              </a:spcAft>
+              <a:buClr>
+                <a:schemeClr val="accent1"/>
+              </a:buClr>
+              <a:buFont typeface="Wingdings 2" pitchFamily="18" charset="2"/>
+              <a:buChar char=""/>
+              <a:defRPr sz="1600" kern="1200">
+                <a:solidFill>
+                  <a:schemeClr val="tx1">
+                    <a:lumMod val="65000"/>
+                    <a:lumOff val="35000"/>
+                  </a:schemeClr>
+                </a:solidFill>
+                <a:latin typeface="+mn-lt"/>
+                <a:ea typeface="+mn-ea"/>
+                <a:cs typeface="+mn-cs"/>
+              </a:defRPr>
+            </a:lvl3pPr>
+            <a:lvl4pPr marL="1600200" indent="-182880" algn="l" defTabSz="914400" rtl="0" eaLnBrk="1" latinLnBrk="0" hangingPunct="1">
+              <a:lnSpc>
+                <a:spcPct val="90000"/>
+              </a:lnSpc>
+              <a:spcBef>
+                <a:spcPts val="250"/>
+              </a:spcBef>
+              <a:spcAft>
+                <a:spcPts val="250"/>
+              </a:spcAft>
+              <a:buClr>
+                <a:schemeClr val="accent1"/>
+              </a:buClr>
+              <a:buFont typeface="Wingdings 2" pitchFamily="18" charset="2"/>
+              <a:buChar char=""/>
+              <a:defRPr sz="1400" kern="1200">
+                <a:solidFill>
+                  <a:schemeClr val="tx1">
+                    <a:lumMod val="65000"/>
+                    <a:lumOff val="35000"/>
+                  </a:schemeClr>
+                </a:solidFill>
+                <a:latin typeface="+mn-lt"/>
+                <a:ea typeface="+mn-ea"/>
+                <a:cs typeface="+mn-cs"/>
+              </a:defRPr>
+            </a:lvl4pPr>
+            <a:lvl5pPr marL="2057400" indent="-182880" algn="l" defTabSz="914400" rtl="0" eaLnBrk="1" latinLnBrk="0" hangingPunct="1">
+              <a:lnSpc>
+                <a:spcPct val="90000"/>
+              </a:lnSpc>
+              <a:spcBef>
+                <a:spcPts val="250"/>
+              </a:spcBef>
+              <a:spcAft>
+                <a:spcPts val="250"/>
+              </a:spcAft>
+              <a:buClr>
+                <a:schemeClr val="accent1"/>
+              </a:buClr>
+              <a:buFont typeface="Wingdings 2" pitchFamily="18" charset="2"/>
+              <a:buChar char=""/>
+              <a:defRPr sz="1400" kern="1200">
+                <a:solidFill>
+                  <a:schemeClr val="tx1">
+                    <a:lumMod val="65000"/>
+                    <a:lumOff val="35000"/>
+                  </a:schemeClr>
+                </a:solidFill>
+                <a:latin typeface="+mn-lt"/>
+                <a:ea typeface="+mn-ea"/>
+                <a:cs typeface="+mn-cs"/>
+              </a:defRPr>
+            </a:lvl5pPr>
+            <a:lvl6pPr marL="2514600" indent="-228600" algn="l" defTabSz="914400" rtl="0" eaLnBrk="1" latinLnBrk="0" hangingPunct="1">
+              <a:lnSpc>
+                <a:spcPct val="90000"/>
+              </a:lnSpc>
+              <a:spcBef>
+                <a:spcPts val="250"/>
+              </a:spcBef>
+              <a:spcAft>
+                <a:spcPts val="250"/>
+              </a:spcAft>
+              <a:buClr>
+                <a:schemeClr val="accent1"/>
+              </a:buClr>
+              <a:buFont typeface="Wingdings 2" pitchFamily="18" charset="2"/>
+              <a:buChar char=""/>
+              <a:defRPr sz="1400" kern="1200">
+                <a:solidFill>
+                  <a:schemeClr val="tx1">
+                    <a:lumMod val="65000"/>
+                    <a:lumOff val="35000"/>
+                  </a:schemeClr>
+                </a:solidFill>
+                <a:latin typeface="+mn-lt"/>
+                <a:ea typeface="+mn-ea"/>
+                <a:cs typeface="+mn-cs"/>
+              </a:defRPr>
+            </a:lvl6pPr>
+            <a:lvl7pPr marL="2971800" indent="-228600" algn="l" defTabSz="914400" rtl="0" eaLnBrk="1" latinLnBrk="0" hangingPunct="1">
+              <a:lnSpc>
+                <a:spcPct val="90000"/>
+              </a:lnSpc>
+              <a:spcBef>
+                <a:spcPts val="250"/>
+              </a:spcBef>
+              <a:spcAft>
+                <a:spcPts val="250"/>
+              </a:spcAft>
+              <a:buClr>
+                <a:schemeClr val="accent1"/>
+              </a:buClr>
+              <a:buFont typeface="Wingdings 2" pitchFamily="18" charset="2"/>
+              <a:buChar char=""/>
+              <a:defRPr sz="1400" kern="1200">
+                <a:solidFill>
+                  <a:schemeClr val="tx1">
+                    <a:lumMod val="65000"/>
+                    <a:lumOff val="35000"/>
+                  </a:schemeClr>
+                </a:solidFill>
+                <a:latin typeface="+mn-lt"/>
+                <a:ea typeface="+mn-ea"/>
+                <a:cs typeface="+mn-cs"/>
+              </a:defRPr>
+            </a:lvl7pPr>
+            <a:lvl8pPr marL="3429000" indent="-228600" algn="l" defTabSz="914400" rtl="0" eaLnBrk="1" latinLnBrk="0" hangingPunct="1">
+              <a:lnSpc>
+                <a:spcPct val="90000"/>
+              </a:lnSpc>
+              <a:spcBef>
+                <a:spcPts val="250"/>
+              </a:spcBef>
+              <a:spcAft>
+                <a:spcPts val="250"/>
+              </a:spcAft>
+              <a:buClr>
+                <a:schemeClr val="accent1"/>
+              </a:buClr>
+              <a:buFont typeface="Wingdings 2" pitchFamily="18" charset="2"/>
+              <a:buChar char=""/>
+              <a:defRPr sz="1400" kern="1200">
+                <a:solidFill>
+                  <a:schemeClr val="tx1">
+                    <a:lumMod val="65000"/>
+                    <a:lumOff val="35000"/>
+                  </a:schemeClr>
+                </a:solidFill>
+                <a:latin typeface="+mn-lt"/>
+                <a:ea typeface="+mn-ea"/>
+                <a:cs typeface="+mn-cs"/>
+              </a:defRPr>
+            </a:lvl8pPr>
+            <a:lvl9pPr marL="3886200" indent="-228600" algn="l" defTabSz="914400" rtl="0" eaLnBrk="1" latinLnBrk="0" hangingPunct="1">
+              <a:lnSpc>
+                <a:spcPct val="90000"/>
+              </a:lnSpc>
+              <a:spcBef>
+                <a:spcPts val="250"/>
+              </a:spcBef>
+              <a:spcAft>
+                <a:spcPts val="250"/>
+              </a:spcAft>
+              <a:buClr>
+                <a:schemeClr val="accent1"/>
+              </a:buClr>
+              <a:buFont typeface="Wingdings 2" pitchFamily="18" charset="2"/>
+              <a:buChar char=""/>
+              <a:defRPr sz="1400" kern="1200">
+                <a:solidFill>
+                  <a:schemeClr val="tx1">
+                    <a:lumMod val="65000"/>
+                    <a:lumOff val="35000"/>
+                  </a:schemeClr>
+                </a:solidFill>
+                <a:latin typeface="+mn-lt"/>
+                <a:ea typeface="+mn-ea"/>
+                <a:cs typeface="+mn-cs"/>
+              </a:defRPr>
+            </a:lvl9pPr>
+          </a:lstStyle>
+          <a:p>
+            <a:pPr marL="0" indent="0">
+              <a:buNone/>
+            </a:pPr>
+            <a:r>
+              <a:rPr lang="nl-NL" sz="1600" b="1" dirty="0"/>
+              <a:t>Als volt value ≥ 1010:</a:t>
+            </a:r>
+          </a:p>
+          <a:p>
+            <a:pPr marL="0" indent="0">
+              <a:buNone/>
+            </a:pPr>
+            <a:r>
+              <a:rPr lang="nl-NL" sz="1600" b="1" dirty="0"/>
+              <a:t>button ‘ingedrukt’. </a:t>
+            </a:r>
+          </a:p>
+          <a:p>
+            <a:pPr marL="0" indent="0">
+              <a:buNone/>
+            </a:pPr>
+            <a:r>
+              <a:rPr lang="nl-NL" sz="1600" b="1" dirty="0"/>
+              <a:t>Anders: uit.</a:t>
+            </a:r>
+          </a:p>
+        </p:txBody>
+      </p:sp>
+      <p:sp>
+        <p:nvSpPr>
+          <p:cNvPr id="9" name="Content Placeholder 5">
             <a:extLst>
               <a:ext uri="{FF2B5EF4-FFF2-40B4-BE49-F238E27FC236}">
-                <a16:creationId xmlns:a16="http://schemas.microsoft.com/office/drawing/2014/main" id="{1F3B230E-4226-4C87-947B-ADCA2B66D817}"/>
+                <a16:creationId xmlns:a16="http://schemas.microsoft.com/office/drawing/2014/main" id="{1FFF8287-49CC-4341-B67D-15CBA9089E37}"/>
               </a:ext>
             </a:extLst>
           </p:cNvPr>
-          <p:cNvPicPr>
-            <a:picLocks noChangeAspect="1"/>
-          </p:cNvPicPr>
+          <p:cNvSpPr txBox="1">
+            <a:spLocks/>
+          </p:cNvSpPr>
           <p:nvPr/>
-        </p:nvPicPr>
-        <p:blipFill>
-          <a:blip r:embed="rId4"/>
-          <a:stretch>
-            <a:fillRect/>
-          </a:stretch>
-        </p:blipFill>
+        </p:nvSpPr>
         <p:spPr>
           <a:xfrm>
-            <a:off x="3869268" y="3349546"/>
-            <a:ext cx="2686050" cy="276225"/>
+            <a:off x="6624377" y="2702771"/>
+            <a:ext cx="4939550" cy="1070478"/>
           </a:xfrm>
           <a:prstGeom prst="rect">
             <a:avLst/>
           </a:prstGeom>
         </p:spPr>
-      </p:pic>
+        <p:txBody>
+          <a:bodyPr vert="horz" lIns="91440" tIns="45720" rIns="91440" bIns="45720" rtlCol="0" anchor="t">
+            <a:normAutofit/>
+          </a:bodyPr>
+          <a:lstStyle>
+            <a:lvl1pPr marL="182880" indent="-182880" algn="l" defTabSz="914400" rtl="0" eaLnBrk="1" latinLnBrk="0" hangingPunct="1">
+              <a:lnSpc>
+                <a:spcPct val="90000"/>
+              </a:lnSpc>
+              <a:spcBef>
+                <a:spcPts val="1200"/>
+              </a:spcBef>
+              <a:buClr>
+                <a:schemeClr val="accent1"/>
+              </a:buClr>
+              <a:buFont typeface="Wingdings 2" pitchFamily="18" charset="2"/>
+              <a:buChar char=""/>
+              <a:defRPr sz="2000" kern="1200">
+                <a:solidFill>
+                  <a:schemeClr val="tx1">
+                    <a:lumMod val="65000"/>
+                    <a:lumOff val="35000"/>
+                  </a:schemeClr>
+                </a:solidFill>
+                <a:latin typeface="+mn-lt"/>
+                <a:ea typeface="+mn-ea"/>
+                <a:cs typeface="+mn-cs"/>
+              </a:defRPr>
+            </a:lvl1pPr>
+            <a:lvl2pPr marL="685800" indent="-182880" algn="l" defTabSz="914400" rtl="0" eaLnBrk="1" latinLnBrk="0" hangingPunct="1">
+              <a:lnSpc>
+                <a:spcPct val="90000"/>
+              </a:lnSpc>
+              <a:spcBef>
+                <a:spcPts val="250"/>
+              </a:spcBef>
+              <a:spcAft>
+                <a:spcPts val="250"/>
+              </a:spcAft>
+              <a:buClr>
+                <a:schemeClr val="accent1"/>
+              </a:buClr>
+              <a:buFont typeface="Wingdings 2" pitchFamily="18" charset="2"/>
+              <a:buChar char=""/>
+              <a:defRPr sz="1800" kern="1200">
+                <a:solidFill>
+                  <a:schemeClr val="tx1">
+                    <a:lumMod val="65000"/>
+                    <a:lumOff val="35000"/>
+                  </a:schemeClr>
+                </a:solidFill>
+                <a:latin typeface="+mn-lt"/>
+                <a:ea typeface="+mn-ea"/>
+                <a:cs typeface="+mn-cs"/>
+              </a:defRPr>
+            </a:lvl2pPr>
+            <a:lvl3pPr marL="1143000" indent="-182880" algn="l" defTabSz="914400" rtl="0" eaLnBrk="1" latinLnBrk="0" hangingPunct="1">
+              <a:lnSpc>
+                <a:spcPct val="90000"/>
+              </a:lnSpc>
+              <a:spcBef>
+                <a:spcPts val="250"/>
+              </a:spcBef>
+              <a:spcAft>
+                <a:spcPts val="250"/>
+              </a:spcAft>
+              <a:buClr>
+                <a:schemeClr val="accent1"/>
+              </a:buClr>
+              <a:buFont typeface="Wingdings 2" pitchFamily="18" charset="2"/>
+              <a:buChar char=""/>
+              <a:defRPr sz="1600" kern="1200">
+                <a:solidFill>
+                  <a:schemeClr val="tx1">
+                    <a:lumMod val="65000"/>
+                    <a:lumOff val="35000"/>
+                  </a:schemeClr>
+                </a:solidFill>
+                <a:latin typeface="+mn-lt"/>
+                <a:ea typeface="+mn-ea"/>
+                <a:cs typeface="+mn-cs"/>
+              </a:defRPr>
+            </a:lvl3pPr>
+            <a:lvl4pPr marL="1600200" indent="-182880" algn="l" defTabSz="914400" rtl="0" eaLnBrk="1" latinLnBrk="0" hangingPunct="1">
+              <a:lnSpc>
+                <a:spcPct val="90000"/>
+              </a:lnSpc>
+              <a:spcBef>
+                <a:spcPts val="250"/>
+              </a:spcBef>
+              <a:spcAft>
+                <a:spcPts val="250"/>
+              </a:spcAft>
+              <a:buClr>
+                <a:schemeClr val="accent1"/>
+              </a:buClr>
+              <a:buFont typeface="Wingdings 2" pitchFamily="18" charset="2"/>
+              <a:buChar char=""/>
+              <a:defRPr sz="1400" kern="1200">
+                <a:solidFill>
+                  <a:schemeClr val="tx1">
+                    <a:lumMod val="65000"/>
+                    <a:lumOff val="35000"/>
+                  </a:schemeClr>
+                </a:solidFill>
+                <a:latin typeface="+mn-lt"/>
+                <a:ea typeface="+mn-ea"/>
+                <a:cs typeface="+mn-cs"/>
+              </a:defRPr>
+            </a:lvl4pPr>
+            <a:lvl5pPr marL="2057400" indent="-182880" algn="l" defTabSz="914400" rtl="0" eaLnBrk="1" latinLnBrk="0" hangingPunct="1">
+              <a:lnSpc>
+                <a:spcPct val="90000"/>
+              </a:lnSpc>
+              <a:spcBef>
+                <a:spcPts val="250"/>
+              </a:spcBef>
+              <a:spcAft>
+                <a:spcPts val="250"/>
+              </a:spcAft>
+              <a:buClr>
+                <a:schemeClr val="accent1"/>
+              </a:buClr>
+              <a:buFont typeface="Wingdings 2" pitchFamily="18" charset="2"/>
+              <a:buChar char=""/>
+              <a:defRPr sz="1400" kern="1200">
+                <a:solidFill>
+                  <a:schemeClr val="tx1">
+                    <a:lumMod val="65000"/>
+                    <a:lumOff val="35000"/>
+                  </a:schemeClr>
+                </a:solidFill>
+                <a:latin typeface="+mn-lt"/>
+                <a:ea typeface="+mn-ea"/>
+                <a:cs typeface="+mn-cs"/>
+              </a:defRPr>
+            </a:lvl5pPr>
+            <a:lvl6pPr marL="2514600" indent="-228600" algn="l" defTabSz="914400" rtl="0" eaLnBrk="1" latinLnBrk="0" hangingPunct="1">
+              <a:lnSpc>
+                <a:spcPct val="90000"/>
+              </a:lnSpc>
+              <a:spcBef>
+                <a:spcPts val="250"/>
+              </a:spcBef>
+              <a:spcAft>
+                <a:spcPts val="250"/>
+              </a:spcAft>
+              <a:buClr>
+                <a:schemeClr val="accent1"/>
+              </a:buClr>
+              <a:buFont typeface="Wingdings 2" pitchFamily="18" charset="2"/>
+              <a:buChar char=""/>
+              <a:defRPr sz="1400" kern="1200">
+                <a:solidFill>
+                  <a:schemeClr val="tx1">
+                    <a:lumMod val="65000"/>
+                    <a:lumOff val="35000"/>
+                  </a:schemeClr>
+                </a:solidFill>
+                <a:latin typeface="+mn-lt"/>
+                <a:ea typeface="+mn-ea"/>
+                <a:cs typeface="+mn-cs"/>
+              </a:defRPr>
+            </a:lvl6pPr>
+            <a:lvl7pPr marL="2971800" indent="-228600" algn="l" defTabSz="914400" rtl="0" eaLnBrk="1" latinLnBrk="0" hangingPunct="1">
+              <a:lnSpc>
+                <a:spcPct val="90000"/>
+              </a:lnSpc>
+              <a:spcBef>
+                <a:spcPts val="250"/>
+              </a:spcBef>
+              <a:spcAft>
+                <a:spcPts val="250"/>
+              </a:spcAft>
+              <a:buClr>
+                <a:schemeClr val="accent1"/>
+              </a:buClr>
+              <a:buFont typeface="Wingdings 2" pitchFamily="18" charset="2"/>
+              <a:buChar char=""/>
+              <a:defRPr sz="1400" kern="1200">
+                <a:solidFill>
+                  <a:schemeClr val="tx1">
+                    <a:lumMod val="65000"/>
+                    <a:lumOff val="35000"/>
+                  </a:schemeClr>
+                </a:solidFill>
+                <a:latin typeface="+mn-lt"/>
+                <a:ea typeface="+mn-ea"/>
+                <a:cs typeface="+mn-cs"/>
+              </a:defRPr>
+            </a:lvl7pPr>
+            <a:lvl8pPr marL="3429000" indent="-228600" algn="l" defTabSz="914400" rtl="0" eaLnBrk="1" latinLnBrk="0" hangingPunct="1">
+              <a:lnSpc>
+                <a:spcPct val="90000"/>
+              </a:lnSpc>
+              <a:spcBef>
+                <a:spcPts val="250"/>
+              </a:spcBef>
+              <a:spcAft>
+                <a:spcPts val="250"/>
+              </a:spcAft>
+              <a:buClr>
+                <a:schemeClr val="accent1"/>
+              </a:buClr>
+              <a:buFont typeface="Wingdings 2" pitchFamily="18" charset="2"/>
+              <a:buChar char=""/>
+              <a:defRPr sz="1400" kern="1200">
+                <a:solidFill>
+                  <a:schemeClr val="tx1">
+                    <a:lumMod val="65000"/>
+                    <a:lumOff val="35000"/>
+                  </a:schemeClr>
+                </a:solidFill>
+                <a:latin typeface="+mn-lt"/>
+                <a:ea typeface="+mn-ea"/>
+                <a:cs typeface="+mn-cs"/>
+              </a:defRPr>
+            </a:lvl8pPr>
+            <a:lvl9pPr marL="3886200" indent="-228600" algn="l" defTabSz="914400" rtl="0" eaLnBrk="1" latinLnBrk="0" hangingPunct="1">
+              <a:lnSpc>
+                <a:spcPct val="90000"/>
+              </a:lnSpc>
+              <a:spcBef>
+                <a:spcPts val="250"/>
+              </a:spcBef>
+              <a:spcAft>
+                <a:spcPts val="250"/>
+              </a:spcAft>
+              <a:buClr>
+                <a:schemeClr val="accent1"/>
+              </a:buClr>
+              <a:buFont typeface="Wingdings 2" pitchFamily="18" charset="2"/>
+              <a:buChar char=""/>
+              <a:defRPr sz="1400" kern="1200">
+                <a:solidFill>
+                  <a:schemeClr val="tx1">
+                    <a:lumMod val="65000"/>
+                    <a:lumOff val="35000"/>
+                  </a:schemeClr>
+                </a:solidFill>
+                <a:latin typeface="+mn-lt"/>
+                <a:ea typeface="+mn-ea"/>
+                <a:cs typeface="+mn-cs"/>
+              </a:defRPr>
+            </a:lvl9pPr>
+          </a:lstStyle>
+          <a:p>
+            <a:pPr marL="0" indent="0">
+              <a:buFont typeface="Wingdings 2" pitchFamily="18" charset="2"/>
+              <a:buNone/>
+            </a:pPr>
+            <a:r>
+              <a:rPr lang="nl-NL" sz="1600" dirty="0">
+                <a:solidFill>
+                  <a:srgbClr val="FF0000"/>
+                </a:solidFill>
+              </a:rPr>
+              <a:t>Status 0</a:t>
+            </a:r>
+            <a:r>
+              <a:rPr lang="nl-NL" sz="1600" dirty="0">
+                <a:solidFill>
+                  <a:schemeClr val="tx1"/>
+                </a:solidFill>
+              </a:rPr>
+              <a:t>:</a:t>
+            </a:r>
+            <a:r>
+              <a:rPr lang="nl-NL" sz="1600" dirty="0">
+                <a:solidFill>
+                  <a:srgbClr val="FF0000"/>
+                </a:solidFill>
+              </a:rPr>
+              <a:t> </a:t>
+            </a:r>
+          </a:p>
+          <a:p>
+            <a:pPr marL="0" indent="0">
+              <a:buFont typeface="Wingdings 2" pitchFamily="18" charset="2"/>
+              <a:buNone/>
+            </a:pPr>
+            <a:r>
+              <a:rPr lang="nl-NL" sz="1600" dirty="0">
+                <a:solidFill>
+                  <a:schemeClr val="bg1">
+                    <a:lumMod val="50000"/>
+                  </a:schemeClr>
+                </a:solidFill>
+              </a:rPr>
+              <a:t>Als button voor het eerst wordt ingedrukt: </a:t>
+            </a:r>
+          </a:p>
+          <a:p>
+            <a:pPr marL="0" indent="0">
+              <a:buFont typeface="Wingdings 2" pitchFamily="18" charset="2"/>
+              <a:buNone/>
+            </a:pPr>
+            <a:r>
+              <a:rPr lang="nl-NL" sz="1600" dirty="0">
+                <a:solidFill>
+                  <a:schemeClr val="bg1">
+                    <a:lumMod val="50000"/>
+                  </a:schemeClr>
+                </a:solidFill>
+              </a:rPr>
+              <a:t>stuur één korte pulse zet naar status 1.</a:t>
+            </a:r>
+          </a:p>
+        </p:txBody>
+      </p:sp>
+      <p:sp>
+        <p:nvSpPr>
+          <p:cNvPr id="10" name="Content Placeholder 5">
+            <a:extLst>
+              <a:ext uri="{FF2B5EF4-FFF2-40B4-BE49-F238E27FC236}">
+                <a16:creationId xmlns:a16="http://schemas.microsoft.com/office/drawing/2014/main" id="{58A3A329-635B-4370-9054-306834D63492}"/>
+              </a:ext>
+            </a:extLst>
+          </p:cNvPr>
+          <p:cNvSpPr txBox="1">
+            <a:spLocks/>
+          </p:cNvSpPr>
+          <p:nvPr/>
+        </p:nvSpPr>
+        <p:spPr>
+          <a:xfrm>
+            <a:off x="6636345" y="3959423"/>
+            <a:ext cx="4939550" cy="1163495"/>
+          </a:xfrm>
+          <a:prstGeom prst="rect">
+            <a:avLst/>
+          </a:prstGeom>
+        </p:spPr>
+        <p:txBody>
+          <a:bodyPr vert="horz" lIns="91440" tIns="45720" rIns="91440" bIns="45720" rtlCol="0" anchor="t">
+            <a:normAutofit/>
+          </a:bodyPr>
+          <a:lstStyle>
+            <a:lvl1pPr marL="182880" indent="-182880" algn="l" defTabSz="914400" rtl="0" eaLnBrk="1" latinLnBrk="0" hangingPunct="1">
+              <a:lnSpc>
+                <a:spcPct val="90000"/>
+              </a:lnSpc>
+              <a:spcBef>
+                <a:spcPts val="1200"/>
+              </a:spcBef>
+              <a:buClr>
+                <a:schemeClr val="accent1"/>
+              </a:buClr>
+              <a:buFont typeface="Wingdings 2" pitchFamily="18" charset="2"/>
+              <a:buChar char=""/>
+              <a:defRPr sz="2000" kern="1200">
+                <a:solidFill>
+                  <a:schemeClr val="tx1">
+                    <a:lumMod val="65000"/>
+                    <a:lumOff val="35000"/>
+                  </a:schemeClr>
+                </a:solidFill>
+                <a:latin typeface="+mn-lt"/>
+                <a:ea typeface="+mn-ea"/>
+                <a:cs typeface="+mn-cs"/>
+              </a:defRPr>
+            </a:lvl1pPr>
+            <a:lvl2pPr marL="685800" indent="-182880" algn="l" defTabSz="914400" rtl="0" eaLnBrk="1" latinLnBrk="0" hangingPunct="1">
+              <a:lnSpc>
+                <a:spcPct val="90000"/>
+              </a:lnSpc>
+              <a:spcBef>
+                <a:spcPts val="250"/>
+              </a:spcBef>
+              <a:spcAft>
+                <a:spcPts val="250"/>
+              </a:spcAft>
+              <a:buClr>
+                <a:schemeClr val="accent1"/>
+              </a:buClr>
+              <a:buFont typeface="Wingdings 2" pitchFamily="18" charset="2"/>
+              <a:buChar char=""/>
+              <a:defRPr sz="1800" kern="1200">
+                <a:solidFill>
+                  <a:schemeClr val="tx1">
+                    <a:lumMod val="65000"/>
+                    <a:lumOff val="35000"/>
+                  </a:schemeClr>
+                </a:solidFill>
+                <a:latin typeface="+mn-lt"/>
+                <a:ea typeface="+mn-ea"/>
+                <a:cs typeface="+mn-cs"/>
+              </a:defRPr>
+            </a:lvl2pPr>
+            <a:lvl3pPr marL="1143000" indent="-182880" algn="l" defTabSz="914400" rtl="0" eaLnBrk="1" latinLnBrk="0" hangingPunct="1">
+              <a:lnSpc>
+                <a:spcPct val="90000"/>
+              </a:lnSpc>
+              <a:spcBef>
+                <a:spcPts val="250"/>
+              </a:spcBef>
+              <a:spcAft>
+                <a:spcPts val="250"/>
+              </a:spcAft>
+              <a:buClr>
+                <a:schemeClr val="accent1"/>
+              </a:buClr>
+              <a:buFont typeface="Wingdings 2" pitchFamily="18" charset="2"/>
+              <a:buChar char=""/>
+              <a:defRPr sz="1600" kern="1200">
+                <a:solidFill>
+                  <a:schemeClr val="tx1">
+                    <a:lumMod val="65000"/>
+                    <a:lumOff val="35000"/>
+                  </a:schemeClr>
+                </a:solidFill>
+                <a:latin typeface="+mn-lt"/>
+                <a:ea typeface="+mn-ea"/>
+                <a:cs typeface="+mn-cs"/>
+              </a:defRPr>
+            </a:lvl3pPr>
+            <a:lvl4pPr marL="1600200" indent="-182880" algn="l" defTabSz="914400" rtl="0" eaLnBrk="1" latinLnBrk="0" hangingPunct="1">
+              <a:lnSpc>
+                <a:spcPct val="90000"/>
+              </a:lnSpc>
+              <a:spcBef>
+                <a:spcPts val="250"/>
+              </a:spcBef>
+              <a:spcAft>
+                <a:spcPts val="250"/>
+              </a:spcAft>
+              <a:buClr>
+                <a:schemeClr val="accent1"/>
+              </a:buClr>
+              <a:buFont typeface="Wingdings 2" pitchFamily="18" charset="2"/>
+              <a:buChar char=""/>
+              <a:defRPr sz="1400" kern="1200">
+                <a:solidFill>
+                  <a:schemeClr val="tx1">
+                    <a:lumMod val="65000"/>
+                    <a:lumOff val="35000"/>
+                  </a:schemeClr>
+                </a:solidFill>
+                <a:latin typeface="+mn-lt"/>
+                <a:ea typeface="+mn-ea"/>
+                <a:cs typeface="+mn-cs"/>
+              </a:defRPr>
+            </a:lvl4pPr>
+            <a:lvl5pPr marL="2057400" indent="-182880" algn="l" defTabSz="914400" rtl="0" eaLnBrk="1" latinLnBrk="0" hangingPunct="1">
+              <a:lnSpc>
+                <a:spcPct val="90000"/>
+              </a:lnSpc>
+              <a:spcBef>
+                <a:spcPts val="250"/>
+              </a:spcBef>
+              <a:spcAft>
+                <a:spcPts val="250"/>
+              </a:spcAft>
+              <a:buClr>
+                <a:schemeClr val="accent1"/>
+              </a:buClr>
+              <a:buFont typeface="Wingdings 2" pitchFamily="18" charset="2"/>
+              <a:buChar char=""/>
+              <a:defRPr sz="1400" kern="1200">
+                <a:solidFill>
+                  <a:schemeClr val="tx1">
+                    <a:lumMod val="65000"/>
+                    <a:lumOff val="35000"/>
+                  </a:schemeClr>
+                </a:solidFill>
+                <a:latin typeface="+mn-lt"/>
+                <a:ea typeface="+mn-ea"/>
+                <a:cs typeface="+mn-cs"/>
+              </a:defRPr>
+            </a:lvl5pPr>
+            <a:lvl6pPr marL="2514600" indent="-228600" algn="l" defTabSz="914400" rtl="0" eaLnBrk="1" latinLnBrk="0" hangingPunct="1">
+              <a:lnSpc>
+                <a:spcPct val="90000"/>
+              </a:lnSpc>
+              <a:spcBef>
+                <a:spcPts val="250"/>
+              </a:spcBef>
+              <a:spcAft>
+                <a:spcPts val="250"/>
+              </a:spcAft>
+              <a:buClr>
+                <a:schemeClr val="accent1"/>
+              </a:buClr>
+              <a:buFont typeface="Wingdings 2" pitchFamily="18" charset="2"/>
+              <a:buChar char=""/>
+              <a:defRPr sz="1400" kern="1200">
+                <a:solidFill>
+                  <a:schemeClr val="tx1">
+                    <a:lumMod val="65000"/>
+                    <a:lumOff val="35000"/>
+                  </a:schemeClr>
+                </a:solidFill>
+                <a:latin typeface="+mn-lt"/>
+                <a:ea typeface="+mn-ea"/>
+                <a:cs typeface="+mn-cs"/>
+              </a:defRPr>
+            </a:lvl6pPr>
+            <a:lvl7pPr marL="2971800" indent="-228600" algn="l" defTabSz="914400" rtl="0" eaLnBrk="1" latinLnBrk="0" hangingPunct="1">
+              <a:lnSpc>
+                <a:spcPct val="90000"/>
+              </a:lnSpc>
+              <a:spcBef>
+                <a:spcPts val="250"/>
+              </a:spcBef>
+              <a:spcAft>
+                <a:spcPts val="250"/>
+              </a:spcAft>
+              <a:buClr>
+                <a:schemeClr val="accent1"/>
+              </a:buClr>
+              <a:buFont typeface="Wingdings 2" pitchFamily="18" charset="2"/>
+              <a:buChar char=""/>
+              <a:defRPr sz="1400" kern="1200">
+                <a:solidFill>
+                  <a:schemeClr val="tx1">
+                    <a:lumMod val="65000"/>
+                    <a:lumOff val="35000"/>
+                  </a:schemeClr>
+                </a:solidFill>
+                <a:latin typeface="+mn-lt"/>
+                <a:ea typeface="+mn-ea"/>
+                <a:cs typeface="+mn-cs"/>
+              </a:defRPr>
+            </a:lvl7pPr>
+            <a:lvl8pPr marL="3429000" indent="-228600" algn="l" defTabSz="914400" rtl="0" eaLnBrk="1" latinLnBrk="0" hangingPunct="1">
+              <a:lnSpc>
+                <a:spcPct val="90000"/>
+              </a:lnSpc>
+              <a:spcBef>
+                <a:spcPts val="250"/>
+              </a:spcBef>
+              <a:spcAft>
+                <a:spcPts val="250"/>
+              </a:spcAft>
+              <a:buClr>
+                <a:schemeClr val="accent1"/>
+              </a:buClr>
+              <a:buFont typeface="Wingdings 2" pitchFamily="18" charset="2"/>
+              <a:buChar char=""/>
+              <a:defRPr sz="1400" kern="1200">
+                <a:solidFill>
+                  <a:schemeClr val="tx1">
+                    <a:lumMod val="65000"/>
+                    <a:lumOff val="35000"/>
+                  </a:schemeClr>
+                </a:solidFill>
+                <a:latin typeface="+mn-lt"/>
+                <a:ea typeface="+mn-ea"/>
+                <a:cs typeface="+mn-cs"/>
+              </a:defRPr>
+            </a:lvl8pPr>
+            <a:lvl9pPr marL="3886200" indent="-228600" algn="l" defTabSz="914400" rtl="0" eaLnBrk="1" latinLnBrk="0" hangingPunct="1">
+              <a:lnSpc>
+                <a:spcPct val="90000"/>
+              </a:lnSpc>
+              <a:spcBef>
+                <a:spcPts val="250"/>
+              </a:spcBef>
+              <a:spcAft>
+                <a:spcPts val="250"/>
+              </a:spcAft>
+              <a:buClr>
+                <a:schemeClr val="accent1"/>
+              </a:buClr>
+              <a:buFont typeface="Wingdings 2" pitchFamily="18" charset="2"/>
+              <a:buChar char=""/>
+              <a:defRPr sz="1400" kern="1200">
+                <a:solidFill>
+                  <a:schemeClr val="tx1">
+                    <a:lumMod val="65000"/>
+                    <a:lumOff val="35000"/>
+                  </a:schemeClr>
+                </a:solidFill>
+                <a:latin typeface="+mn-lt"/>
+                <a:ea typeface="+mn-ea"/>
+                <a:cs typeface="+mn-cs"/>
+              </a:defRPr>
+            </a:lvl9pPr>
+          </a:lstStyle>
+          <a:p>
+            <a:pPr marL="0" indent="0">
+              <a:buFont typeface="Wingdings 2" pitchFamily="18" charset="2"/>
+              <a:buNone/>
+            </a:pPr>
+            <a:r>
+              <a:rPr lang="nl-NL" sz="1600" dirty="0">
+                <a:solidFill>
+                  <a:srgbClr val="FF0000"/>
+                </a:solidFill>
+              </a:rPr>
+              <a:t>Status 1</a:t>
+            </a:r>
+            <a:r>
+              <a:rPr lang="nl-NL" sz="1600" dirty="0"/>
+              <a:t>: </a:t>
+            </a:r>
+          </a:p>
+          <a:p>
+            <a:pPr marL="0" indent="0">
+              <a:buFont typeface="Wingdings 2" pitchFamily="18" charset="2"/>
+              <a:buNone/>
+            </a:pPr>
+            <a:r>
+              <a:rPr lang="nl-NL" sz="1600" dirty="0">
+                <a:solidFill>
+                  <a:schemeClr val="bg1">
+                    <a:lumMod val="50000"/>
+                  </a:schemeClr>
+                </a:solidFill>
+              </a:rPr>
+              <a:t>Als button niet voor het eerst wordt ingedrukt:</a:t>
+            </a:r>
+          </a:p>
+          <a:p>
+            <a:pPr marL="0" indent="0">
+              <a:buFont typeface="Wingdings 2" pitchFamily="18" charset="2"/>
+              <a:buNone/>
+            </a:pPr>
+            <a:r>
+              <a:rPr lang="nl-NL" sz="1600" dirty="0">
+                <a:solidFill>
+                  <a:schemeClr val="bg1">
+                    <a:lumMod val="50000"/>
+                  </a:schemeClr>
+                </a:solidFill>
+              </a:rPr>
+              <a:t>zet dan naar status 0.</a:t>
+            </a:r>
+          </a:p>
+        </p:txBody>
+      </p:sp>
+      <p:sp>
+        <p:nvSpPr>
+          <p:cNvPr id="11" name="Content Placeholder 5">
+            <a:extLst>
+              <a:ext uri="{FF2B5EF4-FFF2-40B4-BE49-F238E27FC236}">
+                <a16:creationId xmlns:a16="http://schemas.microsoft.com/office/drawing/2014/main" id="{3ACBF07A-A529-4672-8C52-56F28154846C}"/>
+              </a:ext>
+            </a:extLst>
+          </p:cNvPr>
+          <p:cNvSpPr txBox="1">
+            <a:spLocks/>
+          </p:cNvSpPr>
+          <p:nvPr/>
+        </p:nvSpPr>
+        <p:spPr>
+          <a:xfrm>
+            <a:off x="6624377" y="5237916"/>
+            <a:ext cx="4939550" cy="1148171"/>
+          </a:xfrm>
+          <a:prstGeom prst="rect">
+            <a:avLst/>
+          </a:prstGeom>
+        </p:spPr>
+        <p:txBody>
+          <a:bodyPr vert="horz" lIns="91440" tIns="45720" rIns="91440" bIns="45720" rtlCol="0" anchor="t">
+            <a:normAutofit/>
+          </a:bodyPr>
+          <a:lstStyle>
+            <a:lvl1pPr marL="182880" indent="-182880" algn="l" defTabSz="914400" rtl="0" eaLnBrk="1" latinLnBrk="0" hangingPunct="1">
+              <a:lnSpc>
+                <a:spcPct val="90000"/>
+              </a:lnSpc>
+              <a:spcBef>
+                <a:spcPts val="1200"/>
+              </a:spcBef>
+              <a:buClr>
+                <a:schemeClr val="accent1"/>
+              </a:buClr>
+              <a:buFont typeface="Wingdings 2" pitchFamily="18" charset="2"/>
+              <a:buChar char=""/>
+              <a:defRPr sz="2000" kern="1200">
+                <a:solidFill>
+                  <a:schemeClr val="tx1">
+                    <a:lumMod val="65000"/>
+                    <a:lumOff val="35000"/>
+                  </a:schemeClr>
+                </a:solidFill>
+                <a:latin typeface="+mn-lt"/>
+                <a:ea typeface="+mn-ea"/>
+                <a:cs typeface="+mn-cs"/>
+              </a:defRPr>
+            </a:lvl1pPr>
+            <a:lvl2pPr marL="685800" indent="-182880" algn="l" defTabSz="914400" rtl="0" eaLnBrk="1" latinLnBrk="0" hangingPunct="1">
+              <a:lnSpc>
+                <a:spcPct val="90000"/>
+              </a:lnSpc>
+              <a:spcBef>
+                <a:spcPts val="250"/>
+              </a:spcBef>
+              <a:spcAft>
+                <a:spcPts val="250"/>
+              </a:spcAft>
+              <a:buClr>
+                <a:schemeClr val="accent1"/>
+              </a:buClr>
+              <a:buFont typeface="Wingdings 2" pitchFamily="18" charset="2"/>
+              <a:buChar char=""/>
+              <a:defRPr sz="1800" kern="1200">
+                <a:solidFill>
+                  <a:schemeClr val="tx1">
+                    <a:lumMod val="65000"/>
+                    <a:lumOff val="35000"/>
+                  </a:schemeClr>
+                </a:solidFill>
+                <a:latin typeface="+mn-lt"/>
+                <a:ea typeface="+mn-ea"/>
+                <a:cs typeface="+mn-cs"/>
+              </a:defRPr>
+            </a:lvl2pPr>
+            <a:lvl3pPr marL="1143000" indent="-182880" algn="l" defTabSz="914400" rtl="0" eaLnBrk="1" latinLnBrk="0" hangingPunct="1">
+              <a:lnSpc>
+                <a:spcPct val="90000"/>
+              </a:lnSpc>
+              <a:spcBef>
+                <a:spcPts val="250"/>
+              </a:spcBef>
+              <a:spcAft>
+                <a:spcPts val="250"/>
+              </a:spcAft>
+              <a:buClr>
+                <a:schemeClr val="accent1"/>
+              </a:buClr>
+              <a:buFont typeface="Wingdings 2" pitchFamily="18" charset="2"/>
+              <a:buChar char=""/>
+              <a:defRPr sz="1600" kern="1200">
+                <a:solidFill>
+                  <a:schemeClr val="tx1">
+                    <a:lumMod val="65000"/>
+                    <a:lumOff val="35000"/>
+                  </a:schemeClr>
+                </a:solidFill>
+                <a:latin typeface="+mn-lt"/>
+                <a:ea typeface="+mn-ea"/>
+                <a:cs typeface="+mn-cs"/>
+              </a:defRPr>
+            </a:lvl3pPr>
+            <a:lvl4pPr marL="1600200" indent="-182880" algn="l" defTabSz="914400" rtl="0" eaLnBrk="1" latinLnBrk="0" hangingPunct="1">
+              <a:lnSpc>
+                <a:spcPct val="90000"/>
+              </a:lnSpc>
+              <a:spcBef>
+                <a:spcPts val="250"/>
+              </a:spcBef>
+              <a:spcAft>
+                <a:spcPts val="250"/>
+              </a:spcAft>
+              <a:buClr>
+                <a:schemeClr val="accent1"/>
+              </a:buClr>
+              <a:buFont typeface="Wingdings 2" pitchFamily="18" charset="2"/>
+              <a:buChar char=""/>
+              <a:defRPr sz="1400" kern="1200">
+                <a:solidFill>
+                  <a:schemeClr val="tx1">
+                    <a:lumMod val="65000"/>
+                    <a:lumOff val="35000"/>
+                  </a:schemeClr>
+                </a:solidFill>
+                <a:latin typeface="+mn-lt"/>
+                <a:ea typeface="+mn-ea"/>
+                <a:cs typeface="+mn-cs"/>
+              </a:defRPr>
+            </a:lvl4pPr>
+            <a:lvl5pPr marL="2057400" indent="-182880" algn="l" defTabSz="914400" rtl="0" eaLnBrk="1" latinLnBrk="0" hangingPunct="1">
+              <a:lnSpc>
+                <a:spcPct val="90000"/>
+              </a:lnSpc>
+              <a:spcBef>
+                <a:spcPts val="250"/>
+              </a:spcBef>
+              <a:spcAft>
+                <a:spcPts val="250"/>
+              </a:spcAft>
+              <a:buClr>
+                <a:schemeClr val="accent1"/>
+              </a:buClr>
+              <a:buFont typeface="Wingdings 2" pitchFamily="18" charset="2"/>
+              <a:buChar char=""/>
+              <a:defRPr sz="1400" kern="1200">
+                <a:solidFill>
+                  <a:schemeClr val="tx1">
+                    <a:lumMod val="65000"/>
+                    <a:lumOff val="35000"/>
+                  </a:schemeClr>
+                </a:solidFill>
+                <a:latin typeface="+mn-lt"/>
+                <a:ea typeface="+mn-ea"/>
+                <a:cs typeface="+mn-cs"/>
+              </a:defRPr>
+            </a:lvl5pPr>
+            <a:lvl6pPr marL="2514600" indent="-228600" algn="l" defTabSz="914400" rtl="0" eaLnBrk="1" latinLnBrk="0" hangingPunct="1">
+              <a:lnSpc>
+                <a:spcPct val="90000"/>
+              </a:lnSpc>
+              <a:spcBef>
+                <a:spcPts val="250"/>
+              </a:spcBef>
+              <a:spcAft>
+                <a:spcPts val="250"/>
+              </a:spcAft>
+              <a:buClr>
+                <a:schemeClr val="accent1"/>
+              </a:buClr>
+              <a:buFont typeface="Wingdings 2" pitchFamily="18" charset="2"/>
+              <a:buChar char=""/>
+              <a:defRPr sz="1400" kern="1200">
+                <a:solidFill>
+                  <a:schemeClr val="tx1">
+                    <a:lumMod val="65000"/>
+                    <a:lumOff val="35000"/>
+                  </a:schemeClr>
+                </a:solidFill>
+                <a:latin typeface="+mn-lt"/>
+                <a:ea typeface="+mn-ea"/>
+                <a:cs typeface="+mn-cs"/>
+              </a:defRPr>
+            </a:lvl6pPr>
+            <a:lvl7pPr marL="2971800" indent="-228600" algn="l" defTabSz="914400" rtl="0" eaLnBrk="1" latinLnBrk="0" hangingPunct="1">
+              <a:lnSpc>
+                <a:spcPct val="90000"/>
+              </a:lnSpc>
+              <a:spcBef>
+                <a:spcPts val="250"/>
+              </a:spcBef>
+              <a:spcAft>
+                <a:spcPts val="250"/>
+              </a:spcAft>
+              <a:buClr>
+                <a:schemeClr val="accent1"/>
+              </a:buClr>
+              <a:buFont typeface="Wingdings 2" pitchFamily="18" charset="2"/>
+              <a:buChar char=""/>
+              <a:defRPr sz="1400" kern="1200">
+                <a:solidFill>
+                  <a:schemeClr val="tx1">
+                    <a:lumMod val="65000"/>
+                    <a:lumOff val="35000"/>
+                  </a:schemeClr>
+                </a:solidFill>
+                <a:latin typeface="+mn-lt"/>
+                <a:ea typeface="+mn-ea"/>
+                <a:cs typeface="+mn-cs"/>
+              </a:defRPr>
+            </a:lvl7pPr>
+            <a:lvl8pPr marL="3429000" indent="-228600" algn="l" defTabSz="914400" rtl="0" eaLnBrk="1" latinLnBrk="0" hangingPunct="1">
+              <a:lnSpc>
+                <a:spcPct val="90000"/>
+              </a:lnSpc>
+              <a:spcBef>
+                <a:spcPts val="250"/>
+              </a:spcBef>
+              <a:spcAft>
+                <a:spcPts val="250"/>
+              </a:spcAft>
+              <a:buClr>
+                <a:schemeClr val="accent1"/>
+              </a:buClr>
+              <a:buFont typeface="Wingdings 2" pitchFamily="18" charset="2"/>
+              <a:buChar char=""/>
+              <a:defRPr sz="1400" kern="1200">
+                <a:solidFill>
+                  <a:schemeClr val="tx1">
+                    <a:lumMod val="65000"/>
+                    <a:lumOff val="35000"/>
+                  </a:schemeClr>
+                </a:solidFill>
+                <a:latin typeface="+mn-lt"/>
+                <a:ea typeface="+mn-ea"/>
+                <a:cs typeface="+mn-cs"/>
+              </a:defRPr>
+            </a:lvl8pPr>
+            <a:lvl9pPr marL="3886200" indent="-228600" algn="l" defTabSz="914400" rtl="0" eaLnBrk="1" latinLnBrk="0" hangingPunct="1">
+              <a:lnSpc>
+                <a:spcPct val="90000"/>
+              </a:lnSpc>
+              <a:spcBef>
+                <a:spcPts val="250"/>
+              </a:spcBef>
+              <a:spcAft>
+                <a:spcPts val="250"/>
+              </a:spcAft>
+              <a:buClr>
+                <a:schemeClr val="accent1"/>
+              </a:buClr>
+              <a:buFont typeface="Wingdings 2" pitchFamily="18" charset="2"/>
+              <a:buChar char=""/>
+              <a:defRPr sz="1400" kern="1200">
+                <a:solidFill>
+                  <a:schemeClr val="tx1">
+                    <a:lumMod val="65000"/>
+                    <a:lumOff val="35000"/>
+                  </a:schemeClr>
+                </a:solidFill>
+                <a:latin typeface="+mn-lt"/>
+                <a:ea typeface="+mn-ea"/>
+                <a:cs typeface="+mn-cs"/>
+              </a:defRPr>
+            </a:lvl9pPr>
+          </a:lstStyle>
+          <a:p>
+            <a:pPr marL="0" indent="0">
+              <a:buFont typeface="Wingdings 2" pitchFamily="18" charset="2"/>
+              <a:buNone/>
+            </a:pPr>
+            <a:r>
+              <a:rPr lang="nl-NL" sz="1600" b="1" dirty="0"/>
+              <a:t>Als knop ingedrukt is, </a:t>
+            </a:r>
+          </a:p>
+          <a:p>
+            <a:pPr marL="0" indent="0">
+              <a:buFont typeface="Wingdings 2" pitchFamily="18" charset="2"/>
+              <a:buNone/>
+            </a:pPr>
+            <a:r>
+              <a:rPr lang="nl-NL" sz="1600" b="1" dirty="0"/>
+              <a:t>zet het lampje aan.</a:t>
+            </a:r>
+          </a:p>
+          <a:p>
+            <a:pPr marL="0" indent="0">
+              <a:buFont typeface="Wingdings 2" pitchFamily="18" charset="2"/>
+              <a:buNone/>
+            </a:pPr>
+            <a:r>
+              <a:rPr lang="nl-NL" sz="1600" b="1" dirty="0"/>
+              <a:t>Zet lampje uit na 100 ms.</a:t>
+            </a:r>
+          </a:p>
+        </p:txBody>
+      </p:sp>
+      <p:sp>
+        <p:nvSpPr>
+          <p:cNvPr id="3" name="Rectangle 2">
+            <a:extLst>
+              <a:ext uri="{FF2B5EF4-FFF2-40B4-BE49-F238E27FC236}">
+                <a16:creationId xmlns:a16="http://schemas.microsoft.com/office/drawing/2014/main" id="{B008F051-07E5-4224-A728-F787CC5E6A6A}"/>
+              </a:ext>
+            </a:extLst>
+          </p:cNvPr>
+          <p:cNvSpPr/>
+          <p:nvPr/>
+        </p:nvSpPr>
+        <p:spPr>
+          <a:xfrm>
+            <a:off x="5488619" y="1648226"/>
+            <a:ext cx="310718" cy="187940"/>
+          </a:xfrm>
+          <a:prstGeom prst="rect">
+            <a:avLst/>
+          </a:prstGeom>
+          <a:noFill/>
+          <a:ln>
+            <a:solidFill>
+              <a:srgbClr val="FF0000"/>
+            </a:solidFill>
+          </a:ln>
+        </p:spPr>
+        <p:style>
+          <a:lnRef idx="2">
+            <a:schemeClr val="accent1">
+              <a:shade val="50000"/>
+            </a:schemeClr>
+          </a:lnRef>
+          <a:fillRef idx="1">
+            <a:schemeClr val="accent1"/>
+          </a:fillRef>
+          <a:effectRef idx="0">
+            <a:schemeClr val="accent1"/>
+          </a:effectRef>
+          <a:fontRef idx="minor">
+            <a:schemeClr val="lt1"/>
+          </a:fontRef>
+        </p:style>
+        <p:txBody>
+          <a:bodyPr rtlCol="0" anchor="ctr"/>
+          <a:lstStyle/>
+          <a:p>
+            <a:pPr algn="ctr"/>
+            <a:endParaRPr lang="nl-NL"/>
+          </a:p>
+        </p:txBody>
+      </p:sp>
+      <p:sp>
+        <p:nvSpPr>
+          <p:cNvPr id="5" name="Rectangle 4">
+            <a:extLst>
+              <a:ext uri="{FF2B5EF4-FFF2-40B4-BE49-F238E27FC236}">
+                <a16:creationId xmlns:a16="http://schemas.microsoft.com/office/drawing/2014/main" id="{0CCC9F6B-CDC4-4C65-A579-9F76ED38B8FE}"/>
+              </a:ext>
+            </a:extLst>
+          </p:cNvPr>
+          <p:cNvSpPr/>
+          <p:nvPr/>
+        </p:nvSpPr>
+        <p:spPr>
+          <a:xfrm>
+            <a:off x="4891596" y="3197470"/>
+            <a:ext cx="1544715" cy="122779"/>
+          </a:xfrm>
+          <a:prstGeom prst="rect">
+            <a:avLst/>
+          </a:prstGeom>
+          <a:noFill/>
+          <a:ln>
+            <a:solidFill>
+              <a:srgbClr val="FF0000"/>
+            </a:solidFill>
+          </a:ln>
+        </p:spPr>
+        <p:style>
+          <a:lnRef idx="2">
+            <a:schemeClr val="accent1">
+              <a:shade val="50000"/>
+            </a:schemeClr>
+          </a:lnRef>
+          <a:fillRef idx="1">
+            <a:schemeClr val="accent1"/>
+          </a:fillRef>
+          <a:effectRef idx="0">
+            <a:schemeClr val="accent1"/>
+          </a:effectRef>
+          <a:fontRef idx="minor">
+            <a:schemeClr val="lt1"/>
+          </a:fontRef>
+        </p:style>
+        <p:txBody>
+          <a:bodyPr rtlCol="0" anchor="ctr"/>
+          <a:lstStyle/>
+          <a:p>
+            <a:pPr algn="ctr"/>
+            <a:endParaRPr lang="nl-NL"/>
+          </a:p>
+        </p:txBody>
+      </p:sp>
+      <p:sp>
+        <p:nvSpPr>
+          <p:cNvPr id="13" name="Rectangle 12">
+            <a:extLst>
+              <a:ext uri="{FF2B5EF4-FFF2-40B4-BE49-F238E27FC236}">
+                <a16:creationId xmlns:a16="http://schemas.microsoft.com/office/drawing/2014/main" id="{96097CF5-B2B7-4F09-947F-6942BB86068E}"/>
+              </a:ext>
+            </a:extLst>
+          </p:cNvPr>
+          <p:cNvSpPr/>
+          <p:nvPr/>
+        </p:nvSpPr>
+        <p:spPr>
+          <a:xfrm>
+            <a:off x="4774575" y="4211003"/>
+            <a:ext cx="1581837" cy="122779"/>
+          </a:xfrm>
+          <a:prstGeom prst="rect">
+            <a:avLst/>
+          </a:prstGeom>
+          <a:noFill/>
+          <a:ln>
+            <a:solidFill>
+              <a:srgbClr val="FF0000"/>
+            </a:solidFill>
+          </a:ln>
+        </p:spPr>
+        <p:style>
+          <a:lnRef idx="2">
+            <a:schemeClr val="accent1">
+              <a:shade val="50000"/>
+            </a:schemeClr>
+          </a:lnRef>
+          <a:fillRef idx="1">
+            <a:schemeClr val="accent1"/>
+          </a:fillRef>
+          <a:effectRef idx="0">
+            <a:schemeClr val="accent1"/>
+          </a:effectRef>
+          <a:fontRef idx="minor">
+            <a:schemeClr val="lt1"/>
+          </a:fontRef>
+        </p:style>
+        <p:txBody>
+          <a:bodyPr rtlCol="0" anchor="ctr"/>
+          <a:lstStyle/>
+          <a:p>
+            <a:pPr algn="ctr"/>
+            <a:endParaRPr lang="nl-NL"/>
+          </a:p>
+        </p:txBody>
+      </p:sp>
+      <p:sp>
+        <p:nvSpPr>
+          <p:cNvPr id="14" name="Rectangle 13">
+            <a:extLst>
+              <a:ext uri="{FF2B5EF4-FFF2-40B4-BE49-F238E27FC236}">
+                <a16:creationId xmlns:a16="http://schemas.microsoft.com/office/drawing/2014/main" id="{9A6CA345-A557-4B00-8E81-CDA6AED758F2}"/>
+              </a:ext>
+            </a:extLst>
+          </p:cNvPr>
+          <p:cNvSpPr/>
+          <p:nvPr/>
+        </p:nvSpPr>
+        <p:spPr>
+          <a:xfrm>
+            <a:off x="4474346" y="5370990"/>
+            <a:ext cx="1225118" cy="122779"/>
+          </a:xfrm>
+          <a:prstGeom prst="rect">
+            <a:avLst/>
+          </a:prstGeom>
+          <a:noFill/>
+          <a:ln>
+            <a:solidFill>
+              <a:srgbClr val="FF0000"/>
+            </a:solidFill>
+          </a:ln>
+        </p:spPr>
+        <p:style>
+          <a:lnRef idx="2">
+            <a:schemeClr val="accent1">
+              <a:shade val="50000"/>
+            </a:schemeClr>
+          </a:lnRef>
+          <a:fillRef idx="1">
+            <a:schemeClr val="accent1"/>
+          </a:fillRef>
+          <a:effectRef idx="0">
+            <a:schemeClr val="accent1"/>
+          </a:effectRef>
+          <a:fontRef idx="minor">
+            <a:schemeClr val="lt1"/>
+          </a:fontRef>
+        </p:style>
+        <p:txBody>
+          <a:bodyPr rtlCol="0" anchor="ctr"/>
+          <a:lstStyle/>
+          <a:p>
+            <a:pPr algn="ctr"/>
+            <a:endParaRPr lang="nl-NL"/>
+          </a:p>
+        </p:txBody>
+      </p:sp>
+      <p:sp>
+        <p:nvSpPr>
+          <p:cNvPr id="16" name="Rectangle 15">
+            <a:extLst>
+              <a:ext uri="{FF2B5EF4-FFF2-40B4-BE49-F238E27FC236}">
+                <a16:creationId xmlns:a16="http://schemas.microsoft.com/office/drawing/2014/main" id="{DF26FE1D-2473-42F6-8F9F-05938E9D62FD}"/>
+              </a:ext>
+            </a:extLst>
+          </p:cNvPr>
+          <p:cNvSpPr/>
+          <p:nvPr/>
+        </p:nvSpPr>
+        <p:spPr>
+          <a:xfrm>
+            <a:off x="4705165" y="825623"/>
+            <a:ext cx="1094172" cy="187940"/>
+          </a:xfrm>
+          <a:prstGeom prst="rect">
+            <a:avLst/>
+          </a:prstGeom>
+          <a:noFill/>
+          <a:ln>
+            <a:solidFill>
+              <a:srgbClr val="FF0000"/>
+            </a:solidFill>
+          </a:ln>
+        </p:spPr>
+        <p:style>
+          <a:lnRef idx="2">
+            <a:schemeClr val="accent1">
+              <a:shade val="50000"/>
+            </a:schemeClr>
+          </a:lnRef>
+          <a:fillRef idx="1">
+            <a:schemeClr val="accent1"/>
+          </a:fillRef>
+          <a:effectRef idx="0">
+            <a:schemeClr val="accent1"/>
+          </a:effectRef>
+          <a:fontRef idx="minor">
+            <a:schemeClr val="lt1"/>
+          </a:fontRef>
+        </p:style>
+        <p:txBody>
+          <a:bodyPr rtlCol="0" anchor="ctr"/>
+          <a:lstStyle/>
+          <a:p>
+            <a:pPr algn="ctr"/>
+            <a:endParaRPr lang="nl-NL"/>
+          </a:p>
+        </p:txBody>
+      </p:sp>
+      <p:sp>
+        <p:nvSpPr>
+          <p:cNvPr id="17" name="Rectangle 16">
+            <a:extLst>
+              <a:ext uri="{FF2B5EF4-FFF2-40B4-BE49-F238E27FC236}">
+                <a16:creationId xmlns:a16="http://schemas.microsoft.com/office/drawing/2014/main" id="{8AB2E133-96B6-4DCA-94F7-5AECAADB4028}"/>
+              </a:ext>
+            </a:extLst>
+          </p:cNvPr>
+          <p:cNvSpPr/>
+          <p:nvPr/>
+        </p:nvSpPr>
+        <p:spPr>
+          <a:xfrm>
+            <a:off x="6421450" y="5965794"/>
+            <a:ext cx="71021" cy="239697"/>
+          </a:xfrm>
+          <a:prstGeom prst="rect">
+            <a:avLst/>
+          </a:prstGeom>
+          <a:solidFill>
+            <a:schemeClr val="bg1"/>
+          </a:solidFill>
+          <a:ln>
+            <a:solidFill>
+              <a:schemeClr val="bg1"/>
+            </a:solidFill>
+          </a:ln>
+        </p:spPr>
+        <p:style>
+          <a:lnRef idx="2">
+            <a:schemeClr val="accent1">
+              <a:shade val="50000"/>
+            </a:schemeClr>
+          </a:lnRef>
+          <a:fillRef idx="1">
+            <a:schemeClr val="accent1"/>
+          </a:fillRef>
+          <a:effectRef idx="0">
+            <a:schemeClr val="accent1"/>
+          </a:effectRef>
+          <a:fontRef idx="minor">
+            <a:schemeClr val="lt1"/>
+          </a:fontRef>
+        </p:style>
+        <p:txBody>
+          <a:bodyPr rtlCol="0" anchor="ctr"/>
+          <a:lstStyle/>
+          <a:p>
+            <a:pPr algn="ctr"/>
+            <a:endParaRPr lang="nl-NL"/>
+          </a:p>
+        </p:txBody>
+      </p:sp>
+      <p:sp>
+        <p:nvSpPr>
+          <p:cNvPr id="18" name="Rectangle 17">
+            <a:extLst>
+              <a:ext uri="{FF2B5EF4-FFF2-40B4-BE49-F238E27FC236}">
+                <a16:creationId xmlns:a16="http://schemas.microsoft.com/office/drawing/2014/main" id="{4C330A5D-F449-4F47-982B-B65354A25C2B}"/>
+              </a:ext>
+            </a:extLst>
+          </p:cNvPr>
+          <p:cNvSpPr/>
+          <p:nvPr/>
+        </p:nvSpPr>
+        <p:spPr>
+          <a:xfrm>
+            <a:off x="4142634" y="6348890"/>
+            <a:ext cx="2493711" cy="45719"/>
+          </a:xfrm>
+          <a:prstGeom prst="rect">
+            <a:avLst/>
+          </a:prstGeom>
+          <a:solidFill>
+            <a:schemeClr val="bg1"/>
+          </a:solidFill>
+          <a:ln>
+            <a:solidFill>
+              <a:schemeClr val="bg1"/>
+            </a:solidFill>
+          </a:ln>
+        </p:spPr>
+        <p:style>
+          <a:lnRef idx="2">
+            <a:schemeClr val="accent1">
+              <a:shade val="50000"/>
+            </a:schemeClr>
+          </a:lnRef>
+          <a:fillRef idx="1">
+            <a:schemeClr val="accent1"/>
+          </a:fillRef>
+          <a:effectRef idx="0">
+            <a:schemeClr val="accent1"/>
+          </a:effectRef>
+          <a:fontRef idx="minor">
+            <a:schemeClr val="lt1"/>
+          </a:fontRef>
+        </p:style>
+        <p:txBody>
+          <a:bodyPr rtlCol="0" anchor="ctr"/>
+          <a:lstStyle/>
+          <a:p>
+            <a:pPr algn="ctr"/>
+            <a:endParaRPr lang="nl-NL"/>
+          </a:p>
+        </p:txBody>
+      </p:sp>
     </p:spTree>
     <p:extLst>
       <p:ext uri="{BB962C8B-B14F-4D97-AF65-F5344CB8AC3E}">
-        <p14:creationId xmlns:p14="http://schemas.microsoft.com/office/powerpoint/2010/main" val="2792526993"/>
+        <p14:creationId xmlns:p14="http://schemas.microsoft.com/office/powerpoint/2010/main" val="150588208"/>
       </p:ext>
     </p:extLst>
   </p:cSld>
@@ -8142,7 +9219,7 @@
           <p:cNvPr id="2" name="Title 1">
             <a:extLst>
               <a:ext uri="{FF2B5EF4-FFF2-40B4-BE49-F238E27FC236}">
-                <a16:creationId xmlns:a16="http://schemas.microsoft.com/office/drawing/2014/main" id="{EAC68D73-B4FA-4AF8-AA96-5B1659CF060C}"/>
+                <a16:creationId xmlns:a16="http://schemas.microsoft.com/office/drawing/2014/main" id="{8ADE6CF3-FDC3-4F9D-B5CD-DFE8CEBD2ACF}"/>
               </a:ext>
             </a:extLst>
           </p:cNvPr>
@@ -8153,19 +9230,14 @@
             <p:ph type="title"/>
           </p:nvPr>
         </p:nvSpPr>
-        <p:spPr>
-          <a:xfrm>
-            <a:off x="195309" y="1123837"/>
-            <a:ext cx="3116062" cy="4601183"/>
-          </a:xfrm>
-        </p:spPr>
+        <p:spPr/>
         <p:txBody>
           <a:bodyPr/>
           <a:lstStyle/>
           <a:p>
             <a:r>
               <a:rPr lang="nl-NL" dirty="0"/>
-              <a:t>AnchoredMotor</a:t>
+              <a:t>SerialPort code</a:t>
             </a:r>
           </a:p>
         </p:txBody>
@@ -8175,7 +9247,7 @@
           <p:cNvPr id="3" name="Content Placeholder 2">
             <a:extLst>
               <a:ext uri="{FF2B5EF4-FFF2-40B4-BE49-F238E27FC236}">
-                <a16:creationId xmlns:a16="http://schemas.microsoft.com/office/drawing/2014/main" id="{04D37871-57F1-4A81-9B36-14B1FE8F8611}"/>
+                <a16:creationId xmlns:a16="http://schemas.microsoft.com/office/drawing/2014/main" id="{2075A38D-FB72-422A-96E3-ED5FBB5A1A1C}"/>
               </a:ext>
             </a:extLst>
           </p:cNvPr>
@@ -8188,8 +9260,8 @@
         </p:nvSpPr>
         <p:spPr>
           <a:xfrm>
-            <a:off x="3757378" y="2631751"/>
-            <a:ext cx="3116062" cy="1594499"/>
+            <a:off x="3869268" y="4316173"/>
+            <a:ext cx="3960837" cy="1611559"/>
           </a:xfrm>
         </p:spPr>
         <p:txBody>
@@ -8198,19 +9270,19 @@
           <a:p>
             <a:r>
               <a:rPr lang="nl-NL" dirty="0"/>
-              <a:t>RotateAround de Anchor</a:t>
+              <a:t>SerialPort: COM3</a:t>
             </a:r>
           </a:p>
           <a:p>
             <a:r>
               <a:rPr lang="nl-NL" dirty="0"/>
-              <a:t>ChangeDirection()</a:t>
+              <a:t>Serial.write((byte)1)</a:t>
             </a:r>
           </a:p>
           <a:p>
             <a:r>
               <a:rPr lang="nl-NL" dirty="0"/>
-              <a:t>Enumerator Direction</a:t>
+              <a:t>sp.ReadByte()</a:t>
             </a:r>
           </a:p>
         </p:txBody>
@@ -8220,7 +9292,7 @@
           <p:cNvPr id="4" name="Picture 3">
             <a:extLst>
               <a:ext uri="{FF2B5EF4-FFF2-40B4-BE49-F238E27FC236}">
-                <a16:creationId xmlns:a16="http://schemas.microsoft.com/office/drawing/2014/main" id="{7D942448-36B4-4064-A99C-50CFEF164C2E}"/>
+                <a16:creationId xmlns:a16="http://schemas.microsoft.com/office/drawing/2014/main" id="{75A2051C-7B1E-4B84-8300-C171AE6C9DD0}"/>
               </a:ext>
             </a:extLst>
           </p:cNvPr>
@@ -8237,8 +9309,8 @@
         </p:blipFill>
         <p:spPr>
           <a:xfrm>
-            <a:off x="3836579" y="873253"/>
-            <a:ext cx="6073722" cy="1758498"/>
+            <a:off x="3869268" y="1327334"/>
+            <a:ext cx="4079206" cy="1144891"/>
           </a:xfrm>
           <a:prstGeom prst="rect">
             <a:avLst/>
@@ -8247,10 +9319,10 @@
       </p:pic>
       <p:pic>
         <p:nvPicPr>
-          <p:cNvPr id="5" name="Picture 4">
+          <p:cNvPr id="6" name="Picture 5">
             <a:extLst>
               <a:ext uri="{FF2B5EF4-FFF2-40B4-BE49-F238E27FC236}">
-                <a16:creationId xmlns:a16="http://schemas.microsoft.com/office/drawing/2014/main" id="{69611492-D063-4CEE-BD41-921C21DD536A}"/>
+                <a16:creationId xmlns:a16="http://schemas.microsoft.com/office/drawing/2014/main" id="{1F3B230E-4226-4C87-947B-ADCA2B66D817}"/>
               </a:ext>
             </a:extLst>
           </p:cNvPr>
@@ -8267,8 +9339,8 @@
         </p:blipFill>
         <p:spPr>
           <a:xfrm>
-            <a:off x="3889493" y="4226250"/>
-            <a:ext cx="3429954" cy="1626652"/>
+            <a:off x="6605448" y="4442970"/>
+            <a:ext cx="2686050" cy="276225"/>
           </a:xfrm>
           <a:prstGeom prst="rect">
             <a:avLst/>
@@ -8280,7 +9352,7 @@
           <p:cNvPr id="7" name="Picture 6">
             <a:extLst>
               <a:ext uri="{FF2B5EF4-FFF2-40B4-BE49-F238E27FC236}">
-                <a16:creationId xmlns:a16="http://schemas.microsoft.com/office/drawing/2014/main" id="{181468F9-50D9-499D-A446-79673BEA1A58}"/>
+                <a16:creationId xmlns:a16="http://schemas.microsoft.com/office/drawing/2014/main" id="{CAD31A76-6107-4CFD-8DD2-94221F7CD83D}"/>
               </a:ext>
             </a:extLst>
           </p:cNvPr>
@@ -8297,60 +9369,32 @@
         </p:blipFill>
         <p:spPr>
           <a:xfrm>
-            <a:off x="8702036" y="2946871"/>
-            <a:ext cx="1432705" cy="240214"/>
+            <a:off x="6767367" y="5523805"/>
+            <a:ext cx="2362211" cy="261352"/>
           </a:xfrm>
           <a:prstGeom prst="rect">
             <a:avLst/>
           </a:prstGeom>
         </p:spPr>
       </p:pic>
-      <p:pic>
-        <p:nvPicPr>
-          <p:cNvPr id="8" name="Picture 7">
+      <p:cxnSp>
+        <p:nvCxnSpPr>
+          <p:cNvPr id="9" name="Straight Arrow Connector 8">
             <a:extLst>
               <a:ext uri="{FF2B5EF4-FFF2-40B4-BE49-F238E27FC236}">
-                <a16:creationId xmlns:a16="http://schemas.microsoft.com/office/drawing/2014/main" id="{195EA09D-C749-4BB8-B76F-6FC1F38A4D98}"/>
+                <a16:creationId xmlns:a16="http://schemas.microsoft.com/office/drawing/2014/main" id="{D65E69AA-F99C-48B9-AD1E-8A55C631C683}"/>
               </a:ext>
             </a:extLst>
           </p:cNvPr>
-          <p:cNvPicPr>
-            <a:picLocks noChangeAspect="1"/>
-          </p:cNvPicPr>
-          <p:nvPr/>
-        </p:nvPicPr>
-        <p:blipFill>
-          <a:blip r:embed="rId5"/>
-          <a:stretch>
-            <a:fillRect/>
-          </a:stretch>
-        </p:blipFill>
-        <p:spPr>
-          <a:xfrm>
-            <a:off x="8622137" y="3429000"/>
-            <a:ext cx="1596122" cy="1906479"/>
-          </a:xfrm>
-          <a:prstGeom prst="rect">
-            <a:avLst/>
-          </a:prstGeom>
-        </p:spPr>
-      </p:pic>
-      <p:cxnSp>
-        <p:nvCxnSpPr>
-          <p:cNvPr id="12" name="Straight Arrow Connector 11">
-            <a:extLst>
-              <a:ext uri="{FF2B5EF4-FFF2-40B4-BE49-F238E27FC236}">
-                <a16:creationId xmlns:a16="http://schemas.microsoft.com/office/drawing/2014/main" id="{A3C35493-2578-415F-8CD7-35DB49F97C11}"/>
-              </a:ext>
-            </a:extLst>
-          </p:cNvPr>
-          <p:cNvCxnSpPr/>
+          <p:cNvCxnSpPr>
+            <a:cxnSpLocks/>
+          </p:cNvCxnSpPr>
           <p:nvPr/>
         </p:nvCxnSpPr>
         <p:spPr>
           <a:xfrm>
-            <a:off x="9418388" y="4128117"/>
-            <a:ext cx="302661" cy="98133"/>
+            <a:off x="7948472" y="4926560"/>
+            <a:ext cx="0" cy="390784"/>
           </a:xfrm>
           <a:prstGeom prst="straightConnector1">
             <a:avLst/>
@@ -8377,291 +9421,100 @@
           </a:fontRef>
         </p:style>
       </p:cxnSp>
-      <p:cxnSp>
-        <p:nvCxnSpPr>
-          <p:cNvPr id="13" name="Straight Arrow Connector 12">
+      <p:pic>
+        <p:nvPicPr>
+          <p:cNvPr id="12" name="Picture 11">
             <a:extLst>
               <a:ext uri="{FF2B5EF4-FFF2-40B4-BE49-F238E27FC236}">
-                <a16:creationId xmlns:a16="http://schemas.microsoft.com/office/drawing/2014/main" id="{AC506916-C67A-48B8-86D8-252FD40E70B4}"/>
+                <a16:creationId xmlns:a16="http://schemas.microsoft.com/office/drawing/2014/main" id="{115A1701-D287-4545-849B-E80879E6325B}"/>
               </a:ext>
             </a:extLst>
           </p:cNvPr>
-          <p:cNvCxnSpPr>
-            <a:cxnSpLocks/>
-          </p:cNvCxnSpPr>
+          <p:cNvPicPr>
+            <a:picLocks noChangeAspect="1"/>
+          </p:cNvPicPr>
           <p:nvPr/>
-        </p:nvCxnSpPr>
+        </p:nvPicPr>
+        <p:blipFill>
+          <a:blip r:embed="rId5"/>
+          <a:stretch>
+            <a:fillRect/>
+          </a:stretch>
+        </p:blipFill>
         <p:spPr>
           <a:xfrm>
-            <a:off x="9765559" y="4284585"/>
-            <a:ext cx="88776" cy="264850"/>
-          </a:xfrm>
-          <a:prstGeom prst="straightConnector1">
+            <a:off x="3858961" y="914287"/>
+            <a:ext cx="1990725" cy="209550"/>
+          </a:xfrm>
+          <a:prstGeom prst="rect">
             <a:avLst/>
           </a:prstGeom>
-          <a:ln>
-            <a:solidFill>
-              <a:srgbClr val="FF0000"/>
-            </a:solidFill>
-            <a:tailEnd type="triangle"/>
-          </a:ln>
-        </p:spPr>
-        <p:style>
-          <a:lnRef idx="1">
-            <a:schemeClr val="accent1"/>
-          </a:lnRef>
-          <a:fillRef idx="0">
-            <a:schemeClr val="accent1"/>
-          </a:fillRef>
-          <a:effectRef idx="0">
-            <a:schemeClr val="accent1"/>
-          </a:effectRef>
-          <a:fontRef idx="minor">
-            <a:schemeClr val="tx1"/>
-          </a:fontRef>
-        </p:style>
-      </p:cxnSp>
-      <p:cxnSp>
-        <p:nvCxnSpPr>
-          <p:cNvPr id="16" name="Straight Arrow Connector 15">
+        </p:spPr>
+      </p:pic>
+      <p:pic>
+        <p:nvPicPr>
+          <p:cNvPr id="13" name="Picture 12">
             <a:extLst>
               <a:ext uri="{FF2B5EF4-FFF2-40B4-BE49-F238E27FC236}">
-                <a16:creationId xmlns:a16="http://schemas.microsoft.com/office/drawing/2014/main" id="{D93D17B0-DF4B-4482-9B60-A38766B65B1C}"/>
+                <a16:creationId xmlns:a16="http://schemas.microsoft.com/office/drawing/2014/main" id="{756488FB-C1B3-4BB4-962F-571943A35334}"/>
               </a:ext>
             </a:extLst>
           </p:cNvPr>
-          <p:cNvCxnSpPr>
-            <a:cxnSpLocks/>
-          </p:cNvCxnSpPr>
+          <p:cNvPicPr>
+            <a:picLocks noChangeAspect="1"/>
+          </p:cNvPicPr>
           <p:nvPr/>
-        </p:nvCxnSpPr>
-        <p:spPr>
-          <a:xfrm flipH="1">
-            <a:off x="9721049" y="4706904"/>
-            <a:ext cx="119909" cy="264591"/>
-          </a:xfrm>
-          <a:prstGeom prst="straightConnector1">
+        </p:nvPicPr>
+        <p:blipFill>
+          <a:blip r:embed="rId6"/>
+          <a:stretch>
+            <a:fillRect/>
+          </a:stretch>
+        </p:blipFill>
+        <p:spPr>
+          <a:xfrm>
+            <a:off x="6542466" y="2721424"/>
+            <a:ext cx="2812015" cy="1406008"/>
+          </a:xfrm>
+          <a:prstGeom prst="rect">
             <a:avLst/>
           </a:prstGeom>
-          <a:ln>
-            <a:solidFill>
-              <a:srgbClr val="FF0000"/>
-            </a:solidFill>
-            <a:tailEnd type="triangle"/>
-          </a:ln>
-        </p:spPr>
-        <p:style>
-          <a:lnRef idx="1">
-            <a:schemeClr val="accent1"/>
-          </a:lnRef>
-          <a:fillRef idx="0">
-            <a:schemeClr val="accent1"/>
-          </a:fillRef>
-          <a:effectRef idx="0">
-            <a:schemeClr val="accent1"/>
-          </a:effectRef>
-          <a:fontRef idx="minor">
-            <a:schemeClr val="tx1"/>
-          </a:fontRef>
-        </p:style>
-      </p:cxnSp>
-      <p:sp>
-        <p:nvSpPr>
-          <p:cNvPr id="19" name="Oval 18">
+        </p:spPr>
+      </p:pic>
+      <p:pic>
+        <p:nvPicPr>
+          <p:cNvPr id="14" name="Picture 13">
             <a:extLst>
               <a:ext uri="{FF2B5EF4-FFF2-40B4-BE49-F238E27FC236}">
-                <a16:creationId xmlns:a16="http://schemas.microsoft.com/office/drawing/2014/main" id="{8A7C591D-0C07-47E8-B5DB-181FB527E6F3}"/>
+                <a16:creationId xmlns:a16="http://schemas.microsoft.com/office/drawing/2014/main" id="{BE251D1F-2E82-48BF-BDC4-B1B9DABA0589}"/>
               </a:ext>
             </a:extLst>
           </p:cNvPr>
-          <p:cNvSpPr/>
+          <p:cNvPicPr>
+            <a:picLocks noChangeAspect="1"/>
+          </p:cNvPicPr>
           <p:nvPr/>
-        </p:nvSpPr>
+        </p:nvPicPr>
+        <p:blipFill>
+          <a:blip r:embed="rId7"/>
+          <a:stretch>
+            <a:fillRect/>
+          </a:stretch>
+        </p:blipFill>
         <p:spPr>
           <a:xfrm>
-            <a:off x="9335213" y="4549435"/>
-            <a:ext cx="88776" cy="98133"/>
-          </a:xfrm>
-          <a:prstGeom prst="ellipse">
-            <a:avLst/>
-          </a:prstGeom>
-          <a:solidFill>
-            <a:srgbClr val="FF0000"/>
-          </a:solidFill>
-          <a:ln>
-            <a:solidFill>
-              <a:srgbClr val="FF0000"/>
-            </a:solidFill>
-          </a:ln>
-        </p:spPr>
-        <p:style>
-          <a:lnRef idx="2">
-            <a:schemeClr val="accent1">
-              <a:shade val="50000"/>
-            </a:schemeClr>
-          </a:lnRef>
-          <a:fillRef idx="1">
-            <a:schemeClr val="accent1"/>
-          </a:fillRef>
-          <a:effectRef idx="0">
-            <a:schemeClr val="accent1"/>
-          </a:effectRef>
-          <a:fontRef idx="minor">
-            <a:schemeClr val="lt1"/>
-          </a:fontRef>
-        </p:style>
-        <p:txBody>
-          <a:bodyPr rtlCol="0" anchor="ctr"/>
-          <a:lstStyle/>
-          <a:p>
-            <a:pPr algn="ctr"/>
-            <a:endParaRPr lang="nl-NL"/>
-          </a:p>
-        </p:txBody>
-      </p:sp>
-      <p:sp>
-        <p:nvSpPr>
-          <p:cNvPr id="20" name="TextBox 19">
-            <a:extLst>
-              <a:ext uri="{FF2B5EF4-FFF2-40B4-BE49-F238E27FC236}">
-                <a16:creationId xmlns:a16="http://schemas.microsoft.com/office/drawing/2014/main" id="{FE792CB4-2A8D-4DD9-9B26-02A4A813B253}"/>
-              </a:ext>
-            </a:extLst>
-          </p:cNvPr>
-          <p:cNvSpPr txBox="1"/>
-          <p:nvPr/>
-        </p:nvSpPr>
-        <p:spPr>
-          <a:xfrm>
-            <a:off x="9124332" y="4577589"/>
-            <a:ext cx="587020" cy="261610"/>
+            <a:off x="4018072" y="2920852"/>
+            <a:ext cx="2077928" cy="1142002"/>
           </a:xfrm>
           <a:prstGeom prst="rect">
             <a:avLst/>
           </a:prstGeom>
-          <a:noFill/>
-        </p:spPr>
-        <p:txBody>
-          <a:bodyPr wrap="none" rtlCol="0">
-            <a:spAutoFit/>
-          </a:bodyPr>
-          <a:lstStyle/>
-          <a:p>
-            <a:r>
-              <a:rPr lang="nl-NL" sz="1100" dirty="0"/>
-              <a:t>anchor</a:t>
-            </a:r>
-          </a:p>
-        </p:txBody>
-      </p:sp>
-      <p:sp>
-        <p:nvSpPr>
-          <p:cNvPr id="21" name="Rectangle 20">
-            <a:extLst>
-              <a:ext uri="{FF2B5EF4-FFF2-40B4-BE49-F238E27FC236}">
-                <a16:creationId xmlns:a16="http://schemas.microsoft.com/office/drawing/2014/main" id="{7934A990-DBF3-4786-8676-FADF77703E6B}"/>
-              </a:ext>
-            </a:extLst>
-          </p:cNvPr>
-          <p:cNvSpPr/>
-          <p:nvPr/>
-        </p:nvSpPr>
-        <p:spPr>
-          <a:xfrm>
-            <a:off x="5566299" y="1123837"/>
-            <a:ext cx="426128" cy="154547"/>
-          </a:xfrm>
-          <a:prstGeom prst="rect">
-            <a:avLst/>
-          </a:prstGeom>
-          <a:noFill/>
-          <a:ln>
-            <a:solidFill>
-              <a:srgbClr val="FF0000"/>
-            </a:solidFill>
-          </a:ln>
-        </p:spPr>
-        <p:style>
-          <a:lnRef idx="2">
-            <a:schemeClr val="accent1">
-              <a:shade val="50000"/>
-            </a:schemeClr>
-          </a:lnRef>
-          <a:fillRef idx="1">
-            <a:schemeClr val="accent1"/>
-          </a:fillRef>
-          <a:effectRef idx="0">
-            <a:schemeClr val="accent1"/>
-          </a:effectRef>
-          <a:fontRef idx="minor">
-            <a:schemeClr val="lt1"/>
-          </a:fontRef>
-        </p:style>
-        <p:txBody>
-          <a:bodyPr rtlCol="0" anchor="ctr"/>
-          <a:lstStyle/>
-          <a:p>
-            <a:pPr algn="ctr"/>
-            <a:endParaRPr lang="nl-NL"/>
-          </a:p>
-        </p:txBody>
-      </p:sp>
-      <p:sp>
-        <p:nvSpPr>
-          <p:cNvPr id="22" name="Rectangle 21">
-            <a:extLst>
-              <a:ext uri="{FF2B5EF4-FFF2-40B4-BE49-F238E27FC236}">
-                <a16:creationId xmlns:a16="http://schemas.microsoft.com/office/drawing/2014/main" id="{40378611-9D7E-4313-AD88-1FB418551067}"/>
-              </a:ext>
-            </a:extLst>
-          </p:cNvPr>
-          <p:cNvSpPr/>
-          <p:nvPr/>
-        </p:nvSpPr>
-        <p:spPr>
-          <a:xfrm>
-            <a:off x="9124332" y="1123837"/>
-            <a:ext cx="596717" cy="154547"/>
-          </a:xfrm>
-          <a:prstGeom prst="rect">
-            <a:avLst/>
-          </a:prstGeom>
-          <a:noFill/>
-          <a:ln>
-            <a:solidFill>
-              <a:srgbClr val="FF0000"/>
-            </a:solidFill>
-          </a:ln>
-        </p:spPr>
-        <p:style>
-          <a:lnRef idx="2">
-            <a:schemeClr val="accent1">
-              <a:shade val="50000"/>
-            </a:schemeClr>
-          </a:lnRef>
-          <a:fillRef idx="1">
-            <a:schemeClr val="accent1"/>
-          </a:fillRef>
-          <a:effectRef idx="0">
-            <a:schemeClr val="accent1"/>
-          </a:effectRef>
-          <a:fontRef idx="minor">
-            <a:schemeClr val="lt1"/>
-          </a:fontRef>
-        </p:style>
-        <p:txBody>
-          <a:bodyPr rtlCol="0" anchor="ctr"/>
-          <a:lstStyle/>
-          <a:p>
-            <a:pPr algn="ctr"/>
-            <a:endParaRPr lang="nl-NL"/>
-          </a:p>
-        </p:txBody>
-      </p:sp>
+        </p:spPr>
+      </p:pic>
     </p:spTree>
     <p:extLst>
       <p:ext uri="{BB962C8B-B14F-4D97-AF65-F5344CB8AC3E}">
-        <p14:creationId xmlns:p14="http://schemas.microsoft.com/office/powerpoint/2010/main" val="1163071869"/>
+        <p14:creationId xmlns:p14="http://schemas.microsoft.com/office/powerpoint/2010/main" val="2792526993"/>
       </p:ext>
     </p:extLst>
   </p:cSld>

--- a/Documentatie/Special Input.pptx
+++ b/Documentatie/Special Input.pptx
@@ -556,7 +556,7 @@
             <a:fld id="{5586B75A-687E-405C-8A0B-8D00578BA2C3}" type="datetimeFigureOut">
               <a:rPr lang="en-US" dirty="0"/>
               <a:pPr/>
-              <a:t>4/19/2020</a:t>
+              <a:t>4/20/2020</a:t>
             </a:fld>
             <a:endParaRPr lang="en-US" dirty="0"/>
           </a:p>
@@ -723,7 +723,7 @@
             <a:fld id="{5586B75A-687E-405C-8A0B-8D00578BA2C3}" type="datetimeFigureOut">
               <a:rPr lang="en-US" dirty="0"/>
               <a:pPr/>
-              <a:t>4/19/2020</a:t>
+              <a:t>4/20/2020</a:t>
             </a:fld>
             <a:endParaRPr lang="en-US" dirty="0"/>
           </a:p>
@@ -900,7 +900,7 @@
             <a:fld id="{5586B75A-687E-405C-8A0B-8D00578BA2C3}" type="datetimeFigureOut">
               <a:rPr lang="en-US" dirty="0"/>
               <a:pPr/>
-              <a:t>4/19/2020</a:t>
+              <a:t>4/20/2020</a:t>
             </a:fld>
             <a:endParaRPr lang="en-US" dirty="0"/>
           </a:p>
@@ -1067,7 +1067,7 @@
             <a:fld id="{5586B75A-687E-405C-8A0B-8D00578BA2C3}" type="datetimeFigureOut">
               <a:rPr lang="en-US" dirty="0"/>
               <a:pPr/>
-              <a:t>4/19/2020</a:t>
+              <a:t>4/20/2020</a:t>
             </a:fld>
             <a:endParaRPr lang="en-US" dirty="0"/>
           </a:p>
@@ -1322,7 +1322,7 @@
             <a:fld id="{5586B75A-687E-405C-8A0B-8D00578BA2C3}" type="datetimeFigureOut">
               <a:rPr lang="en-US" dirty="0"/>
               <a:pPr/>
-              <a:t>4/19/2020</a:t>
+              <a:t>4/20/2020</a:t>
             </a:fld>
             <a:endParaRPr lang="en-US" dirty="0"/>
           </a:p>
@@ -1607,7 +1607,7 @@
             <a:fld id="{5586B75A-687E-405C-8A0B-8D00578BA2C3}" type="datetimeFigureOut">
               <a:rPr lang="en-US" dirty="0"/>
               <a:pPr/>
-              <a:t>4/19/2020</a:t>
+              <a:t>4/20/2020</a:t>
             </a:fld>
             <a:endParaRPr lang="en-US" dirty="0"/>
           </a:p>
@@ -2046,7 +2046,7 @@
             <a:fld id="{5586B75A-687E-405C-8A0B-8D00578BA2C3}" type="datetimeFigureOut">
               <a:rPr lang="en-US" dirty="0"/>
               <a:pPr/>
-              <a:t>4/19/2020</a:t>
+              <a:t>4/20/2020</a:t>
             </a:fld>
             <a:endParaRPr lang="en-US" dirty="0"/>
           </a:p>
@@ -2161,7 +2161,7 @@
             <a:fld id="{5586B75A-687E-405C-8A0B-8D00578BA2C3}" type="datetimeFigureOut">
               <a:rPr lang="en-US" dirty="0"/>
               <a:pPr/>
-              <a:t>4/19/2020</a:t>
+              <a:t>4/20/2020</a:t>
             </a:fld>
             <a:endParaRPr lang="en-US" dirty="0"/>
           </a:p>
@@ -2253,7 +2253,7 @@
             <a:fld id="{5586B75A-687E-405C-8A0B-8D00578BA2C3}" type="datetimeFigureOut">
               <a:rPr lang="en-US" dirty="0"/>
               <a:pPr/>
-              <a:t>4/19/2020</a:t>
+              <a:t>4/20/2020</a:t>
             </a:fld>
             <a:endParaRPr lang="en-US" dirty="0"/>
           </a:p>
@@ -2538,7 +2538,7 @@
             <a:fld id="{5586B75A-687E-405C-8A0B-8D00578BA2C3}" type="datetimeFigureOut">
               <a:rPr lang="en-US" dirty="0"/>
               <a:pPr/>
-              <a:t>4/19/2020</a:t>
+              <a:t>4/20/2020</a:t>
             </a:fld>
             <a:endParaRPr lang="en-US" dirty="0"/>
           </a:p>
@@ -2808,7 +2808,7 @@
             <a:fld id="{5586B75A-687E-405C-8A0B-8D00578BA2C3}" type="datetimeFigureOut">
               <a:rPr lang="en-US" dirty="0"/>
               <a:pPr/>
-              <a:t>4/19/2020</a:t>
+              <a:t>4/20/2020</a:t>
             </a:fld>
             <a:endParaRPr lang="en-US" dirty="0"/>
           </a:p>
@@ -3102,7 +3102,7 @@
             <a:fld id="{5586B75A-687E-405C-8A0B-8D00578BA2C3}" type="datetimeFigureOut">
               <a:rPr lang="en-US" dirty="0"/>
               <a:pPr/>
-              <a:t>4/19/2020</a:t>
+              <a:t>4/20/2020</a:t>
             </a:fld>
             <a:endParaRPr lang="en-US" dirty="0"/>
           </a:p>
@@ -5953,8 +5953,14 @@
               <a:buNone/>
             </a:pPr>
             <a:r>
+              <a:rPr lang="nl-NL" b="1" dirty="0">
+                <a:hlinkClick r:id="rId2"/>
+              </a:rPr>
+              <a:t>User 1</a:t>
+            </a:r>
+            <a:r>
               <a:rPr lang="nl-NL" b="1" dirty="0"/>
-              <a:t>User 1 (vrouw 55, geen gamer):</a:t>
+              <a:t> (vrouw 55, geen gamer):</a:t>
             </a:r>
           </a:p>
           <a:p>
@@ -7011,6 +7017,7 @@
       <p:pic>
         <p:nvPicPr>
           <p:cNvPr id="4" name="Picture 3">
+            <a:hlinkClick r:id="rId2"/>
             <a:extLst>
               <a:ext uri="{FF2B5EF4-FFF2-40B4-BE49-F238E27FC236}">
                 <a16:creationId xmlns:a16="http://schemas.microsoft.com/office/drawing/2014/main" id="{04820B40-F2FE-4A8D-9B04-84B791D89940}"/>
@@ -7023,7 +7030,7 @@
           <p:nvPr/>
         </p:nvPicPr>
         <p:blipFill>
-          <a:blip r:embed="rId2"/>
+          <a:blip r:embed="rId3"/>
           <a:stretch>
             <a:fillRect/>
           </a:stretch>

--- a/Documentatie/Special Input.pptx
+++ b/Documentatie/Special Input.pptx
@@ -556,7 +556,7 @@
             <a:fld id="{5586B75A-687E-405C-8A0B-8D00578BA2C3}" type="datetimeFigureOut">
               <a:rPr lang="en-US" dirty="0"/>
               <a:pPr/>
-              <a:t>4/20/2020</a:t>
+              <a:t>4/21/2020</a:t>
             </a:fld>
             <a:endParaRPr lang="en-US" dirty="0"/>
           </a:p>
@@ -723,7 +723,7 @@
             <a:fld id="{5586B75A-687E-405C-8A0B-8D00578BA2C3}" type="datetimeFigureOut">
               <a:rPr lang="en-US" dirty="0"/>
               <a:pPr/>
-              <a:t>4/20/2020</a:t>
+              <a:t>4/21/2020</a:t>
             </a:fld>
             <a:endParaRPr lang="en-US" dirty="0"/>
           </a:p>
@@ -900,7 +900,7 @@
             <a:fld id="{5586B75A-687E-405C-8A0B-8D00578BA2C3}" type="datetimeFigureOut">
               <a:rPr lang="en-US" dirty="0"/>
               <a:pPr/>
-              <a:t>4/20/2020</a:t>
+              <a:t>4/21/2020</a:t>
             </a:fld>
             <a:endParaRPr lang="en-US" dirty="0"/>
           </a:p>
@@ -1067,7 +1067,7 @@
             <a:fld id="{5586B75A-687E-405C-8A0B-8D00578BA2C3}" type="datetimeFigureOut">
               <a:rPr lang="en-US" dirty="0"/>
               <a:pPr/>
-              <a:t>4/20/2020</a:t>
+              <a:t>4/21/2020</a:t>
             </a:fld>
             <a:endParaRPr lang="en-US" dirty="0"/>
           </a:p>
@@ -1322,7 +1322,7 @@
             <a:fld id="{5586B75A-687E-405C-8A0B-8D00578BA2C3}" type="datetimeFigureOut">
               <a:rPr lang="en-US" dirty="0"/>
               <a:pPr/>
-              <a:t>4/20/2020</a:t>
+              <a:t>4/21/2020</a:t>
             </a:fld>
             <a:endParaRPr lang="en-US" dirty="0"/>
           </a:p>
@@ -1607,7 +1607,7 @@
             <a:fld id="{5586B75A-687E-405C-8A0B-8D00578BA2C3}" type="datetimeFigureOut">
               <a:rPr lang="en-US" dirty="0"/>
               <a:pPr/>
-              <a:t>4/20/2020</a:t>
+              <a:t>4/21/2020</a:t>
             </a:fld>
             <a:endParaRPr lang="en-US" dirty="0"/>
           </a:p>
@@ -2046,7 +2046,7 @@
             <a:fld id="{5586B75A-687E-405C-8A0B-8D00578BA2C3}" type="datetimeFigureOut">
               <a:rPr lang="en-US" dirty="0"/>
               <a:pPr/>
-              <a:t>4/20/2020</a:t>
+              <a:t>4/21/2020</a:t>
             </a:fld>
             <a:endParaRPr lang="en-US" dirty="0"/>
           </a:p>
@@ -2161,7 +2161,7 @@
             <a:fld id="{5586B75A-687E-405C-8A0B-8D00578BA2C3}" type="datetimeFigureOut">
               <a:rPr lang="en-US" dirty="0"/>
               <a:pPr/>
-              <a:t>4/20/2020</a:t>
+              <a:t>4/21/2020</a:t>
             </a:fld>
             <a:endParaRPr lang="en-US" dirty="0"/>
           </a:p>
@@ -2253,7 +2253,7 @@
             <a:fld id="{5586B75A-687E-405C-8A0B-8D00578BA2C3}" type="datetimeFigureOut">
               <a:rPr lang="en-US" dirty="0"/>
               <a:pPr/>
-              <a:t>4/20/2020</a:t>
+              <a:t>4/21/2020</a:t>
             </a:fld>
             <a:endParaRPr lang="en-US" dirty="0"/>
           </a:p>
@@ -2538,7 +2538,7 @@
             <a:fld id="{5586B75A-687E-405C-8A0B-8D00578BA2C3}" type="datetimeFigureOut">
               <a:rPr lang="en-US" dirty="0"/>
               <a:pPr/>
-              <a:t>4/20/2020</a:t>
+              <a:t>4/21/2020</a:t>
             </a:fld>
             <a:endParaRPr lang="en-US" dirty="0"/>
           </a:p>
@@ -2808,7 +2808,7 @@
             <a:fld id="{5586B75A-687E-405C-8A0B-8D00578BA2C3}" type="datetimeFigureOut">
               <a:rPr lang="en-US" dirty="0"/>
               <a:pPr/>
-              <a:t>4/20/2020</a:t>
+              <a:t>4/21/2020</a:t>
             </a:fld>
             <a:endParaRPr lang="en-US" dirty="0"/>
           </a:p>
@@ -3102,7 +3102,7 @@
             <a:fld id="{5586B75A-687E-405C-8A0B-8D00578BA2C3}" type="datetimeFigureOut">
               <a:rPr lang="en-US" dirty="0"/>
               <a:pPr/>
-              <a:t>4/20/2020</a:t>
+              <a:t>4/21/2020</a:t>
             </a:fld>
             <a:endParaRPr lang="en-US" dirty="0"/>
           </a:p>
@@ -6675,6 +6675,18 @@
               <a:t>Game code</a:t>
             </a:r>
           </a:p>
+          <a:p>
+            <a:r>
+              <a:rPr lang="nl-NL" dirty="0"/>
+              <a:t>Usertests</a:t>
+            </a:r>
+          </a:p>
+          <a:p>
+            <a:r>
+              <a:rPr lang="nl-NL" dirty="0"/>
+              <a:t>Documentatie</a:t>
+            </a:r>
+          </a:p>
         </p:txBody>
       </p:sp>
     </p:spTree>
